--- a/WORD/luanvan_nhanhnt_ver4.pptx
+++ b/WORD/luanvan_nhanhnt_ver4.pptx
@@ -7,7 +7,7 @@
     <p:sldMasterId id="2147483652" r:id="rId3"/>
   </p:sldMasterIdLst>
   <p:notesMasterIdLst>
-    <p:notesMasterId r:id="rId56"/>
+    <p:notesMasterId r:id="rId53"/>
   </p:notesMasterIdLst>
   <p:sldIdLst>
     <p:sldId id="256" r:id="rId4"/>
@@ -26,42 +26,39 @@
     <p:sldId id="276" r:id="rId17"/>
     <p:sldId id="278" r:id="rId18"/>
     <p:sldId id="279" r:id="rId19"/>
-    <p:sldId id="280" r:id="rId20"/>
-    <p:sldId id="281" r:id="rId21"/>
-    <p:sldId id="282" r:id="rId22"/>
-    <p:sldId id="283" r:id="rId23"/>
-    <p:sldId id="284" r:id="rId24"/>
-    <p:sldId id="286" r:id="rId25"/>
-    <p:sldId id="287" r:id="rId26"/>
-    <p:sldId id="327" r:id="rId27"/>
-    <p:sldId id="292" r:id="rId28"/>
-    <p:sldId id="293" r:id="rId29"/>
-    <p:sldId id="294" r:id="rId30"/>
-    <p:sldId id="297" r:id="rId31"/>
-    <p:sldId id="328" r:id="rId32"/>
-    <p:sldId id="306" r:id="rId33"/>
-    <p:sldId id="307" r:id="rId34"/>
-    <p:sldId id="308" r:id="rId35"/>
-    <p:sldId id="309" r:id="rId36"/>
-    <p:sldId id="311" r:id="rId37"/>
-    <p:sldId id="312" r:id="rId38"/>
-    <p:sldId id="321" r:id="rId39"/>
-    <p:sldId id="322" r:id="rId40"/>
-    <p:sldId id="329" r:id="rId41"/>
-    <p:sldId id="330" r:id="rId42"/>
-    <p:sldId id="331" r:id="rId43"/>
-    <p:sldId id="313" r:id="rId44"/>
-    <p:sldId id="314" r:id="rId45"/>
-    <p:sldId id="315" r:id="rId46"/>
-    <p:sldId id="316" r:id="rId47"/>
-    <p:sldId id="317" r:id="rId48"/>
-    <p:sldId id="318" r:id="rId49"/>
-    <p:sldId id="319" r:id="rId50"/>
-    <p:sldId id="320" r:id="rId51"/>
-    <p:sldId id="332" r:id="rId52"/>
-    <p:sldId id="333" r:id="rId53"/>
-    <p:sldId id="334" r:id="rId54"/>
-    <p:sldId id="335" r:id="rId55"/>
+    <p:sldId id="281" r:id="rId20"/>
+    <p:sldId id="282" r:id="rId21"/>
+    <p:sldId id="286" r:id="rId22"/>
+    <p:sldId id="287" r:id="rId23"/>
+    <p:sldId id="327" r:id="rId24"/>
+    <p:sldId id="292" r:id="rId25"/>
+    <p:sldId id="293" r:id="rId26"/>
+    <p:sldId id="294" r:id="rId27"/>
+    <p:sldId id="297" r:id="rId28"/>
+    <p:sldId id="328" r:id="rId29"/>
+    <p:sldId id="306" r:id="rId30"/>
+    <p:sldId id="307" r:id="rId31"/>
+    <p:sldId id="308" r:id="rId32"/>
+    <p:sldId id="309" r:id="rId33"/>
+    <p:sldId id="311" r:id="rId34"/>
+    <p:sldId id="312" r:id="rId35"/>
+    <p:sldId id="321" r:id="rId36"/>
+    <p:sldId id="322" r:id="rId37"/>
+    <p:sldId id="329" r:id="rId38"/>
+    <p:sldId id="330" r:id="rId39"/>
+    <p:sldId id="331" r:id="rId40"/>
+    <p:sldId id="313" r:id="rId41"/>
+    <p:sldId id="314" r:id="rId42"/>
+    <p:sldId id="315" r:id="rId43"/>
+    <p:sldId id="316" r:id="rId44"/>
+    <p:sldId id="317" r:id="rId45"/>
+    <p:sldId id="318" r:id="rId46"/>
+    <p:sldId id="319" r:id="rId47"/>
+    <p:sldId id="320" r:id="rId48"/>
+    <p:sldId id="332" r:id="rId49"/>
+    <p:sldId id="333" r:id="rId50"/>
+    <p:sldId id="334" r:id="rId51"/>
+    <p:sldId id="335" r:id="rId52"/>
   </p:sldIdLst>
   <p:sldSz cx="12188825" cy="6858000"/>
   <p:notesSz cx="6858000" cy="9144000"/>
@@ -245,7 +242,7 @@
           <a:p>
             <a:fld id="{CA3BC56F-4620-49B9-A5A5-EC9358827620}" type="datetimeFigureOut">
               <a:rPr lang="en-US" smtClean="0"/>
-              <a:t>1/4/2016</a:t>
+              <a:t>5/4/2016</a:t>
             </a:fld>
             <a:endParaRPr lang="en-US"/>
           </a:p>
@@ -750,7 +747,7 @@
           <a:p>
             <a:fld id="{C0A5B71C-7354-4D05-938B-3F552AFB1E2B}" type="slidenum">
               <a:rPr lang="en-US" smtClean="0"/>
-              <a:t>19</a:t>
+              <a:t>18</a:t>
             </a:fld>
             <a:endParaRPr lang="en-US"/>
           </a:p>
@@ -2367,7 +2364,7 @@
           <a:p>
             <a:fld id="{C53D5415-BEED-41C8-9341-492C4CB8B6BD}" type="datetime1">
               <a:rPr lang="en-US" smtClean="0"/>
-              <a:t>1/4/2016</a:t>
+              <a:t>5/4/2016</a:t>
             </a:fld>
             <a:endParaRPr lang="en-US"/>
           </a:p>
@@ -5810,7 +5807,23 @@
             <a:pPr lvl="2"/>
             <a:r>
               <a:rPr lang="en-US" dirty="0" smtClean="0"/>
-              <a:t>WSDL – Ngôn ngữ mô tả Web Service, là ngôn ngữ cho việc mô tả các giao diện Web Service dựa trên XML, bao gồm các thông tin</a:t>
+              <a:t>WSDL – Ngôn ngữ mô tả Web </a:t>
+            </a:r>
+            <a:r>
+              <a:rPr lang="en-US" dirty="0" smtClean="0"/>
+              <a:t>Services, </a:t>
+            </a:r>
+            <a:r>
+              <a:rPr lang="en-US" dirty="0" smtClean="0"/>
+              <a:t>là ngôn ngữ cho việc mô tả các giao diện Web </a:t>
+            </a:r>
+            <a:r>
+              <a:rPr lang="en-US" dirty="0" smtClean="0"/>
+              <a:t>Services </a:t>
+            </a:r>
+            <a:r>
+              <a:rPr lang="en-US" dirty="0" smtClean="0"/>
+              <a:t>dựa trên XML, bao gồm các thông tin</a:t>
             </a:r>
           </a:p>
           <a:p>
@@ -7142,7 +7155,7 @@
                 <a:schemeClr val="tx1"/>
               </a:solidFill>
               <a:round/>
-              <a:headEnd/>
+              <a:headEnd type="triangle"/>
               <a:tailEnd type="triangle" w="med" len="med"/>
             </a:ln>
           </p:spPr>
@@ -7201,7 +7214,7 @@
                 <a:schemeClr val="tx1"/>
               </a:solidFill>
               <a:round/>
-              <a:headEnd/>
+              <a:headEnd type="triangle"/>
               <a:tailEnd type="triangle" w="med" len="med"/>
             </a:ln>
           </p:spPr>
@@ -7728,7 +7741,7 @@
         </p:nvSpPr>
         <p:spPr>
           <a:xfrm>
-            <a:off x="779926" y="1371600"/>
+            <a:off x="779926" y="990600"/>
             <a:ext cx="10496086" cy="5867400"/>
           </a:xfrm>
         </p:spPr>
@@ -7741,29 +7754,52 @@
             <a:pPr lvl="2"/>
             <a:r>
               <a:rPr lang="en-US" sz="2800" dirty="0" smtClean="0"/>
-              <a:t>Sự phân định rạch ròi giữa các dịch vụ</a:t>
-            </a:r>
+              <a:t>Kết nối </a:t>
+            </a:r>
+            <a:r>
+              <a:rPr lang="en-US" sz="2800" dirty="0" smtClean="0"/>
+              <a:t>lỏng</a:t>
+            </a:r>
+            <a:endParaRPr lang="en-US" sz="2800" dirty="0" smtClean="0"/>
           </a:p>
           <a:p>
             <a:pPr lvl="2"/>
             <a:r>
               <a:rPr lang="en-US" sz="2800" dirty="0" smtClean="0"/>
-              <a:t>Các dịch vụ tự hoạt động</a:t>
+              <a:t>Tái sử dụng dịch vụ</a:t>
             </a:r>
           </a:p>
           <a:p>
             <a:pPr lvl="2"/>
             <a:r>
               <a:rPr lang="en-US" sz="2800" dirty="0" smtClean="0"/>
-              <a:t>Các dịch vụ chia sẻ lược đồ</a:t>
+              <a:t>Quản lý chính sách</a:t>
             </a:r>
           </a:p>
           <a:p>
             <a:pPr lvl="2"/>
             <a:r>
-              <a:rPr lang="en-US" sz="2800" dirty="0"/>
-              <a:t>Tính tương thích của các dịch vụ dựa trên chính sách</a:t>
-            </a:r>
+              <a:rPr lang="en-US" sz="2800" dirty="0" smtClean="0"/>
+              <a:t>Tự động dò tìm và ràng buộc động</a:t>
+            </a:r>
+          </a:p>
+          <a:p>
+            <a:pPr lvl="2"/>
+            <a:r>
+              <a:rPr lang="en-US" sz="2800" dirty="0" smtClean="0"/>
+              <a:t>Khả năng tự phục hồi</a:t>
+            </a:r>
+          </a:p>
+          <a:p>
+            <a:pPr lvl="2"/>
+            <a:r>
+              <a:rPr lang="en-US" sz="2800" dirty="0" smtClean="0"/>
+              <a:t>Khả năng cộng tác</a:t>
+            </a:r>
+          </a:p>
+          <a:p>
+            <a:pPr lvl="2"/>
+            <a:endParaRPr lang="en-US" sz="2800" dirty="0"/>
           </a:p>
           <a:p>
             <a:pPr lvl="2"/>
@@ -7797,7 +7833,7 @@
           <a:p>
             <a:r>
               <a:rPr lang="en-US" dirty="0" smtClean="0"/>
-              <a:t>Những nguyên tắc chính của hệ thống SOA</a:t>
+              <a:t>Các tính chất của một hệ thống SOA</a:t>
             </a:r>
             <a:endParaRPr lang="en-US" dirty="0"/>
           </a:p>
@@ -7806,7 +7842,7 @@
     </p:spTree>
     <p:extLst>
       <p:ext uri="{BB962C8B-B14F-4D97-AF65-F5344CB8AC3E}">
-        <p14:creationId xmlns:p14="http://schemas.microsoft.com/office/powerpoint/2010/main" val="2621182055"/>
+        <p14:creationId xmlns:p14="http://schemas.microsoft.com/office/powerpoint/2010/main" val="1562688393"/>
       </p:ext>
     </p:extLst>
   </p:cSld>
@@ -7887,48 +7923,6 @@
           <a:lstStyle/>
           <a:p>
             <a:pPr lvl="2"/>
-            <a:r>
-              <a:rPr lang="en-US" sz="2800" dirty="0" smtClean="0"/>
-              <a:t>Kết nối lõng lẽo</a:t>
-            </a:r>
-          </a:p>
-          <a:p>
-            <a:pPr lvl="2"/>
-            <a:r>
-              <a:rPr lang="en-US" sz="2800" dirty="0" smtClean="0"/>
-              <a:t>Tái sử dụng dịch vụ</a:t>
-            </a:r>
-          </a:p>
-          <a:p>
-            <a:pPr lvl="2"/>
-            <a:r>
-              <a:rPr lang="en-US" sz="2800" dirty="0" smtClean="0"/>
-              <a:t>Quản lý chính sách</a:t>
-            </a:r>
-          </a:p>
-          <a:p>
-            <a:pPr lvl="2"/>
-            <a:r>
-              <a:rPr lang="en-US" sz="2800" dirty="0" smtClean="0"/>
-              <a:t>Tự động dò tìm và ràng buộc động</a:t>
-            </a:r>
-          </a:p>
-          <a:p>
-            <a:pPr lvl="2"/>
-            <a:r>
-              <a:rPr lang="en-US" sz="2800" dirty="0" smtClean="0"/>
-              <a:t>Khả năng tự phục hồi</a:t>
-            </a:r>
-          </a:p>
-          <a:p>
-            <a:pPr lvl="2"/>
-            <a:r>
-              <a:rPr lang="en-US" sz="2800" dirty="0" smtClean="0"/>
-              <a:t>Khả năng cộng tác</a:t>
-            </a:r>
-          </a:p>
-          <a:p>
-            <a:pPr lvl="2"/>
             <a:endParaRPr lang="en-US" sz="2800" dirty="0"/>
           </a:p>
           <a:p>
@@ -7963,16 +7957,49 @@
           <a:p>
             <a:r>
               <a:rPr lang="en-US" dirty="0" smtClean="0"/>
-              <a:t>Các tính chất của một hệ thống SOA</a:t>
+              <a:t>Kiến trúc phân tầng chi tiết của SOA - IBM</a:t>
             </a:r>
             <a:endParaRPr lang="en-US" dirty="0"/>
           </a:p>
         </p:txBody>
       </p:sp>
+      <p:pic>
+        <p:nvPicPr>
+          <p:cNvPr id="6" name="Picture 5"/>
+          <p:cNvPicPr/>
+          <p:nvPr/>
+        </p:nvPicPr>
+        <p:blipFill>
+          <a:blip r:embed="rId3">
+            <a:extLst>
+              <a:ext uri="{28A0092B-C50C-407E-A947-70E740481C1C}">
+                <a14:useLocalDpi xmlns:a14="http://schemas.microsoft.com/office/drawing/2010/main" val="0"/>
+              </a:ext>
+            </a:extLst>
+          </a:blip>
+          <a:srcRect/>
+          <a:stretch>
+            <a:fillRect/>
+          </a:stretch>
+        </p:blipFill>
+        <p:spPr bwMode="auto">
+          <a:xfrm>
+            <a:off x="1141412" y="1143000"/>
+            <a:ext cx="9753600" cy="5181600"/>
+          </a:xfrm>
+          <a:prstGeom prst="rect">
+            <a:avLst/>
+          </a:prstGeom>
+          <a:noFill/>
+          <a:ln>
+            <a:noFill/>
+          </a:ln>
+        </p:spPr>
+      </p:pic>
     </p:spTree>
     <p:extLst>
       <p:ext uri="{BB962C8B-B14F-4D97-AF65-F5344CB8AC3E}">
-        <p14:creationId xmlns:p14="http://schemas.microsoft.com/office/powerpoint/2010/main" val="1562688393"/>
+        <p14:creationId xmlns:p14="http://schemas.microsoft.com/office/powerpoint/2010/main" val="3972808061"/>
       </p:ext>
     </p:extLst>
   </p:cSld>
@@ -8025,784 +8052,6 @@
               <a:rPr lang="en-US" smtClean="0"/>
               <a:pPr/>
               <a:t>19</a:t>
-            </a:fld>
-            <a:endParaRPr lang="en-US" dirty="0"/>
-          </a:p>
-        </p:txBody>
-      </p:sp>
-      <p:sp>
-        <p:nvSpPr>
-          <p:cNvPr id="3" name="Content Placeholder 2"/>
-          <p:cNvSpPr>
-            <a:spLocks noGrp="1"/>
-          </p:cNvSpPr>
-          <p:nvPr>
-            <p:ph sz="quarter" idx="14"/>
-          </p:nvPr>
-        </p:nvSpPr>
-        <p:spPr>
-          <a:xfrm>
-            <a:off x="779926" y="990600"/>
-            <a:ext cx="10496086" cy="5867400"/>
-          </a:xfrm>
-        </p:spPr>
-        <p:txBody>
-          <a:bodyPr>
-            <a:normAutofit/>
-          </a:bodyPr>
-          <a:lstStyle/>
-          <a:p>
-            <a:pPr lvl="2"/>
-            <a:endParaRPr lang="en-US" sz="2800" dirty="0"/>
-          </a:p>
-          <a:p>
-            <a:pPr lvl="2"/>
-            <a:endParaRPr lang="en-US" sz="2800" dirty="0"/>
-          </a:p>
-          <a:p>
-            <a:pPr lvl="2"/>
-            <a:endParaRPr lang="en-US" sz="2800" dirty="0" smtClean="0"/>
-          </a:p>
-          <a:p>
-            <a:endParaRPr lang="en-US" dirty="0"/>
-          </a:p>
-        </p:txBody>
-      </p:sp>
-      <p:sp>
-        <p:nvSpPr>
-          <p:cNvPr id="4" name="Title 3"/>
-          <p:cNvSpPr>
-            <a:spLocks noGrp="1"/>
-          </p:cNvSpPr>
-          <p:nvPr>
-            <p:ph type="title"/>
-          </p:nvPr>
-        </p:nvSpPr>
-        <p:spPr/>
-        <p:txBody>
-          <a:bodyPr>
-            <a:normAutofit fontScale="90000"/>
-          </a:bodyPr>
-          <a:lstStyle/>
-          <a:p>
-            <a:r>
-              <a:rPr lang="en-US" dirty="0" smtClean="0"/>
-              <a:t>Kiến trúc phân tầng chi tiết của SOA - IBM</a:t>
-            </a:r>
-            <a:endParaRPr lang="en-US" dirty="0"/>
-          </a:p>
-        </p:txBody>
-      </p:sp>
-      <p:pic>
-        <p:nvPicPr>
-          <p:cNvPr id="2050" name="Picture 2"/>
-          <p:cNvPicPr>
-            <a:picLocks noChangeAspect="1" noChangeArrowheads="1"/>
-          </p:cNvPicPr>
-          <p:nvPr/>
-        </p:nvPicPr>
-        <p:blipFill>
-          <a:blip r:embed="rId3">
-            <a:extLst>
-              <a:ext uri="{28A0092B-C50C-407E-A947-70E740481C1C}">
-                <a14:useLocalDpi xmlns:a14="http://schemas.microsoft.com/office/drawing/2010/main" val="0"/>
-              </a:ext>
-            </a:extLst>
-          </a:blip>
-          <a:srcRect/>
-          <a:stretch>
-            <a:fillRect/>
-          </a:stretch>
-        </p:blipFill>
-        <p:spPr bwMode="auto">
-          <a:xfrm>
-            <a:off x="1217612" y="990600"/>
-            <a:ext cx="9574823" cy="5029200"/>
-          </a:xfrm>
-          <a:prstGeom prst="rect">
-            <a:avLst/>
-          </a:prstGeom>
-          <a:noFill/>
-          <a:ln>
-            <a:noFill/>
-          </a:ln>
-          <a:effectLst/>
-          <a:extLst>
-            <a:ext uri="{909E8E84-426E-40DD-AFC4-6F175D3DCCD1}">
-              <a14:hiddenFill xmlns:a14="http://schemas.microsoft.com/office/drawing/2010/main">
-                <a:solidFill>
-                  <a:schemeClr val="accent1"/>
-                </a:solidFill>
-              </a14:hiddenFill>
-            </a:ext>
-            <a:ext uri="{91240B29-F687-4F45-9708-019B960494DF}">
-              <a14:hiddenLine xmlns:a14="http://schemas.microsoft.com/office/drawing/2010/main" w="9525">
-                <a:solidFill>
-                  <a:schemeClr val="tx1"/>
-                </a:solidFill>
-                <a:miter lim="800000"/>
-                <a:headEnd/>
-                <a:tailEnd/>
-              </a14:hiddenLine>
-            </a:ext>
-            <a:ext uri="{AF507438-7753-43E0-B8FC-AC1667EBCBE1}">
-              <a14:hiddenEffects xmlns:a14="http://schemas.microsoft.com/office/drawing/2010/main">
-                <a:effectLst>
-                  <a:outerShdw dist="35921" dir="2700000" algn="ctr" rotWithShape="0">
-                    <a:schemeClr val="bg2"/>
-                  </a:outerShdw>
-                </a:effectLst>
-              </a14:hiddenEffects>
-            </a:ext>
-          </a:extLst>
-        </p:spPr>
-      </p:pic>
-    </p:spTree>
-    <p:extLst>
-      <p:ext uri="{BB962C8B-B14F-4D97-AF65-F5344CB8AC3E}">
-        <p14:creationId xmlns:p14="http://schemas.microsoft.com/office/powerpoint/2010/main" val="3972808061"/>
-      </p:ext>
-    </p:extLst>
-  </p:cSld>
-  <p:clrMapOvr>
-    <a:masterClrMapping/>
-  </p:clrMapOvr>
-  <p:timing>
-    <p:tnLst>
-      <p:par>
-        <p:cTn id="1" dur="indefinite" restart="never" nodeType="tmRoot"/>
-      </p:par>
-    </p:tnLst>
-  </p:timing>
-</p:sld>
-</file>
-
-<file path=ppt/slides/slide2.xml><?xml version="1.0" encoding="utf-8"?>
-<p:sld xmlns:a="http://schemas.openxmlformats.org/drawingml/2006/main" xmlns:r="http://schemas.openxmlformats.org/officeDocument/2006/relationships" xmlns:p="http://schemas.openxmlformats.org/presentationml/2006/main">
-  <p:cSld>
-    <p:spTree>
-      <p:nvGrpSpPr>
-        <p:cNvPr id="1" name=""/>
-        <p:cNvGrpSpPr/>
-        <p:nvPr/>
-      </p:nvGrpSpPr>
-      <p:grpSpPr>
-        <a:xfrm>
-          <a:off x="0" y="0"/>
-          <a:ext cx="0" cy="0"/>
-          <a:chOff x="0" y="0"/>
-          <a:chExt cx="0" cy="0"/>
-        </a:xfrm>
-      </p:grpSpPr>
-      <p:sp>
-        <p:nvSpPr>
-          <p:cNvPr id="6" name="Slide Number Placeholder 5"/>
-          <p:cNvSpPr>
-            <a:spLocks noGrp="1"/>
-          </p:cNvSpPr>
-          <p:nvPr>
-            <p:ph type="sldNum" sz="quarter" idx="12"/>
-          </p:nvPr>
-        </p:nvSpPr>
-        <p:spPr/>
-        <p:txBody>
-          <a:bodyPr/>
-          <a:lstStyle/>
-          <a:p>
-            <a:fld id="{9DFD9A34-EC64-4F0B-9C9B-2C0A202A050B}" type="slidenum">
-              <a:rPr lang="en-US" smtClean="0"/>
-              <a:pPr/>
-              <a:t>2</a:t>
-            </a:fld>
-            <a:endParaRPr lang="en-US" dirty="0"/>
-          </a:p>
-        </p:txBody>
-      </p:sp>
-      <p:sp>
-        <p:nvSpPr>
-          <p:cNvPr id="5" name="Content Placeholder 4"/>
-          <p:cNvSpPr>
-            <a:spLocks noGrp="1"/>
-          </p:cNvSpPr>
-          <p:nvPr>
-            <p:ph sz="quarter" idx="14"/>
-          </p:nvPr>
-        </p:nvSpPr>
-        <p:spPr>
-          <a:xfrm>
-            <a:off x="779926" y="990600"/>
-            <a:ext cx="10496086" cy="5181600"/>
-          </a:xfrm>
-        </p:spPr>
-        <p:txBody>
-          <a:bodyPr>
-            <a:normAutofit fontScale="47500" lnSpcReduction="20000"/>
-          </a:bodyPr>
-          <a:lstStyle/>
-          <a:p>
-            <a:pPr marL="0" indent="0">
-              <a:lnSpc>
-                <a:spcPct val="200000"/>
-              </a:lnSpc>
-              <a:buNone/>
-            </a:pPr>
-            <a:r>
-              <a:rPr lang="en-US" sz="5900" dirty="0"/>
-              <a:t>Phần mở đầu</a:t>
-            </a:r>
-          </a:p>
-          <a:p>
-            <a:pPr marL="0" indent="0">
-              <a:lnSpc>
-                <a:spcPct val="200000"/>
-              </a:lnSpc>
-              <a:buNone/>
-            </a:pPr>
-            <a:r>
-              <a:rPr lang="en-US" sz="5900" dirty="0"/>
-              <a:t>Phần nội dung</a:t>
-            </a:r>
-          </a:p>
-          <a:p>
-            <a:pPr marL="282575" indent="0">
-              <a:lnSpc>
-                <a:spcPct val="200000"/>
-              </a:lnSpc>
-              <a:buNone/>
-            </a:pPr>
-            <a:r>
-              <a:rPr lang="en-US" sz="5900" dirty="0" smtClean="0"/>
-              <a:t>Tổng </a:t>
-            </a:r>
-            <a:r>
-              <a:rPr lang="en-US" sz="5900" dirty="0"/>
-              <a:t>quan về kiến trúc hướng dịch vụ</a:t>
-            </a:r>
-          </a:p>
-          <a:p>
-            <a:pPr marL="282575" indent="0">
-              <a:lnSpc>
-                <a:spcPct val="200000"/>
-              </a:lnSpc>
-              <a:buNone/>
-            </a:pPr>
-            <a:r>
-              <a:rPr lang="en-US" sz="5900" dirty="0" smtClean="0"/>
-              <a:t>Khung </a:t>
-            </a:r>
-            <a:r>
-              <a:rPr lang="en-US" sz="5900" dirty="0"/>
-              <a:t>ứng dụng hỗ trợ lập trình SOA</a:t>
-            </a:r>
-          </a:p>
-          <a:p>
-            <a:pPr marL="282575" indent="0">
-              <a:lnSpc>
-                <a:spcPct val="200000"/>
-              </a:lnSpc>
-              <a:buNone/>
-            </a:pPr>
-            <a:r>
-              <a:rPr lang="en-US" sz="5900" dirty="0" smtClean="0"/>
-              <a:t>Xây </a:t>
-            </a:r>
-            <a:r>
-              <a:rPr lang="en-US" sz="5900" dirty="0"/>
-              <a:t>dựng ứng dụng trên nền tảng Eclipse</a:t>
-            </a:r>
-          </a:p>
-          <a:p>
-            <a:pPr marL="0" indent="0">
-              <a:lnSpc>
-                <a:spcPct val="200000"/>
-              </a:lnSpc>
-              <a:buNone/>
-            </a:pPr>
-            <a:r>
-              <a:rPr lang="en-US" sz="5900" dirty="0"/>
-              <a:t>Phần kết luận và hướng phát triển</a:t>
-            </a:r>
-            <a:endParaRPr lang="vi-VN" sz="5900" dirty="0"/>
-          </a:p>
-          <a:p>
-            <a:pPr marL="0" indent="0">
-              <a:buNone/>
-            </a:pPr>
-            <a:endParaRPr lang="en-US" dirty="0"/>
-          </a:p>
-        </p:txBody>
-      </p:sp>
-      <p:sp>
-        <p:nvSpPr>
-          <p:cNvPr id="4" name="Title 3"/>
-          <p:cNvSpPr>
-            <a:spLocks noGrp="1"/>
-          </p:cNvSpPr>
-          <p:nvPr>
-            <p:ph type="title"/>
-          </p:nvPr>
-        </p:nvSpPr>
-        <p:spPr/>
-        <p:txBody>
-          <a:bodyPr>
-            <a:normAutofit fontScale="90000"/>
-          </a:bodyPr>
-          <a:lstStyle/>
-          <a:p>
-            <a:r>
-              <a:rPr lang="en-US" dirty="0" smtClean="0"/>
-              <a:t>NỘI DUNG TRÌNH BÀY</a:t>
-            </a:r>
-            <a:endParaRPr lang="en-US" dirty="0"/>
-          </a:p>
-        </p:txBody>
-      </p:sp>
-    </p:spTree>
-    <p:extLst>
-      <p:ext uri="{BB962C8B-B14F-4D97-AF65-F5344CB8AC3E}">
-        <p14:creationId xmlns:p14="http://schemas.microsoft.com/office/powerpoint/2010/main" val="4121205128"/>
-      </p:ext>
-    </p:extLst>
-  </p:cSld>
-  <p:clrMapOvr>
-    <a:masterClrMapping/>
-  </p:clrMapOvr>
-  <p:timing>
-    <p:tnLst>
-      <p:par>
-        <p:cTn id="1" dur="indefinite" restart="never" nodeType="tmRoot"/>
-      </p:par>
-    </p:tnLst>
-  </p:timing>
-</p:sld>
-</file>
-
-<file path=ppt/slides/slide20.xml><?xml version="1.0" encoding="utf-8"?>
-<p:sld xmlns:a="http://schemas.openxmlformats.org/drawingml/2006/main" xmlns:r="http://schemas.openxmlformats.org/officeDocument/2006/relationships" xmlns:p="http://schemas.openxmlformats.org/presentationml/2006/main">
-  <p:cSld>
-    <p:spTree>
-      <p:nvGrpSpPr>
-        <p:cNvPr id="1" name=""/>
-        <p:cNvGrpSpPr/>
-        <p:nvPr/>
-      </p:nvGrpSpPr>
-      <p:grpSpPr>
-        <a:xfrm>
-          <a:off x="0" y="0"/>
-          <a:ext cx="0" cy="0"/>
-          <a:chOff x="0" y="0"/>
-          <a:chExt cx="0" cy="0"/>
-        </a:xfrm>
-      </p:grpSpPr>
-      <p:sp>
-        <p:nvSpPr>
-          <p:cNvPr id="2" name="Slide Number Placeholder 1"/>
-          <p:cNvSpPr>
-            <a:spLocks noGrp="1"/>
-          </p:cNvSpPr>
-          <p:nvPr>
-            <p:ph type="sldNum" sz="quarter" idx="12"/>
-          </p:nvPr>
-        </p:nvSpPr>
-        <p:spPr/>
-        <p:txBody>
-          <a:bodyPr/>
-          <a:lstStyle/>
-          <a:p>
-            <a:fld id="{9DFD9A34-EC64-4F0B-9C9B-2C0A202A050B}" type="slidenum">
-              <a:rPr lang="en-US" smtClean="0"/>
-              <a:pPr/>
-              <a:t>20</a:t>
-            </a:fld>
-            <a:endParaRPr lang="en-US" dirty="0"/>
-          </a:p>
-        </p:txBody>
-      </p:sp>
-      <p:sp>
-        <p:nvSpPr>
-          <p:cNvPr id="3" name="Content Placeholder 2"/>
-          <p:cNvSpPr>
-            <a:spLocks noGrp="1"/>
-          </p:cNvSpPr>
-          <p:nvPr>
-            <p:ph sz="quarter" idx="14"/>
-          </p:nvPr>
-        </p:nvSpPr>
-        <p:spPr>
-          <a:xfrm>
-            <a:off x="779926" y="990600"/>
-            <a:ext cx="10496086" cy="5867400"/>
-          </a:xfrm>
-        </p:spPr>
-        <p:txBody>
-          <a:bodyPr>
-            <a:normAutofit/>
-          </a:bodyPr>
-          <a:lstStyle/>
-          <a:p>
-            <a:pPr lvl="2"/>
-            <a:r>
-              <a:rPr lang="en-US" sz="2800" dirty="0" smtClean="0"/>
-              <a:t>Hiện nay chưa có một quy trình cụ thể để phát triển các ứng dụng theo kiến trúc hướng dịch vụ (SOA). Ta có thể tham khảo 12 bước trong quy trình như sau:</a:t>
-            </a:r>
-          </a:p>
-          <a:p>
-            <a:pPr marL="457200" lvl="0" indent="-457200">
-              <a:buFont typeface="+mj-lt"/>
-              <a:buAutoNum type="arabicPeriod"/>
-            </a:pPr>
-            <a:r>
-              <a:rPr lang="en-US" sz="2800" b="0" dirty="0"/>
-              <a:t>Hiểu nghiệp vụ</a:t>
-            </a:r>
-          </a:p>
-          <a:p>
-            <a:pPr marL="457200" lvl="0" indent="-457200">
-              <a:buFont typeface="+mj-lt"/>
-              <a:buAutoNum type="arabicPeriod"/>
-            </a:pPr>
-            <a:r>
-              <a:rPr lang="en-US" sz="2800" b="0" dirty="0"/>
-              <a:t>Xác định phạm vi (miền) của vấn đề</a:t>
-            </a:r>
-          </a:p>
-          <a:p>
-            <a:pPr marL="457200" lvl="0" indent="-457200">
-              <a:buFont typeface="+mj-lt"/>
-              <a:buAutoNum type="arabicPeriod"/>
-            </a:pPr>
-            <a:r>
-              <a:rPr lang="en-US" sz="2800" b="0" dirty="0"/>
-              <a:t>Hiểu tất cả các ngữ nghĩa ứng dụng trong miền đó</a:t>
-            </a:r>
-          </a:p>
-          <a:p>
-            <a:pPr marL="457200" lvl="0" indent="-457200">
-              <a:buFont typeface="+mj-lt"/>
-              <a:buAutoNum type="arabicPeriod"/>
-            </a:pPr>
-            <a:r>
-              <a:rPr lang="en-US" sz="2800" b="0" dirty="0"/>
-              <a:t>Hiểu tất cả các dịch vụ hiện có trong miền</a:t>
-            </a:r>
-          </a:p>
-          <a:p>
-            <a:pPr lvl="2"/>
-            <a:endParaRPr lang="en-US" sz="2800" dirty="0" smtClean="0"/>
-          </a:p>
-          <a:p>
-            <a:pPr lvl="2"/>
-            <a:endParaRPr lang="en-US" sz="2800" dirty="0"/>
-          </a:p>
-          <a:p>
-            <a:pPr lvl="2"/>
-            <a:endParaRPr lang="en-US" sz="2800" dirty="0"/>
-          </a:p>
-          <a:p>
-            <a:pPr lvl="2"/>
-            <a:endParaRPr lang="en-US" sz="2800" dirty="0" smtClean="0"/>
-          </a:p>
-          <a:p>
-            <a:endParaRPr lang="en-US" dirty="0"/>
-          </a:p>
-        </p:txBody>
-      </p:sp>
-      <p:sp>
-        <p:nvSpPr>
-          <p:cNvPr id="4" name="Title 3"/>
-          <p:cNvSpPr>
-            <a:spLocks noGrp="1"/>
-          </p:cNvSpPr>
-          <p:nvPr>
-            <p:ph type="title"/>
-          </p:nvPr>
-        </p:nvSpPr>
-        <p:spPr/>
-        <p:txBody>
-          <a:bodyPr>
-            <a:normAutofit fontScale="90000"/>
-          </a:bodyPr>
-          <a:lstStyle/>
-          <a:p>
-            <a:r>
-              <a:rPr lang="en-US" dirty="0" smtClean="0"/>
-              <a:t>Quy trình xây dựng SOA</a:t>
-            </a:r>
-            <a:endParaRPr lang="en-US" dirty="0"/>
-          </a:p>
-        </p:txBody>
-      </p:sp>
-    </p:spTree>
-    <p:extLst>
-      <p:ext uri="{BB962C8B-B14F-4D97-AF65-F5344CB8AC3E}">
-        <p14:creationId xmlns:p14="http://schemas.microsoft.com/office/powerpoint/2010/main" val="3720272366"/>
-      </p:ext>
-    </p:extLst>
-  </p:cSld>
-  <p:clrMapOvr>
-    <a:masterClrMapping/>
-  </p:clrMapOvr>
-  <p:timing>
-    <p:tnLst>
-      <p:par>
-        <p:cTn id="1" dur="indefinite" restart="never" nodeType="tmRoot"/>
-      </p:par>
-    </p:tnLst>
-  </p:timing>
-</p:sld>
-</file>
-
-<file path=ppt/slides/slide21.xml><?xml version="1.0" encoding="utf-8"?>
-<p:sld xmlns:a="http://schemas.openxmlformats.org/drawingml/2006/main" xmlns:r="http://schemas.openxmlformats.org/officeDocument/2006/relationships" xmlns:p="http://schemas.openxmlformats.org/presentationml/2006/main">
-  <p:cSld>
-    <p:spTree>
-      <p:nvGrpSpPr>
-        <p:cNvPr id="1" name=""/>
-        <p:cNvGrpSpPr/>
-        <p:nvPr/>
-      </p:nvGrpSpPr>
-      <p:grpSpPr>
-        <a:xfrm>
-          <a:off x="0" y="0"/>
-          <a:ext cx="0" cy="0"/>
-          <a:chOff x="0" y="0"/>
-          <a:chExt cx="0" cy="0"/>
-        </a:xfrm>
-      </p:grpSpPr>
-      <p:sp>
-        <p:nvSpPr>
-          <p:cNvPr id="2" name="Slide Number Placeholder 1"/>
-          <p:cNvSpPr>
-            <a:spLocks noGrp="1"/>
-          </p:cNvSpPr>
-          <p:nvPr>
-            <p:ph type="sldNum" sz="quarter" idx="12"/>
-          </p:nvPr>
-        </p:nvSpPr>
-        <p:spPr/>
-        <p:txBody>
-          <a:bodyPr/>
-          <a:lstStyle/>
-          <a:p>
-            <a:fld id="{9DFD9A34-EC64-4F0B-9C9B-2C0A202A050B}" type="slidenum">
-              <a:rPr lang="en-US" smtClean="0"/>
-              <a:pPr/>
-              <a:t>21</a:t>
-            </a:fld>
-            <a:endParaRPr lang="en-US" dirty="0"/>
-          </a:p>
-        </p:txBody>
-      </p:sp>
-      <p:sp>
-        <p:nvSpPr>
-          <p:cNvPr id="3" name="Content Placeholder 2"/>
-          <p:cNvSpPr>
-            <a:spLocks noGrp="1"/>
-          </p:cNvSpPr>
-          <p:nvPr>
-            <p:ph sz="quarter" idx="14"/>
-          </p:nvPr>
-        </p:nvSpPr>
-        <p:spPr>
-          <a:xfrm>
-            <a:off x="779926" y="990600"/>
-            <a:ext cx="10496086" cy="5867400"/>
-          </a:xfrm>
-        </p:spPr>
-        <p:txBody>
-          <a:bodyPr>
-            <a:normAutofit lnSpcReduction="10000"/>
-          </a:bodyPr>
-          <a:lstStyle/>
-          <a:p>
-            <a:pPr marL="457200" lvl="0" indent="-457200">
-              <a:buFont typeface="+mj-lt"/>
-              <a:buAutoNum type="arabicPeriod" startAt="5"/>
-            </a:pPr>
-            <a:r>
-              <a:rPr lang="en-US" b="0" dirty="0"/>
-              <a:t>Hiểu tất cả các nguồn và đích của thông tin có trong miền</a:t>
-            </a:r>
-          </a:p>
-          <a:p>
-            <a:pPr marL="457200" lvl="0" indent="-457200">
-              <a:buFont typeface="+mj-lt"/>
-              <a:buAutoNum type="arabicPeriod" startAt="5"/>
-            </a:pPr>
-            <a:r>
-              <a:rPr lang="en-US" b="0" dirty="0"/>
-              <a:t>Hiểu tất cả các quy trình trong miền</a:t>
-            </a:r>
-          </a:p>
-          <a:p>
-            <a:pPr marL="457200" lvl="0" indent="-457200">
-              <a:buFont typeface="+mj-lt"/>
-              <a:buAutoNum type="arabicPeriod" startAt="5"/>
-            </a:pPr>
-            <a:r>
-              <a:rPr lang="en-US" b="0" dirty="0"/>
-              <a:t>Xác định và phân loại tất cả các giao diện bên ngoài miền cần thiết cho việc xây dựng ứng dụng (các dịch vụ và thông tin)</a:t>
-            </a:r>
-          </a:p>
-          <a:p>
-            <a:pPr marL="457200" lvl="0" indent="-457200">
-              <a:buFont typeface="+mj-lt"/>
-              <a:buAutoNum type="arabicPeriod" startAt="5"/>
-            </a:pPr>
-            <a:r>
-              <a:rPr lang="en-US" b="0" dirty="0"/>
-              <a:t>Định nghĩa các dịch vụ mới và các ràng buộc thông tin của các dịch vụ đó.</a:t>
-            </a:r>
-          </a:p>
-          <a:p>
-            <a:pPr marL="457200" lvl="0" indent="-457200">
-              <a:buFont typeface="+mj-lt"/>
-              <a:buAutoNum type="arabicPeriod" startAt="5"/>
-            </a:pPr>
-            <a:r>
-              <a:rPr lang="en-US" b="0" dirty="0"/>
-              <a:t>Định nghĩa các quy trình mới, cũng như các dịch vụ và ràng buộc thông tin cho các quy trình này.</a:t>
-            </a:r>
-          </a:p>
-          <a:p>
-            <a:pPr marL="457200" lvl="0" indent="-457200">
-              <a:buFont typeface="+mj-lt"/>
-              <a:buAutoNum type="arabicPeriod" startAt="5"/>
-            </a:pPr>
-            <a:r>
-              <a:rPr lang="en-US" b="0" dirty="0"/>
-              <a:t>Lựa chọn tập công nghệ.</a:t>
-            </a:r>
-          </a:p>
-          <a:p>
-            <a:pPr marL="457200" lvl="0" indent="-457200">
-              <a:buFont typeface="+mj-lt"/>
-              <a:buAutoNum type="arabicPeriod" startAt="5"/>
-            </a:pPr>
-            <a:r>
-              <a:rPr lang="en-US" b="0" dirty="0"/>
-              <a:t>Triển khai công nghệ SOA.</a:t>
-            </a:r>
-          </a:p>
-          <a:p>
-            <a:pPr marL="457200" lvl="0" indent="-457200">
-              <a:buFont typeface="+mj-lt"/>
-              <a:buAutoNum type="arabicPeriod" startAt="5"/>
-            </a:pPr>
-            <a:r>
-              <a:rPr lang="en-US" b="0" dirty="0"/>
-              <a:t>Kiểm thử và đánh giá.</a:t>
-            </a:r>
-          </a:p>
-          <a:p>
-            <a:pPr marL="457200" lvl="0" indent="-457200">
-              <a:buFont typeface="+mj-lt"/>
-              <a:buAutoNum type="arabicPeriod" startAt="5"/>
-            </a:pPr>
-            <a:endParaRPr lang="en-US" sz="2800" b="0" dirty="0"/>
-          </a:p>
-          <a:p>
-            <a:pPr lvl="2"/>
-            <a:endParaRPr lang="en-US" sz="2800" dirty="0" smtClean="0"/>
-          </a:p>
-          <a:p>
-            <a:pPr lvl="2"/>
-            <a:endParaRPr lang="en-US" sz="2800" dirty="0"/>
-          </a:p>
-          <a:p>
-            <a:pPr lvl="2"/>
-            <a:endParaRPr lang="en-US" sz="2800" dirty="0"/>
-          </a:p>
-          <a:p>
-            <a:pPr lvl="2"/>
-            <a:endParaRPr lang="en-US" sz="2800" dirty="0" smtClean="0"/>
-          </a:p>
-          <a:p>
-            <a:endParaRPr lang="en-US" dirty="0"/>
-          </a:p>
-        </p:txBody>
-      </p:sp>
-      <p:sp>
-        <p:nvSpPr>
-          <p:cNvPr id="4" name="Title 3"/>
-          <p:cNvSpPr>
-            <a:spLocks noGrp="1"/>
-          </p:cNvSpPr>
-          <p:nvPr>
-            <p:ph type="title"/>
-          </p:nvPr>
-        </p:nvSpPr>
-        <p:spPr/>
-        <p:txBody>
-          <a:bodyPr>
-            <a:normAutofit fontScale="90000"/>
-          </a:bodyPr>
-          <a:lstStyle/>
-          <a:p>
-            <a:r>
-              <a:rPr lang="en-US" dirty="0" smtClean="0"/>
-              <a:t>Quy trình xây dựng SOA</a:t>
-            </a:r>
-            <a:endParaRPr lang="en-US" dirty="0"/>
-          </a:p>
-        </p:txBody>
-      </p:sp>
-    </p:spTree>
-    <p:extLst>
-      <p:ext uri="{BB962C8B-B14F-4D97-AF65-F5344CB8AC3E}">
-        <p14:creationId xmlns:p14="http://schemas.microsoft.com/office/powerpoint/2010/main" val="1325131155"/>
-      </p:ext>
-    </p:extLst>
-  </p:cSld>
-  <p:clrMapOvr>
-    <a:masterClrMapping/>
-  </p:clrMapOvr>
-  <p:timing>
-    <p:tnLst>
-      <p:par>
-        <p:cTn id="1" dur="indefinite" restart="never" nodeType="tmRoot"/>
-      </p:par>
-    </p:tnLst>
-  </p:timing>
-</p:sld>
-</file>
-
-<file path=ppt/slides/slide22.xml><?xml version="1.0" encoding="utf-8"?>
-<p:sld xmlns:a="http://schemas.openxmlformats.org/drawingml/2006/main" xmlns:r="http://schemas.openxmlformats.org/officeDocument/2006/relationships" xmlns:p="http://schemas.openxmlformats.org/presentationml/2006/main">
-  <p:cSld>
-    <p:spTree>
-      <p:nvGrpSpPr>
-        <p:cNvPr id="1" name=""/>
-        <p:cNvGrpSpPr/>
-        <p:nvPr/>
-      </p:nvGrpSpPr>
-      <p:grpSpPr>
-        <a:xfrm>
-          <a:off x="0" y="0"/>
-          <a:ext cx="0" cy="0"/>
-          <a:chOff x="0" y="0"/>
-          <a:chExt cx="0" cy="0"/>
-        </a:xfrm>
-      </p:grpSpPr>
-      <p:sp>
-        <p:nvSpPr>
-          <p:cNvPr id="2" name="Slide Number Placeholder 1"/>
-          <p:cNvSpPr>
-            <a:spLocks noGrp="1"/>
-          </p:cNvSpPr>
-          <p:nvPr>
-            <p:ph type="sldNum" sz="quarter" idx="12"/>
-          </p:nvPr>
-        </p:nvSpPr>
-        <p:spPr/>
-        <p:txBody>
-          <a:bodyPr/>
-          <a:lstStyle/>
-          <a:p>
-            <a:fld id="{9DFD9A34-EC64-4F0B-9C9B-2C0A202A050B}" type="slidenum">
-              <a:rPr lang="en-US" smtClean="0"/>
-              <a:pPr/>
-              <a:t>22</a:t>
             </a:fld>
             <a:endParaRPr lang="en-US" dirty="0"/>
           </a:p>
@@ -8976,6 +8225,722 @@
 </p:sld>
 </file>
 
+<file path=ppt/slides/slide2.xml><?xml version="1.0" encoding="utf-8"?>
+<p:sld xmlns:a="http://schemas.openxmlformats.org/drawingml/2006/main" xmlns:r="http://schemas.openxmlformats.org/officeDocument/2006/relationships" xmlns:p="http://schemas.openxmlformats.org/presentationml/2006/main">
+  <p:cSld>
+    <p:spTree>
+      <p:nvGrpSpPr>
+        <p:cNvPr id="1" name=""/>
+        <p:cNvGrpSpPr/>
+        <p:nvPr/>
+      </p:nvGrpSpPr>
+      <p:grpSpPr>
+        <a:xfrm>
+          <a:off x="0" y="0"/>
+          <a:ext cx="0" cy="0"/>
+          <a:chOff x="0" y="0"/>
+          <a:chExt cx="0" cy="0"/>
+        </a:xfrm>
+      </p:grpSpPr>
+      <p:sp>
+        <p:nvSpPr>
+          <p:cNvPr id="6" name="Slide Number Placeholder 5"/>
+          <p:cNvSpPr>
+            <a:spLocks noGrp="1"/>
+          </p:cNvSpPr>
+          <p:nvPr>
+            <p:ph type="sldNum" sz="quarter" idx="12"/>
+          </p:nvPr>
+        </p:nvSpPr>
+        <p:spPr/>
+        <p:txBody>
+          <a:bodyPr/>
+          <a:lstStyle/>
+          <a:p>
+            <a:fld id="{9DFD9A34-EC64-4F0B-9C9B-2C0A202A050B}" type="slidenum">
+              <a:rPr lang="en-US" smtClean="0"/>
+              <a:pPr/>
+              <a:t>2</a:t>
+            </a:fld>
+            <a:endParaRPr lang="en-US" dirty="0"/>
+          </a:p>
+        </p:txBody>
+      </p:sp>
+      <p:sp>
+        <p:nvSpPr>
+          <p:cNvPr id="5" name="Content Placeholder 4"/>
+          <p:cNvSpPr>
+            <a:spLocks noGrp="1"/>
+          </p:cNvSpPr>
+          <p:nvPr>
+            <p:ph sz="quarter" idx="14"/>
+          </p:nvPr>
+        </p:nvSpPr>
+        <p:spPr>
+          <a:xfrm>
+            <a:off x="779926" y="990600"/>
+            <a:ext cx="10496086" cy="5181600"/>
+          </a:xfrm>
+        </p:spPr>
+        <p:txBody>
+          <a:bodyPr>
+            <a:normAutofit fontScale="47500" lnSpcReduction="20000"/>
+          </a:bodyPr>
+          <a:lstStyle/>
+          <a:p>
+            <a:pPr marL="0" indent="0">
+              <a:lnSpc>
+                <a:spcPct val="200000"/>
+              </a:lnSpc>
+              <a:buNone/>
+            </a:pPr>
+            <a:r>
+              <a:rPr lang="en-US" sz="5900" dirty="0"/>
+              <a:t>Phần mở đầu</a:t>
+            </a:r>
+          </a:p>
+          <a:p>
+            <a:pPr marL="0" indent="0">
+              <a:lnSpc>
+                <a:spcPct val="200000"/>
+              </a:lnSpc>
+              <a:buNone/>
+            </a:pPr>
+            <a:r>
+              <a:rPr lang="en-US" sz="5900" dirty="0"/>
+              <a:t>Phần nội dung</a:t>
+            </a:r>
+          </a:p>
+          <a:p>
+            <a:pPr marL="282575" indent="0">
+              <a:lnSpc>
+                <a:spcPct val="200000"/>
+              </a:lnSpc>
+              <a:buNone/>
+            </a:pPr>
+            <a:r>
+              <a:rPr lang="en-US" sz="5900" dirty="0" smtClean="0"/>
+              <a:t>Tổng </a:t>
+            </a:r>
+            <a:r>
+              <a:rPr lang="en-US" sz="5900" dirty="0"/>
+              <a:t>quan về kiến trúc hướng dịch vụ</a:t>
+            </a:r>
+          </a:p>
+          <a:p>
+            <a:pPr marL="282575" indent="0">
+              <a:lnSpc>
+                <a:spcPct val="200000"/>
+              </a:lnSpc>
+              <a:buNone/>
+            </a:pPr>
+            <a:r>
+              <a:rPr lang="en-US" sz="5900" dirty="0" smtClean="0"/>
+              <a:t>Khung </a:t>
+            </a:r>
+            <a:r>
+              <a:rPr lang="en-US" sz="5900" dirty="0"/>
+              <a:t>ứng dụng hỗ trợ lập trình SOA</a:t>
+            </a:r>
+          </a:p>
+          <a:p>
+            <a:pPr marL="282575" indent="0">
+              <a:lnSpc>
+                <a:spcPct val="200000"/>
+              </a:lnSpc>
+              <a:buNone/>
+            </a:pPr>
+            <a:r>
+              <a:rPr lang="en-US" sz="5900" dirty="0" smtClean="0"/>
+              <a:t>Xây </a:t>
+            </a:r>
+            <a:r>
+              <a:rPr lang="en-US" sz="5900" dirty="0"/>
+              <a:t>dựng ứng dụng trên nền tảng Eclipse</a:t>
+            </a:r>
+          </a:p>
+          <a:p>
+            <a:pPr marL="0" indent="0">
+              <a:lnSpc>
+                <a:spcPct val="200000"/>
+              </a:lnSpc>
+              <a:buNone/>
+            </a:pPr>
+            <a:r>
+              <a:rPr lang="en-US" sz="5900" dirty="0"/>
+              <a:t>Phần kết luận và hướng phát triển</a:t>
+            </a:r>
+            <a:endParaRPr lang="vi-VN" sz="5900" dirty="0"/>
+          </a:p>
+          <a:p>
+            <a:pPr marL="0" indent="0">
+              <a:buNone/>
+            </a:pPr>
+            <a:endParaRPr lang="en-US" dirty="0"/>
+          </a:p>
+        </p:txBody>
+      </p:sp>
+      <p:sp>
+        <p:nvSpPr>
+          <p:cNvPr id="4" name="Title 3"/>
+          <p:cNvSpPr>
+            <a:spLocks noGrp="1"/>
+          </p:cNvSpPr>
+          <p:nvPr>
+            <p:ph type="title"/>
+          </p:nvPr>
+        </p:nvSpPr>
+        <p:spPr/>
+        <p:txBody>
+          <a:bodyPr>
+            <a:normAutofit fontScale="90000"/>
+          </a:bodyPr>
+          <a:lstStyle/>
+          <a:p>
+            <a:r>
+              <a:rPr lang="en-US" dirty="0" smtClean="0"/>
+              <a:t>NỘI DUNG TRÌNH BÀY</a:t>
+            </a:r>
+            <a:endParaRPr lang="en-US" dirty="0"/>
+          </a:p>
+        </p:txBody>
+      </p:sp>
+    </p:spTree>
+    <p:extLst>
+      <p:ext uri="{BB962C8B-B14F-4D97-AF65-F5344CB8AC3E}">
+        <p14:creationId xmlns:p14="http://schemas.microsoft.com/office/powerpoint/2010/main" val="4121205128"/>
+      </p:ext>
+    </p:extLst>
+  </p:cSld>
+  <p:clrMapOvr>
+    <a:masterClrMapping/>
+  </p:clrMapOvr>
+  <p:timing>
+    <p:tnLst>
+      <p:par>
+        <p:cTn id="1" dur="indefinite" restart="never" nodeType="tmRoot"/>
+      </p:par>
+    </p:tnLst>
+  </p:timing>
+</p:sld>
+</file>
+
+<file path=ppt/slides/slide20.xml><?xml version="1.0" encoding="utf-8"?>
+<p:sld xmlns:a="http://schemas.openxmlformats.org/drawingml/2006/main" xmlns:r="http://schemas.openxmlformats.org/officeDocument/2006/relationships" xmlns:p="http://schemas.openxmlformats.org/presentationml/2006/main">
+  <p:cSld>
+    <p:spTree>
+      <p:nvGrpSpPr>
+        <p:cNvPr id="1" name=""/>
+        <p:cNvGrpSpPr/>
+        <p:nvPr/>
+      </p:nvGrpSpPr>
+      <p:grpSpPr>
+        <a:xfrm>
+          <a:off x="0" y="0"/>
+          <a:ext cx="0" cy="0"/>
+          <a:chOff x="0" y="0"/>
+          <a:chExt cx="0" cy="0"/>
+        </a:xfrm>
+      </p:grpSpPr>
+      <p:sp>
+        <p:nvSpPr>
+          <p:cNvPr id="2" name="Slide Number Placeholder 1"/>
+          <p:cNvSpPr>
+            <a:spLocks noGrp="1"/>
+          </p:cNvSpPr>
+          <p:nvPr>
+            <p:ph type="sldNum" sz="quarter" idx="12"/>
+          </p:nvPr>
+        </p:nvSpPr>
+        <p:spPr/>
+        <p:txBody>
+          <a:bodyPr/>
+          <a:lstStyle/>
+          <a:p>
+            <a:fld id="{9DFD9A34-EC64-4F0B-9C9B-2C0A202A050B}" type="slidenum">
+              <a:rPr lang="en-US" smtClean="0"/>
+              <a:pPr/>
+              <a:t>20</a:t>
+            </a:fld>
+            <a:endParaRPr lang="en-US" dirty="0"/>
+          </a:p>
+        </p:txBody>
+      </p:sp>
+      <p:sp>
+        <p:nvSpPr>
+          <p:cNvPr id="3" name="Content Placeholder 2"/>
+          <p:cNvSpPr>
+            <a:spLocks noGrp="1"/>
+          </p:cNvSpPr>
+          <p:nvPr>
+            <p:ph sz="quarter" idx="14"/>
+          </p:nvPr>
+        </p:nvSpPr>
+        <p:spPr>
+          <a:xfrm>
+            <a:off x="779926" y="990600"/>
+            <a:ext cx="10496086" cy="5867400"/>
+          </a:xfrm>
+        </p:spPr>
+        <p:txBody>
+          <a:bodyPr>
+            <a:normAutofit/>
+          </a:bodyPr>
+          <a:lstStyle/>
+          <a:p>
+            <a:pPr lvl="2" indent="0"/>
+            <a:r>
+              <a:rPr lang="en-US" b="1" dirty="0" smtClean="0"/>
+              <a:t>Tại sao phải dùng BPEL?</a:t>
+            </a:r>
+          </a:p>
+          <a:p>
+            <a:pPr marL="161925" lvl="2" indent="396875">
+              <a:buFont typeface="Arial" pitchFamily="34" charset="0"/>
+              <a:buChar char="•"/>
+            </a:pPr>
+            <a:r>
+              <a:rPr lang="en-US" dirty="0"/>
+              <a:t> BPEL cung cấp một nền tảng tự động hóa cho các quá trình nghiệp vụ</a:t>
+            </a:r>
+          </a:p>
+          <a:p>
+            <a:pPr marL="161925" lvl="2" indent="396875">
+              <a:buFont typeface="Arial" pitchFamily="34" charset="0"/>
+              <a:buChar char="•"/>
+            </a:pPr>
+            <a:r>
+              <a:rPr lang="en-US" dirty="0"/>
+              <a:t> Cho phép triển khai thực hiện song song các hoạt động không trùng nhau thực hiện để tiết kiệm thời gian và tăng hiệu xuất.</a:t>
+            </a:r>
+          </a:p>
+          <a:p>
+            <a:pPr marL="161925" lvl="2" indent="396875">
+              <a:buFont typeface="Arial" pitchFamily="34" charset="0"/>
+              <a:buChar char="•"/>
+            </a:pPr>
+            <a:r>
+              <a:rPr lang="en-US" dirty="0"/>
+              <a:t> Ánh xạ dữ liệu giữa các đối tác tương tác với nhau.</a:t>
+            </a:r>
+          </a:p>
+          <a:p>
+            <a:pPr marL="161925" lvl="2" indent="396875">
+              <a:buFont typeface="Arial" pitchFamily="34" charset="0"/>
+              <a:buChar char="•"/>
+            </a:pPr>
+            <a:r>
+              <a:rPr lang="en-US" dirty="0"/>
+              <a:t> BPEL cung cấp khả năng phục hồi cho các  xử lý của quy trình nghiệp vụ.</a:t>
+            </a:r>
+          </a:p>
+          <a:p>
+            <a:pPr lvl="2"/>
+            <a:endParaRPr lang="en-US" sz="2800" dirty="0"/>
+          </a:p>
+          <a:p>
+            <a:pPr lvl="2"/>
+            <a:endParaRPr lang="en-US" sz="2800" dirty="0"/>
+          </a:p>
+          <a:p>
+            <a:pPr lvl="2"/>
+            <a:endParaRPr lang="en-US" sz="2800" dirty="0" smtClean="0"/>
+          </a:p>
+          <a:p>
+            <a:endParaRPr lang="en-US" dirty="0"/>
+          </a:p>
+        </p:txBody>
+      </p:sp>
+      <p:sp>
+        <p:nvSpPr>
+          <p:cNvPr id="4" name="Title 3"/>
+          <p:cNvSpPr>
+            <a:spLocks noGrp="1"/>
+          </p:cNvSpPr>
+          <p:nvPr>
+            <p:ph type="title"/>
+          </p:nvPr>
+        </p:nvSpPr>
+        <p:spPr/>
+        <p:txBody>
+          <a:bodyPr>
+            <a:normAutofit fontScale="90000"/>
+          </a:bodyPr>
+          <a:lstStyle/>
+          <a:p>
+            <a:r>
+              <a:rPr lang="en-US" dirty="0" smtClean="0"/>
+              <a:t>Ngôn </a:t>
+            </a:r>
+            <a:r>
+              <a:rPr lang="en-US" dirty="0"/>
+              <a:t>ngữ thi hành quy trình nghiệp vụ - BPEL</a:t>
+            </a:r>
+          </a:p>
+        </p:txBody>
+      </p:sp>
+    </p:spTree>
+    <p:extLst>
+      <p:ext uri="{BB962C8B-B14F-4D97-AF65-F5344CB8AC3E}">
+        <p14:creationId xmlns:p14="http://schemas.microsoft.com/office/powerpoint/2010/main" val="2847274106"/>
+      </p:ext>
+    </p:extLst>
+  </p:cSld>
+  <p:clrMapOvr>
+    <a:masterClrMapping/>
+  </p:clrMapOvr>
+  <p:timing>
+    <p:tnLst>
+      <p:par>
+        <p:cTn id="1" dur="indefinite" restart="never" nodeType="tmRoot"/>
+      </p:par>
+    </p:tnLst>
+  </p:timing>
+</p:sld>
+</file>
+
+<file path=ppt/slides/slide21.xml><?xml version="1.0" encoding="utf-8"?>
+<p:sld xmlns:a="http://schemas.openxmlformats.org/drawingml/2006/main" xmlns:r="http://schemas.openxmlformats.org/officeDocument/2006/relationships" xmlns:p="http://schemas.openxmlformats.org/presentationml/2006/main">
+  <p:cSld>
+    <p:spTree>
+      <p:nvGrpSpPr>
+        <p:cNvPr id="1" name=""/>
+        <p:cNvGrpSpPr/>
+        <p:nvPr/>
+      </p:nvGrpSpPr>
+      <p:grpSpPr>
+        <a:xfrm>
+          <a:off x="0" y="0"/>
+          <a:ext cx="0" cy="0"/>
+          <a:chOff x="0" y="0"/>
+          <a:chExt cx="0" cy="0"/>
+        </a:xfrm>
+      </p:grpSpPr>
+      <p:sp>
+        <p:nvSpPr>
+          <p:cNvPr id="2" name="Slide Number Placeholder 1"/>
+          <p:cNvSpPr>
+            <a:spLocks noGrp="1"/>
+          </p:cNvSpPr>
+          <p:nvPr>
+            <p:ph type="sldNum" sz="quarter" idx="12"/>
+          </p:nvPr>
+        </p:nvSpPr>
+        <p:spPr/>
+        <p:txBody>
+          <a:bodyPr/>
+          <a:lstStyle/>
+          <a:p>
+            <a:fld id="{9DFD9A34-EC64-4F0B-9C9B-2C0A202A050B}" type="slidenum">
+              <a:rPr lang="en-US" smtClean="0"/>
+              <a:pPr/>
+              <a:t>21</a:t>
+            </a:fld>
+            <a:endParaRPr lang="en-US" dirty="0"/>
+          </a:p>
+        </p:txBody>
+      </p:sp>
+      <p:sp>
+        <p:nvSpPr>
+          <p:cNvPr id="3" name="Content Placeholder 2"/>
+          <p:cNvSpPr>
+            <a:spLocks noGrp="1"/>
+          </p:cNvSpPr>
+          <p:nvPr>
+            <p:ph sz="quarter" idx="14"/>
+          </p:nvPr>
+        </p:nvSpPr>
+        <p:spPr>
+          <a:xfrm>
+            <a:off x="779926" y="990600"/>
+            <a:ext cx="10496086" cy="5867400"/>
+          </a:xfrm>
+        </p:spPr>
+        <p:txBody>
+          <a:bodyPr>
+            <a:normAutofit fontScale="85000" lnSpcReduction="20000"/>
+          </a:bodyPr>
+          <a:lstStyle/>
+          <a:p>
+            <a:pPr lvl="2" indent="0"/>
+            <a:r>
+              <a:rPr lang="en-US" sz="3000" b="1" dirty="0" smtClean="0"/>
+              <a:t>Các khái niệm cơ bản</a:t>
+            </a:r>
+          </a:p>
+          <a:p>
+            <a:pPr lvl="2"/>
+            <a:r>
+              <a:rPr lang="en-US" sz="3000" b="1" dirty="0" smtClean="0"/>
+              <a:t>Partner</a:t>
+            </a:r>
+            <a:r>
+              <a:rPr lang="en-US" sz="3000" b="1" dirty="0"/>
+              <a:t>:</a:t>
+            </a:r>
+            <a:r>
+              <a:rPr lang="en-US" sz="3000" dirty="0"/>
+              <a:t> </a:t>
+            </a:r>
+            <a:r>
+              <a:rPr lang="en-US" sz="3000" dirty="0" smtClean="0"/>
+              <a:t>là </a:t>
+            </a:r>
+            <a:r>
+              <a:rPr lang="en-US" sz="3000" dirty="0"/>
+              <a:t>các dịch vụ mà tiến trình gọi hoặc là các đối tượng gọi đến tiến trình.</a:t>
+            </a:r>
+          </a:p>
+          <a:p>
+            <a:pPr lvl="2"/>
+            <a:r>
+              <a:rPr lang="en-US" sz="3000" b="1" dirty="0"/>
+              <a:t>Partner Link Tyle: </a:t>
+            </a:r>
+            <a:r>
+              <a:rPr lang="en-US" sz="3000" dirty="0"/>
+              <a:t>biểu diễn mối quan hệ giữa tiến trình và dịch vụ bằng cách định nghĩa các role mà các đối tượng sẽ thể hiện trong quá trình tương tác.</a:t>
+            </a:r>
+          </a:p>
+          <a:p>
+            <a:pPr lvl="2"/>
+            <a:r>
+              <a:rPr lang="en-US" sz="3000" b="1" dirty="0"/>
+              <a:t>Partner Link:</a:t>
+            </a:r>
+            <a:r>
+              <a:rPr lang="en-US" sz="3000" dirty="0"/>
+              <a:t> trong BPEL4WS, các partner được biểu diễn bởi partner link, một partner link được định nghĩa bằng cách đặt cho nó một cái tên, chỉ ra tên của partner link tyle và sau đó chỉ ra “role” mà tiến trình sẽ tham gia vào và role mà partner sẽ tham gia trong partner link đó.</a:t>
+            </a:r>
+          </a:p>
+          <a:p>
+            <a:pPr lvl="2"/>
+            <a:endParaRPr lang="en-US" sz="2800" dirty="0"/>
+          </a:p>
+          <a:p>
+            <a:pPr lvl="2"/>
+            <a:endParaRPr lang="en-US" sz="2800" dirty="0"/>
+          </a:p>
+          <a:p>
+            <a:pPr lvl="2"/>
+            <a:endParaRPr lang="en-US" sz="2800" dirty="0" smtClean="0"/>
+          </a:p>
+          <a:p>
+            <a:endParaRPr lang="en-US" dirty="0"/>
+          </a:p>
+        </p:txBody>
+      </p:sp>
+      <p:sp>
+        <p:nvSpPr>
+          <p:cNvPr id="4" name="Title 3"/>
+          <p:cNvSpPr>
+            <a:spLocks noGrp="1"/>
+          </p:cNvSpPr>
+          <p:nvPr>
+            <p:ph type="title"/>
+          </p:nvPr>
+        </p:nvSpPr>
+        <p:spPr/>
+        <p:txBody>
+          <a:bodyPr>
+            <a:normAutofit fontScale="90000"/>
+          </a:bodyPr>
+          <a:lstStyle/>
+          <a:p>
+            <a:r>
+              <a:rPr lang="en-US" dirty="0" smtClean="0"/>
+              <a:t>Ngôn </a:t>
+            </a:r>
+            <a:r>
+              <a:rPr lang="en-US" dirty="0"/>
+              <a:t>ngữ thi hành quy trình nghiệp vụ - BPEL</a:t>
+            </a:r>
+          </a:p>
+        </p:txBody>
+      </p:sp>
+    </p:spTree>
+    <p:extLst>
+      <p:ext uri="{BB962C8B-B14F-4D97-AF65-F5344CB8AC3E}">
+        <p14:creationId xmlns:p14="http://schemas.microsoft.com/office/powerpoint/2010/main" val="440211464"/>
+      </p:ext>
+    </p:extLst>
+  </p:cSld>
+  <p:clrMapOvr>
+    <a:masterClrMapping/>
+  </p:clrMapOvr>
+  <p:timing>
+    <p:tnLst>
+      <p:par>
+        <p:cTn id="1" dur="indefinite" restart="never" nodeType="tmRoot"/>
+      </p:par>
+    </p:tnLst>
+  </p:timing>
+</p:sld>
+</file>
+
+<file path=ppt/slides/slide22.xml><?xml version="1.0" encoding="utf-8"?>
+<p:sld xmlns:a="http://schemas.openxmlformats.org/drawingml/2006/main" xmlns:r="http://schemas.openxmlformats.org/officeDocument/2006/relationships" xmlns:p="http://schemas.openxmlformats.org/presentationml/2006/main">
+  <p:cSld>
+    <p:spTree>
+      <p:nvGrpSpPr>
+        <p:cNvPr id="1" name=""/>
+        <p:cNvGrpSpPr/>
+        <p:nvPr/>
+      </p:nvGrpSpPr>
+      <p:grpSpPr>
+        <a:xfrm>
+          <a:off x="0" y="0"/>
+          <a:ext cx="0" cy="0"/>
+          <a:chOff x="0" y="0"/>
+          <a:chExt cx="0" cy="0"/>
+        </a:xfrm>
+      </p:grpSpPr>
+      <p:sp>
+        <p:nvSpPr>
+          <p:cNvPr id="2" name="Slide Number Placeholder 1"/>
+          <p:cNvSpPr>
+            <a:spLocks noGrp="1"/>
+          </p:cNvSpPr>
+          <p:nvPr>
+            <p:ph type="sldNum" sz="quarter" idx="12"/>
+          </p:nvPr>
+        </p:nvSpPr>
+        <p:spPr/>
+        <p:txBody>
+          <a:bodyPr/>
+          <a:lstStyle/>
+          <a:p>
+            <a:fld id="{9DFD9A34-EC64-4F0B-9C9B-2C0A202A050B}" type="slidenum">
+              <a:rPr lang="en-US" smtClean="0"/>
+              <a:pPr/>
+              <a:t>22</a:t>
+            </a:fld>
+            <a:endParaRPr lang="en-US" dirty="0"/>
+          </a:p>
+        </p:txBody>
+      </p:sp>
+      <p:sp>
+        <p:nvSpPr>
+          <p:cNvPr id="3" name="Content Placeholder 2"/>
+          <p:cNvSpPr>
+            <a:spLocks noGrp="1"/>
+          </p:cNvSpPr>
+          <p:nvPr>
+            <p:ph sz="quarter" idx="14"/>
+          </p:nvPr>
+        </p:nvSpPr>
+        <p:spPr>
+          <a:xfrm>
+            <a:off x="779926" y="990600"/>
+            <a:ext cx="10496086" cy="5867400"/>
+          </a:xfrm>
+        </p:spPr>
+        <p:txBody>
+          <a:bodyPr>
+            <a:normAutofit/>
+          </a:bodyPr>
+          <a:lstStyle/>
+          <a:p>
+            <a:pPr lvl="2">
+              <a:lnSpc>
+                <a:spcPct val="170000"/>
+              </a:lnSpc>
+            </a:pPr>
+            <a:r>
+              <a:rPr lang="en-US" sz="2800" dirty="0" smtClean="0"/>
+              <a:t>Kiến </a:t>
+            </a:r>
+            <a:r>
+              <a:rPr lang="en-US" sz="2800" dirty="0"/>
+              <a:t>trúc hướng dịch vụ (SOA) là một kiểu kiến trúc có khả năng tái sử dụng lại các tài nguyên sẵn có, khả năng mở rộng và liên kết tốt với các hệ thống mới để tạo nên một môi trường đồng nhất, nó bao gồm các dịch vụ nghiệp vụ độc lập, không đồng nhất được kết hợp với nhau trong quy trình nghiệp vụ linh hoạt mềm </a:t>
+            </a:r>
+            <a:r>
+              <a:rPr lang="en-US" sz="2800" dirty="0" smtClean="0"/>
+              <a:t>dẻo. </a:t>
+            </a:r>
+          </a:p>
+          <a:p>
+            <a:pPr lvl="2">
+              <a:lnSpc>
+                <a:spcPct val="170000"/>
+              </a:lnSpc>
+            </a:pPr>
+            <a:endParaRPr lang="en-US" sz="2800" dirty="0"/>
+          </a:p>
+          <a:p>
+            <a:pPr lvl="2">
+              <a:lnSpc>
+                <a:spcPct val="140000"/>
+              </a:lnSpc>
+            </a:pPr>
+            <a:endParaRPr lang="en-US" sz="3100" dirty="0"/>
+          </a:p>
+          <a:p>
+            <a:pPr lvl="2"/>
+            <a:endParaRPr lang="en-US" sz="2800" dirty="0"/>
+          </a:p>
+          <a:p>
+            <a:pPr lvl="2"/>
+            <a:endParaRPr lang="en-US" sz="2800" dirty="0"/>
+          </a:p>
+          <a:p>
+            <a:pPr lvl="2"/>
+            <a:endParaRPr lang="en-US" sz="2800" dirty="0" smtClean="0"/>
+          </a:p>
+          <a:p>
+            <a:endParaRPr lang="en-US" dirty="0"/>
+          </a:p>
+        </p:txBody>
+      </p:sp>
+      <p:sp>
+        <p:nvSpPr>
+          <p:cNvPr id="4" name="Title 3"/>
+          <p:cNvSpPr>
+            <a:spLocks noGrp="1"/>
+          </p:cNvSpPr>
+          <p:nvPr>
+            <p:ph type="title"/>
+          </p:nvPr>
+        </p:nvSpPr>
+        <p:spPr/>
+        <p:txBody>
+          <a:bodyPr>
+            <a:normAutofit fontScale="90000"/>
+          </a:bodyPr>
+          <a:lstStyle/>
+          <a:p>
+            <a:r>
+              <a:rPr lang="en-US" dirty="0"/>
+              <a:t>T</a:t>
+            </a:r>
+            <a:r>
+              <a:rPr lang="en-US" dirty="0" smtClean="0"/>
+              <a:t>ổng kết chương 1</a:t>
+            </a:r>
+            <a:endParaRPr lang="en-US" dirty="0"/>
+          </a:p>
+        </p:txBody>
+      </p:sp>
+    </p:spTree>
+    <p:extLst>
+      <p:ext uri="{BB962C8B-B14F-4D97-AF65-F5344CB8AC3E}">
+        <p14:creationId xmlns:p14="http://schemas.microsoft.com/office/powerpoint/2010/main" val="424622559"/>
+      </p:ext>
+    </p:extLst>
+  </p:cSld>
+  <p:clrMapOvr>
+    <a:masterClrMapping/>
+  </p:clrMapOvr>
+  <p:timing>
+    <p:tnLst>
+      <p:par>
+        <p:cTn id="1" dur="indefinite" restart="never" nodeType="tmRoot"/>
+      </p:par>
+    </p:tnLst>
+  </p:timing>
+</p:sld>
+</file>
+
 <file path=ppt/slides/slide23.xml><?xml version="1.0" encoding="utf-8"?>
 <p:sld xmlns:a="http://schemas.openxmlformats.org/drawingml/2006/main" xmlns:r="http://schemas.openxmlformats.org/officeDocument/2006/relationships" xmlns:p="http://schemas.openxmlformats.org/presentationml/2006/main">
   <p:cSld>
@@ -9035,55 +9000,46 @@
         </p:spPr>
         <p:txBody>
           <a:bodyPr>
-            <a:normAutofit/>
+            <a:normAutofit fontScale="92500" lnSpcReduction="20000"/>
           </a:bodyPr>
           <a:lstStyle/>
           <a:p>
-            <a:pPr lvl="2" indent="0"/>
-            <a:r>
-              <a:rPr lang="en-US" b="1" dirty="0" smtClean="0"/>
-              <a:t>Tại sao phải dùng BPEL?</a:t>
-            </a:r>
-          </a:p>
-          <a:p>
-            <a:pPr marL="161925" lvl="2" indent="396875">
-              <a:buFont typeface="Arial" pitchFamily="34" charset="0"/>
-              <a:buChar char="•"/>
+            <a:pPr lvl="2">
+              <a:lnSpc>
+                <a:spcPct val="170000"/>
+              </a:lnSpc>
             </a:pPr>
             <a:r>
-              <a:rPr lang="en-US" dirty="0"/>
-              <a:t> BPEL cung cấp một nền tảng tự động hóa cho các quá trình nghiệp vụ</a:t>
-            </a:r>
-          </a:p>
-          <a:p>
-            <a:pPr marL="161925" lvl="2" indent="396875">
-              <a:buFont typeface="Arial" pitchFamily="34" charset="0"/>
-              <a:buChar char="•"/>
+              <a:rPr lang="en-US" sz="2800" dirty="0" smtClean="0"/>
+              <a:t>Và công nghệ web service là một lựa chọn lý tưởng để triển khai kiến trúc hướng dịch vụ bởi khả năng đáp ứng mềm dẻo và linh hoạt của nó. Cùng với ngôn ngữ thi hành quy trình nghiệp vụ (BPEL) để định nghĩa tiến trình, các dịch vụ ngoài và sử dụng các tác vụ, các phép toán logic để tạo thành một quy trình.</a:t>
+            </a:r>
+          </a:p>
+          <a:p>
+            <a:pPr lvl="2">
+              <a:lnSpc>
+                <a:spcPct val="170000"/>
+              </a:lnSpc>
             </a:pPr>
             <a:r>
-              <a:rPr lang="en-US" dirty="0"/>
-              <a:t> Cho phép triển khai thực hiện song song các hoạt động không trùng nhau thực hiện để tiết kiệm thời gian và tăng hiệu xuất.</a:t>
-            </a:r>
-          </a:p>
-          <a:p>
-            <a:pPr marL="161925" lvl="2" indent="396875">
-              <a:buFont typeface="Arial" pitchFamily="34" charset="0"/>
-              <a:buChar char="•"/>
+              <a:rPr lang="en-US" sz="2800" dirty="0"/>
+              <a:t>Tóm lại, công nghệ  Web service cùng với ngôn ngữ thi hành quy trình nghiệp vụ - BPEL đã hiện thực hóa kiến trúc hướng dịch vụ (SOA), cho phép kết hợp các dịch vụ đơn lẻ và các hệ thống ứng dụng thành một quy trình nghiệp vụ đầy đủ.</a:t>
+            </a:r>
+          </a:p>
+          <a:p>
+            <a:pPr lvl="2">
+              <a:lnSpc>
+                <a:spcPct val="170000"/>
+              </a:lnSpc>
             </a:pPr>
-            <a:r>
-              <a:rPr lang="en-US" dirty="0"/>
-              <a:t> Ánh xạ dữ liệu giữa các đối tác tương tác với nhau.</a:t>
-            </a:r>
-          </a:p>
-          <a:p>
-            <a:pPr marL="161925" lvl="2" indent="396875">
-              <a:buFont typeface="Arial" pitchFamily="34" charset="0"/>
-              <a:buChar char="•"/>
+            <a:endParaRPr lang="en-US" sz="2800" dirty="0"/>
+          </a:p>
+          <a:p>
+            <a:pPr lvl="2">
+              <a:lnSpc>
+                <a:spcPct val="140000"/>
+              </a:lnSpc>
             </a:pPr>
-            <a:r>
-              <a:rPr lang="en-US" dirty="0"/>
-              <a:t> BPEL cung cấp khả năng phục hồi cho các  xử lý của quy trình nghiệp vụ.</a:t>
-            </a:r>
+            <a:endParaRPr lang="en-US" sz="3100" dirty="0"/>
           </a:p>
           <a:p>
             <a:pPr lvl="2"/>
@@ -9121,19 +9077,16 @@
           <a:p>
             <a:r>
               <a:rPr lang="en-US" dirty="0" smtClean="0"/>
-              <a:t>Ngôn </a:t>
-            </a:r>
-            <a:r>
-              <a:rPr lang="en-US" dirty="0"/>
-              <a:t>ngữ thi hành quy trình nghiệp vụ - BPEL</a:t>
-            </a:r>
+              <a:t>Tiểu kết chương 1</a:t>
+            </a:r>
+            <a:endParaRPr lang="en-US" dirty="0"/>
           </a:p>
         </p:txBody>
       </p:sp>
     </p:spTree>
     <p:extLst>
       <p:ext uri="{BB962C8B-B14F-4D97-AF65-F5344CB8AC3E}">
-        <p14:creationId xmlns:p14="http://schemas.microsoft.com/office/powerpoint/2010/main" val="2847274106"/>
+        <p14:creationId xmlns:p14="http://schemas.microsoft.com/office/powerpoint/2010/main" val="3329713738"/>
       </p:ext>
     </p:extLst>
   </p:cSld>
@@ -9209,72 +9162,57 @@
         </p:spPr>
         <p:txBody>
           <a:bodyPr>
-            <a:normAutofit fontScale="85000" lnSpcReduction="20000"/>
+            <a:normAutofit lnSpcReduction="10000"/>
           </a:bodyPr>
           <a:lstStyle/>
           <a:p>
-            <a:pPr lvl="2" indent="0"/>
-            <a:r>
-              <a:rPr lang="en-US" sz="3000" b="1" dirty="0" smtClean="0"/>
-              <a:t>Các khái niệm cơ bản</a:t>
-            </a:r>
-          </a:p>
-          <a:p>
-            <a:pPr lvl="2"/>
-            <a:r>
-              <a:rPr lang="en-US" sz="3000" b="1" dirty="0" smtClean="0"/>
-              <a:t>Partner</a:t>
-            </a:r>
-            <a:r>
-              <a:rPr lang="en-US" sz="3000" b="1" dirty="0"/>
-              <a:t>:</a:t>
-            </a:r>
-            <a:r>
-              <a:rPr lang="en-US" sz="3000" dirty="0"/>
-              <a:t> </a:t>
-            </a:r>
-            <a:r>
-              <a:rPr lang="en-US" sz="3000" dirty="0" smtClean="0"/>
-              <a:t>là </a:t>
-            </a:r>
-            <a:r>
-              <a:rPr lang="en-US" sz="3000" dirty="0"/>
-              <a:t>các dịch vụ mà tiến trình gọi hoặc là các đối tượng gọi đến tiến trình.</a:t>
-            </a:r>
-          </a:p>
-          <a:p>
-            <a:pPr lvl="2"/>
-            <a:r>
-              <a:rPr lang="en-US" sz="3000" b="1" dirty="0"/>
-              <a:t>Partner Link Tyle: </a:t>
-            </a:r>
-            <a:r>
-              <a:rPr lang="en-US" sz="3000" dirty="0"/>
-              <a:t>biểu diễn mối quan hệ giữa tiến trình và dịch vụ bằng cách định nghĩa các role mà các đối tượng sẽ thể hiện trong quá trình tương tác.</a:t>
-            </a:r>
-          </a:p>
-          <a:p>
-            <a:pPr lvl="2"/>
-            <a:r>
-              <a:rPr lang="en-US" sz="3000" b="1" dirty="0"/>
-              <a:t>Partner Link:</a:t>
-            </a:r>
-            <a:r>
-              <a:rPr lang="en-US" sz="3000" dirty="0"/>
-              <a:t> trong BPEL4WS, các partner được biểu diễn bởi partner link, một partner link được định nghĩa bằng cách đặt cho nó một cái tên, chỉ ra tên của partner link tyle và sau đó chỉ ra “role” mà tiến trình sẽ tham gia vào và role mà partner sẽ tham gia trong partner link đó.</a:t>
-            </a:r>
-          </a:p>
-          <a:p>
-            <a:pPr lvl="2"/>
-            <a:endParaRPr lang="en-US" sz="2800" dirty="0"/>
-          </a:p>
-          <a:p>
-            <a:pPr lvl="2"/>
-            <a:endParaRPr lang="en-US" sz="2800" dirty="0"/>
-          </a:p>
-          <a:p>
-            <a:pPr lvl="2"/>
-            <a:endParaRPr lang="en-US" sz="2800" dirty="0" smtClean="0"/>
+            <a:pPr>
+              <a:lnSpc>
+                <a:spcPct val="200000"/>
+              </a:lnSpc>
+            </a:pPr>
+            <a:r>
+              <a:rPr lang="en-US" sz="2600" b="1" dirty="0" smtClean="0"/>
+              <a:t>Nền tảng Eclipse</a:t>
+            </a:r>
+          </a:p>
+          <a:p>
+            <a:pPr lvl="2">
+              <a:lnSpc>
+                <a:spcPct val="200000"/>
+              </a:lnSpc>
+            </a:pPr>
+            <a:r>
+              <a:rPr lang="en-US" sz="2600" dirty="0" smtClean="0"/>
+              <a:t>Eclipse </a:t>
+            </a:r>
+            <a:r>
+              <a:rPr lang="en-US" sz="2600" dirty="0"/>
+              <a:t>là một nền tảng phát triển phần mềm mã nguồn mở, bao gồm một IDE (Intergrated Development Environment) và một hệ thống plug-in có khả năng mở rộng được</a:t>
+            </a:r>
+            <a:r>
+              <a:rPr lang="en-US" sz="2600" dirty="0" smtClean="0"/>
+              <a:t>.</a:t>
+            </a:r>
+          </a:p>
+          <a:p>
+            <a:pPr lvl="2">
+              <a:lnSpc>
+                <a:spcPct val="200000"/>
+              </a:lnSpc>
+            </a:pPr>
+            <a:r>
+              <a:rPr lang="en-US" sz="2600" dirty="0" smtClean="0"/>
+              <a:t>Eclipse đã xây dựng PDE (</a:t>
+            </a:r>
+            <a:r>
+              <a:rPr lang="en-US" sz="2600" dirty="0"/>
+              <a:t>Plug-in Development </a:t>
+            </a:r>
+            <a:r>
+              <a:rPr lang="en-US" sz="2600" dirty="0" smtClean="0"/>
+              <a:t>Environment) dành cho người muốn mở rộng Eclipse, nó cho phép xây dựng các plug-in tích hợp vào môi trường Eclipse.</a:t>
+            </a:r>
           </a:p>
           <a:p>
             <a:endParaRPr lang="en-US" dirty="0"/>
@@ -9300,19 +9238,16 @@
           <a:p>
             <a:r>
               <a:rPr lang="en-US" dirty="0" smtClean="0"/>
-              <a:t>Ngôn </a:t>
-            </a:r>
-            <a:r>
-              <a:rPr lang="en-US" dirty="0"/>
-              <a:t>ngữ thi hành quy trình nghiệp vụ - BPEL</a:t>
-            </a:r>
+              <a:t>Khung ứng dụng hỗ trợ lập trình SOA</a:t>
+            </a:r>
+            <a:endParaRPr lang="en-US" dirty="0"/>
           </a:p>
         </p:txBody>
       </p:sp>
     </p:spTree>
     <p:extLst>
       <p:ext uri="{BB962C8B-B14F-4D97-AF65-F5344CB8AC3E}">
-        <p14:creationId xmlns:p14="http://schemas.microsoft.com/office/powerpoint/2010/main" val="440211464"/>
+        <p14:creationId xmlns:p14="http://schemas.microsoft.com/office/powerpoint/2010/main" val="1119938358"/>
       </p:ext>
     </p:extLst>
   </p:cSld>
@@ -9365,492 +9300,6 @@
               <a:rPr lang="en-US" smtClean="0"/>
               <a:pPr/>
               <a:t>25</a:t>
-            </a:fld>
-            <a:endParaRPr lang="en-US" dirty="0"/>
-          </a:p>
-        </p:txBody>
-      </p:sp>
-      <p:sp>
-        <p:nvSpPr>
-          <p:cNvPr id="3" name="Content Placeholder 2"/>
-          <p:cNvSpPr>
-            <a:spLocks noGrp="1"/>
-          </p:cNvSpPr>
-          <p:nvPr>
-            <p:ph sz="quarter" idx="14"/>
-          </p:nvPr>
-        </p:nvSpPr>
-        <p:spPr>
-          <a:xfrm>
-            <a:off x="779926" y="990600"/>
-            <a:ext cx="10496086" cy="5867400"/>
-          </a:xfrm>
-        </p:spPr>
-        <p:txBody>
-          <a:bodyPr>
-            <a:normAutofit/>
-          </a:bodyPr>
-          <a:lstStyle/>
-          <a:p>
-            <a:pPr lvl="2">
-              <a:lnSpc>
-                <a:spcPct val="170000"/>
-              </a:lnSpc>
-            </a:pPr>
-            <a:r>
-              <a:rPr lang="en-US" sz="2800" dirty="0" smtClean="0"/>
-              <a:t>Kiến </a:t>
-            </a:r>
-            <a:r>
-              <a:rPr lang="en-US" sz="2800" dirty="0"/>
-              <a:t>trúc hướng dịch vụ (SOA) là một kiểu kiến trúc có khả năng tái sử dụng lại các tài nguyên sẵn có, khả năng mở rộng và liên kết tốt với các hệ thống mới để tạo nên một môi trường đồng nhất, nó bao gồm các dịch vụ nghiệp vụ độc lập, không đồng nhất được kết hợp với nhau trong quy trình nghiệp vụ linh hoạt mềm </a:t>
-            </a:r>
-            <a:r>
-              <a:rPr lang="en-US" sz="2800" dirty="0" smtClean="0"/>
-              <a:t>dẻo. </a:t>
-            </a:r>
-          </a:p>
-          <a:p>
-            <a:pPr lvl="2">
-              <a:lnSpc>
-                <a:spcPct val="170000"/>
-              </a:lnSpc>
-            </a:pPr>
-            <a:endParaRPr lang="en-US" sz="2800" dirty="0"/>
-          </a:p>
-          <a:p>
-            <a:pPr lvl="2">
-              <a:lnSpc>
-                <a:spcPct val="140000"/>
-              </a:lnSpc>
-            </a:pPr>
-            <a:endParaRPr lang="en-US" sz="3100" dirty="0"/>
-          </a:p>
-          <a:p>
-            <a:pPr lvl="2"/>
-            <a:endParaRPr lang="en-US" sz="2800" dirty="0"/>
-          </a:p>
-          <a:p>
-            <a:pPr lvl="2"/>
-            <a:endParaRPr lang="en-US" sz="2800" dirty="0"/>
-          </a:p>
-          <a:p>
-            <a:pPr lvl="2"/>
-            <a:endParaRPr lang="en-US" sz="2800" dirty="0" smtClean="0"/>
-          </a:p>
-          <a:p>
-            <a:endParaRPr lang="en-US" dirty="0"/>
-          </a:p>
-        </p:txBody>
-      </p:sp>
-      <p:sp>
-        <p:nvSpPr>
-          <p:cNvPr id="4" name="Title 3"/>
-          <p:cNvSpPr>
-            <a:spLocks noGrp="1"/>
-          </p:cNvSpPr>
-          <p:nvPr>
-            <p:ph type="title"/>
-          </p:nvPr>
-        </p:nvSpPr>
-        <p:spPr/>
-        <p:txBody>
-          <a:bodyPr>
-            <a:normAutofit fontScale="90000"/>
-          </a:bodyPr>
-          <a:lstStyle/>
-          <a:p>
-            <a:r>
-              <a:rPr lang="en-US" dirty="0"/>
-              <a:t>T</a:t>
-            </a:r>
-            <a:r>
-              <a:rPr lang="en-US" dirty="0" smtClean="0"/>
-              <a:t>ổng kết chương 1</a:t>
-            </a:r>
-            <a:endParaRPr lang="en-US" dirty="0"/>
-          </a:p>
-        </p:txBody>
-      </p:sp>
-    </p:spTree>
-    <p:extLst>
-      <p:ext uri="{BB962C8B-B14F-4D97-AF65-F5344CB8AC3E}">
-        <p14:creationId xmlns:p14="http://schemas.microsoft.com/office/powerpoint/2010/main" val="424622559"/>
-      </p:ext>
-    </p:extLst>
-  </p:cSld>
-  <p:clrMapOvr>
-    <a:masterClrMapping/>
-  </p:clrMapOvr>
-  <p:timing>
-    <p:tnLst>
-      <p:par>
-        <p:cTn id="1" dur="indefinite" restart="never" nodeType="tmRoot"/>
-      </p:par>
-    </p:tnLst>
-  </p:timing>
-</p:sld>
-</file>
-
-<file path=ppt/slides/slide26.xml><?xml version="1.0" encoding="utf-8"?>
-<p:sld xmlns:a="http://schemas.openxmlformats.org/drawingml/2006/main" xmlns:r="http://schemas.openxmlformats.org/officeDocument/2006/relationships" xmlns:p="http://schemas.openxmlformats.org/presentationml/2006/main">
-  <p:cSld>
-    <p:spTree>
-      <p:nvGrpSpPr>
-        <p:cNvPr id="1" name=""/>
-        <p:cNvGrpSpPr/>
-        <p:nvPr/>
-      </p:nvGrpSpPr>
-      <p:grpSpPr>
-        <a:xfrm>
-          <a:off x="0" y="0"/>
-          <a:ext cx="0" cy="0"/>
-          <a:chOff x="0" y="0"/>
-          <a:chExt cx="0" cy="0"/>
-        </a:xfrm>
-      </p:grpSpPr>
-      <p:sp>
-        <p:nvSpPr>
-          <p:cNvPr id="2" name="Slide Number Placeholder 1"/>
-          <p:cNvSpPr>
-            <a:spLocks noGrp="1"/>
-          </p:cNvSpPr>
-          <p:nvPr>
-            <p:ph type="sldNum" sz="quarter" idx="12"/>
-          </p:nvPr>
-        </p:nvSpPr>
-        <p:spPr/>
-        <p:txBody>
-          <a:bodyPr/>
-          <a:lstStyle/>
-          <a:p>
-            <a:fld id="{9DFD9A34-EC64-4F0B-9C9B-2C0A202A050B}" type="slidenum">
-              <a:rPr lang="en-US" smtClean="0"/>
-              <a:pPr/>
-              <a:t>26</a:t>
-            </a:fld>
-            <a:endParaRPr lang="en-US" dirty="0"/>
-          </a:p>
-        </p:txBody>
-      </p:sp>
-      <p:sp>
-        <p:nvSpPr>
-          <p:cNvPr id="3" name="Content Placeholder 2"/>
-          <p:cNvSpPr>
-            <a:spLocks noGrp="1"/>
-          </p:cNvSpPr>
-          <p:nvPr>
-            <p:ph sz="quarter" idx="14"/>
-          </p:nvPr>
-        </p:nvSpPr>
-        <p:spPr>
-          <a:xfrm>
-            <a:off x="779926" y="990600"/>
-            <a:ext cx="10496086" cy="5867400"/>
-          </a:xfrm>
-        </p:spPr>
-        <p:txBody>
-          <a:bodyPr>
-            <a:normAutofit fontScale="92500" lnSpcReduction="20000"/>
-          </a:bodyPr>
-          <a:lstStyle/>
-          <a:p>
-            <a:pPr lvl="2">
-              <a:lnSpc>
-                <a:spcPct val="170000"/>
-              </a:lnSpc>
-            </a:pPr>
-            <a:r>
-              <a:rPr lang="en-US" sz="2800" dirty="0" smtClean="0"/>
-              <a:t>Và công nghệ web service là một lựa chọn lý tưởng để triển khai kiến trúc hướng dịch vụ bởi khả năng đáp ứng mềm dẻo và linh hoạt của nó. Cùng với ngôn ngữ thi hành quy trình nghiệp vụ (BPEL) để định nghĩa tiến trình, các dịch vụ ngoài và sử dụng các tác vụ, các phép toán logic để tạo thành một quy trình.</a:t>
-            </a:r>
-          </a:p>
-          <a:p>
-            <a:pPr lvl="2">
-              <a:lnSpc>
-                <a:spcPct val="170000"/>
-              </a:lnSpc>
-            </a:pPr>
-            <a:r>
-              <a:rPr lang="en-US" sz="2800" dirty="0"/>
-              <a:t>Tóm lại, công nghệ  Web service cùng với ngôn ngữ thi hành quy trình nghiệp vụ - BPEL đã hiện thực hóa kiến trúc hướng dịch vụ (SOA), cho phép kết hợp các dịch vụ đơn lẻ và các hệ thống ứng dụng thành một quy trình nghiệp vụ đầy đủ.</a:t>
-            </a:r>
-          </a:p>
-          <a:p>
-            <a:pPr lvl="2">
-              <a:lnSpc>
-                <a:spcPct val="170000"/>
-              </a:lnSpc>
-            </a:pPr>
-            <a:endParaRPr lang="en-US" sz="2800" dirty="0"/>
-          </a:p>
-          <a:p>
-            <a:pPr lvl="2">
-              <a:lnSpc>
-                <a:spcPct val="140000"/>
-              </a:lnSpc>
-            </a:pPr>
-            <a:endParaRPr lang="en-US" sz="3100" dirty="0"/>
-          </a:p>
-          <a:p>
-            <a:pPr lvl="2"/>
-            <a:endParaRPr lang="en-US" sz="2800" dirty="0"/>
-          </a:p>
-          <a:p>
-            <a:pPr lvl="2"/>
-            <a:endParaRPr lang="en-US" sz="2800" dirty="0"/>
-          </a:p>
-          <a:p>
-            <a:pPr lvl="2"/>
-            <a:endParaRPr lang="en-US" sz="2800" dirty="0" smtClean="0"/>
-          </a:p>
-          <a:p>
-            <a:endParaRPr lang="en-US" dirty="0"/>
-          </a:p>
-        </p:txBody>
-      </p:sp>
-      <p:sp>
-        <p:nvSpPr>
-          <p:cNvPr id="4" name="Title 3"/>
-          <p:cNvSpPr>
-            <a:spLocks noGrp="1"/>
-          </p:cNvSpPr>
-          <p:nvPr>
-            <p:ph type="title"/>
-          </p:nvPr>
-        </p:nvSpPr>
-        <p:spPr/>
-        <p:txBody>
-          <a:bodyPr>
-            <a:normAutofit fontScale="90000"/>
-          </a:bodyPr>
-          <a:lstStyle/>
-          <a:p>
-            <a:r>
-              <a:rPr lang="en-US" dirty="0" smtClean="0"/>
-              <a:t>Tiểu kết chương 1</a:t>
-            </a:r>
-            <a:endParaRPr lang="en-US" dirty="0"/>
-          </a:p>
-        </p:txBody>
-      </p:sp>
-    </p:spTree>
-    <p:extLst>
-      <p:ext uri="{BB962C8B-B14F-4D97-AF65-F5344CB8AC3E}">
-        <p14:creationId xmlns:p14="http://schemas.microsoft.com/office/powerpoint/2010/main" val="3329713738"/>
-      </p:ext>
-    </p:extLst>
-  </p:cSld>
-  <p:clrMapOvr>
-    <a:masterClrMapping/>
-  </p:clrMapOvr>
-  <p:timing>
-    <p:tnLst>
-      <p:par>
-        <p:cTn id="1" dur="indefinite" restart="never" nodeType="tmRoot"/>
-      </p:par>
-    </p:tnLst>
-  </p:timing>
-</p:sld>
-</file>
-
-<file path=ppt/slides/slide27.xml><?xml version="1.0" encoding="utf-8"?>
-<p:sld xmlns:a="http://schemas.openxmlformats.org/drawingml/2006/main" xmlns:r="http://schemas.openxmlformats.org/officeDocument/2006/relationships" xmlns:p="http://schemas.openxmlformats.org/presentationml/2006/main">
-  <p:cSld>
-    <p:spTree>
-      <p:nvGrpSpPr>
-        <p:cNvPr id="1" name=""/>
-        <p:cNvGrpSpPr/>
-        <p:nvPr/>
-      </p:nvGrpSpPr>
-      <p:grpSpPr>
-        <a:xfrm>
-          <a:off x="0" y="0"/>
-          <a:ext cx="0" cy="0"/>
-          <a:chOff x="0" y="0"/>
-          <a:chExt cx="0" cy="0"/>
-        </a:xfrm>
-      </p:grpSpPr>
-      <p:sp>
-        <p:nvSpPr>
-          <p:cNvPr id="2" name="Slide Number Placeholder 1"/>
-          <p:cNvSpPr>
-            <a:spLocks noGrp="1"/>
-          </p:cNvSpPr>
-          <p:nvPr>
-            <p:ph type="sldNum" sz="quarter" idx="12"/>
-          </p:nvPr>
-        </p:nvSpPr>
-        <p:spPr/>
-        <p:txBody>
-          <a:bodyPr/>
-          <a:lstStyle/>
-          <a:p>
-            <a:fld id="{9DFD9A34-EC64-4F0B-9C9B-2C0A202A050B}" type="slidenum">
-              <a:rPr lang="en-US" smtClean="0"/>
-              <a:pPr/>
-              <a:t>27</a:t>
-            </a:fld>
-            <a:endParaRPr lang="en-US" dirty="0"/>
-          </a:p>
-        </p:txBody>
-      </p:sp>
-      <p:sp>
-        <p:nvSpPr>
-          <p:cNvPr id="3" name="Content Placeholder 2"/>
-          <p:cNvSpPr>
-            <a:spLocks noGrp="1"/>
-          </p:cNvSpPr>
-          <p:nvPr>
-            <p:ph sz="quarter" idx="14"/>
-          </p:nvPr>
-        </p:nvSpPr>
-        <p:spPr>
-          <a:xfrm>
-            <a:off x="779926" y="990600"/>
-            <a:ext cx="10496086" cy="5867400"/>
-          </a:xfrm>
-        </p:spPr>
-        <p:txBody>
-          <a:bodyPr>
-            <a:normAutofit lnSpcReduction="10000"/>
-          </a:bodyPr>
-          <a:lstStyle/>
-          <a:p>
-            <a:pPr>
-              <a:lnSpc>
-                <a:spcPct val="200000"/>
-              </a:lnSpc>
-            </a:pPr>
-            <a:r>
-              <a:rPr lang="en-US" sz="2600" b="1" dirty="0" smtClean="0"/>
-              <a:t>Nền tảng Eclipse</a:t>
-            </a:r>
-          </a:p>
-          <a:p>
-            <a:pPr lvl="2">
-              <a:lnSpc>
-                <a:spcPct val="200000"/>
-              </a:lnSpc>
-            </a:pPr>
-            <a:r>
-              <a:rPr lang="en-US" sz="2600" dirty="0" smtClean="0"/>
-              <a:t>Eclipse </a:t>
-            </a:r>
-            <a:r>
-              <a:rPr lang="en-US" sz="2600" dirty="0"/>
-              <a:t>là một nền tảng phát triển phần mềm mã nguồn mở, bao gồm một IDE (Intergrated Development Environment) và một hệ thống plug-in có khả năng mở rộng được</a:t>
-            </a:r>
-            <a:r>
-              <a:rPr lang="en-US" sz="2600" dirty="0" smtClean="0"/>
-              <a:t>.</a:t>
-            </a:r>
-          </a:p>
-          <a:p>
-            <a:pPr lvl="2">
-              <a:lnSpc>
-                <a:spcPct val="200000"/>
-              </a:lnSpc>
-            </a:pPr>
-            <a:r>
-              <a:rPr lang="en-US" sz="2600" dirty="0" smtClean="0"/>
-              <a:t>Eclipse đã xây dựng PDE (</a:t>
-            </a:r>
-            <a:r>
-              <a:rPr lang="en-US" sz="2600" dirty="0"/>
-              <a:t>Plug-in Development </a:t>
-            </a:r>
-            <a:r>
-              <a:rPr lang="en-US" sz="2600" dirty="0" smtClean="0"/>
-              <a:t>Environment) dành cho người muốn mở rộng Eclipse, nó cho phép xây dựng các plug-in tích hợp vào môi trường Eclipse.</a:t>
-            </a:r>
-          </a:p>
-          <a:p>
-            <a:endParaRPr lang="en-US" dirty="0"/>
-          </a:p>
-        </p:txBody>
-      </p:sp>
-      <p:sp>
-        <p:nvSpPr>
-          <p:cNvPr id="4" name="Title 3"/>
-          <p:cNvSpPr>
-            <a:spLocks noGrp="1"/>
-          </p:cNvSpPr>
-          <p:nvPr>
-            <p:ph type="title"/>
-          </p:nvPr>
-        </p:nvSpPr>
-        <p:spPr/>
-        <p:txBody>
-          <a:bodyPr>
-            <a:normAutofit fontScale="90000"/>
-          </a:bodyPr>
-          <a:lstStyle/>
-          <a:p>
-            <a:r>
-              <a:rPr lang="en-US" dirty="0" smtClean="0"/>
-              <a:t>Khung ứng dụng hỗ trợ lập trình SOA</a:t>
-            </a:r>
-            <a:endParaRPr lang="en-US" dirty="0"/>
-          </a:p>
-        </p:txBody>
-      </p:sp>
-    </p:spTree>
-    <p:extLst>
-      <p:ext uri="{BB962C8B-B14F-4D97-AF65-F5344CB8AC3E}">
-        <p14:creationId xmlns:p14="http://schemas.microsoft.com/office/powerpoint/2010/main" val="1119938358"/>
-      </p:ext>
-    </p:extLst>
-  </p:cSld>
-  <p:clrMapOvr>
-    <a:masterClrMapping/>
-  </p:clrMapOvr>
-  <p:timing>
-    <p:tnLst>
-      <p:par>
-        <p:cTn id="1" dur="indefinite" restart="never" nodeType="tmRoot"/>
-      </p:par>
-    </p:tnLst>
-  </p:timing>
-</p:sld>
-</file>
-
-<file path=ppt/slides/slide28.xml><?xml version="1.0" encoding="utf-8"?>
-<p:sld xmlns:a="http://schemas.openxmlformats.org/drawingml/2006/main" xmlns:r="http://schemas.openxmlformats.org/officeDocument/2006/relationships" xmlns:p="http://schemas.openxmlformats.org/presentationml/2006/main">
-  <p:cSld>
-    <p:spTree>
-      <p:nvGrpSpPr>
-        <p:cNvPr id="1" name=""/>
-        <p:cNvGrpSpPr/>
-        <p:nvPr/>
-      </p:nvGrpSpPr>
-      <p:grpSpPr>
-        <a:xfrm>
-          <a:off x="0" y="0"/>
-          <a:ext cx="0" cy="0"/>
-          <a:chOff x="0" y="0"/>
-          <a:chExt cx="0" cy="0"/>
-        </a:xfrm>
-      </p:grpSpPr>
-      <p:sp>
-        <p:nvSpPr>
-          <p:cNvPr id="2" name="Slide Number Placeholder 1"/>
-          <p:cNvSpPr>
-            <a:spLocks noGrp="1"/>
-          </p:cNvSpPr>
-          <p:nvPr>
-            <p:ph type="sldNum" sz="quarter" idx="12"/>
-          </p:nvPr>
-        </p:nvSpPr>
-        <p:spPr/>
-        <p:txBody>
-          <a:bodyPr/>
-          <a:lstStyle/>
-          <a:p>
-            <a:fld id="{9DFD9A34-EC64-4F0B-9C9B-2C0A202A050B}" type="slidenum">
-              <a:rPr lang="en-US" smtClean="0"/>
-              <a:pPr/>
-              <a:t>28</a:t>
             </a:fld>
             <a:endParaRPr lang="en-US" dirty="0"/>
           </a:p>
@@ -12653,7 +12102,7 @@
 </p:sld>
 </file>
 
-<file path=ppt/slides/slide29.xml><?xml version="1.0" encoding="utf-8"?>
+<file path=ppt/slides/slide26.xml><?xml version="1.0" encoding="utf-8"?>
 <p:sld xmlns:a="http://schemas.openxmlformats.org/drawingml/2006/main" xmlns:r="http://schemas.openxmlformats.org/officeDocument/2006/relationships" xmlns:p="http://schemas.openxmlformats.org/presentationml/2006/main">
   <p:cSld>
     <p:spTree>
@@ -12688,7 +12137,7 @@
             <a:fld id="{9DFD9A34-EC64-4F0B-9C9B-2C0A202A050B}" type="slidenum">
               <a:rPr lang="en-US" smtClean="0"/>
               <a:pPr/>
-              <a:t>29</a:t>
+              <a:t>26</a:t>
             </a:fld>
             <a:endParaRPr lang="en-US" dirty="0"/>
           </a:p>
@@ -13062,6 +12511,515 @@
 </p:sld>
 </file>
 
+<file path=ppt/slides/slide27.xml><?xml version="1.0" encoding="utf-8"?>
+<p:sld xmlns:a="http://schemas.openxmlformats.org/drawingml/2006/main" xmlns:r="http://schemas.openxmlformats.org/officeDocument/2006/relationships" xmlns:p="http://schemas.openxmlformats.org/presentationml/2006/main">
+  <p:cSld>
+    <p:spTree>
+      <p:nvGrpSpPr>
+        <p:cNvPr id="1" name=""/>
+        <p:cNvGrpSpPr/>
+        <p:nvPr/>
+      </p:nvGrpSpPr>
+      <p:grpSpPr>
+        <a:xfrm>
+          <a:off x="0" y="0"/>
+          <a:ext cx="0" cy="0"/>
+          <a:chOff x="0" y="0"/>
+          <a:chExt cx="0" cy="0"/>
+        </a:xfrm>
+      </p:grpSpPr>
+      <p:sp>
+        <p:nvSpPr>
+          <p:cNvPr id="2" name="Slide Number Placeholder 1"/>
+          <p:cNvSpPr>
+            <a:spLocks noGrp="1"/>
+          </p:cNvSpPr>
+          <p:nvPr>
+            <p:ph type="sldNum" sz="quarter" idx="12"/>
+          </p:nvPr>
+        </p:nvSpPr>
+        <p:spPr/>
+        <p:txBody>
+          <a:bodyPr/>
+          <a:lstStyle/>
+          <a:p>
+            <a:fld id="{9DFD9A34-EC64-4F0B-9C9B-2C0A202A050B}" type="slidenum">
+              <a:rPr lang="en-US" smtClean="0"/>
+              <a:pPr/>
+              <a:t>27</a:t>
+            </a:fld>
+            <a:endParaRPr lang="en-US" dirty="0"/>
+          </a:p>
+        </p:txBody>
+      </p:sp>
+      <p:sp>
+        <p:nvSpPr>
+          <p:cNvPr id="3" name="Content Placeholder 2"/>
+          <p:cNvSpPr>
+            <a:spLocks noGrp="1"/>
+          </p:cNvSpPr>
+          <p:nvPr>
+            <p:ph sz="quarter" idx="14"/>
+          </p:nvPr>
+        </p:nvSpPr>
+        <p:spPr>
+          <a:xfrm>
+            <a:off x="779926" y="990600"/>
+            <a:ext cx="10496086" cy="5867400"/>
+          </a:xfrm>
+        </p:spPr>
+        <p:txBody>
+          <a:bodyPr>
+            <a:noAutofit/>
+          </a:bodyPr>
+          <a:lstStyle/>
+          <a:p>
+            <a:pPr lvl="2">
+              <a:lnSpc>
+                <a:spcPct val="160000"/>
+              </a:lnSpc>
+            </a:pPr>
+            <a:r>
+              <a:rPr lang="en-US" dirty="0"/>
+              <a:t>Từ kiến trúc của Eclipse có thể dễ dàng thấy các ưu điểm của nó :</a:t>
+            </a:r>
+          </a:p>
+          <a:p>
+            <a:pPr marL="60325" lvl="2" indent="396875">
+              <a:spcBef>
+                <a:spcPts val="0"/>
+              </a:spcBef>
+              <a:spcAft>
+                <a:spcPts val="0"/>
+              </a:spcAft>
+              <a:buFont typeface="Arial" pitchFamily="34" charset="0"/>
+              <a:buChar char="•"/>
+            </a:pPr>
+            <a:r>
+              <a:rPr lang="en-US" dirty="0"/>
+              <a:t>Có khả năng mở rộng, phụ thuộc vào các thành phần gắn thêm như cho ngôn ngữ mới, cho bộ xử lý mới</a:t>
+            </a:r>
+          </a:p>
+          <a:p>
+            <a:pPr marL="60325" lvl="2" indent="396875">
+              <a:spcBef>
+                <a:spcPts val="0"/>
+              </a:spcBef>
+              <a:spcAft>
+                <a:spcPts val="0"/>
+              </a:spcAft>
+              <a:buFont typeface="Arial" pitchFamily="34" charset="0"/>
+              <a:buChar char="•"/>
+            </a:pPr>
+            <a:r>
+              <a:rPr lang="en-US" dirty="0"/>
+              <a:t>Ứng dụng được cho việc phát triển mọi kiểu ứng dụng, từ ứng dụng trong doanh nghiệp, ứng dụng trên máy tính cá nhân cho đến các ứng dụng nhúng cho các thiết bị</a:t>
+            </a:r>
+          </a:p>
+          <a:p>
+            <a:pPr marL="60325" lvl="2" indent="396875">
+              <a:spcBef>
+                <a:spcPts val="0"/>
+              </a:spcBef>
+              <a:spcAft>
+                <a:spcPts val="0"/>
+              </a:spcAft>
+              <a:buFont typeface="Arial" pitchFamily="34" charset="0"/>
+              <a:buChar char="•"/>
+            </a:pPr>
+            <a:r>
+              <a:rPr lang="en-US" dirty="0"/>
+              <a:t>Mọi người có thể tự làm thêm các thành phần gắn thêm theo yêu cầu riêng của mình</a:t>
+            </a:r>
+          </a:p>
+          <a:p>
+            <a:pPr lvl="2">
+              <a:lnSpc>
+                <a:spcPct val="160000"/>
+              </a:lnSpc>
+            </a:pPr>
+            <a:endParaRPr lang="en-US" dirty="0" smtClean="0"/>
+          </a:p>
+          <a:p>
+            <a:pPr lvl="2">
+              <a:lnSpc>
+                <a:spcPct val="160000"/>
+              </a:lnSpc>
+            </a:pPr>
+            <a:endParaRPr lang="en-US" dirty="0"/>
+          </a:p>
+          <a:p>
+            <a:pPr lvl="2">
+              <a:lnSpc>
+                <a:spcPct val="160000"/>
+              </a:lnSpc>
+            </a:pPr>
+            <a:endParaRPr lang="en-US" dirty="0"/>
+          </a:p>
+          <a:p>
+            <a:pPr lvl="2">
+              <a:lnSpc>
+                <a:spcPct val="160000"/>
+              </a:lnSpc>
+            </a:pPr>
+            <a:endParaRPr lang="en-US" dirty="0"/>
+          </a:p>
+          <a:p>
+            <a:pPr lvl="2"/>
+            <a:endParaRPr lang="en-US" dirty="0"/>
+          </a:p>
+          <a:p>
+            <a:pPr marL="60325" lvl="2" indent="396875">
+              <a:buFont typeface="Arial" pitchFamily="34" charset="0"/>
+              <a:buChar char="•"/>
+            </a:pPr>
+            <a:endParaRPr lang="en-US" dirty="0"/>
+          </a:p>
+          <a:p>
+            <a:pPr lvl="2">
+              <a:lnSpc>
+                <a:spcPct val="200000"/>
+              </a:lnSpc>
+            </a:pPr>
+            <a:endParaRPr lang="en-US" dirty="0"/>
+          </a:p>
+          <a:p>
+            <a:pPr lvl="2">
+              <a:lnSpc>
+                <a:spcPct val="200000"/>
+              </a:lnSpc>
+            </a:pPr>
+            <a:endParaRPr lang="en-US" dirty="0"/>
+          </a:p>
+        </p:txBody>
+      </p:sp>
+      <p:sp>
+        <p:nvSpPr>
+          <p:cNvPr id="4" name="Title 3"/>
+          <p:cNvSpPr>
+            <a:spLocks noGrp="1"/>
+          </p:cNvSpPr>
+          <p:nvPr>
+            <p:ph type="title"/>
+          </p:nvPr>
+        </p:nvSpPr>
+        <p:spPr/>
+        <p:txBody>
+          <a:bodyPr>
+            <a:normAutofit fontScale="90000"/>
+          </a:bodyPr>
+          <a:lstStyle/>
+          <a:p>
+            <a:r>
+              <a:rPr lang="en-US" dirty="0" smtClean="0"/>
+              <a:t>Tiểu kết chương 2</a:t>
+            </a:r>
+            <a:endParaRPr lang="en-US" dirty="0"/>
+          </a:p>
+        </p:txBody>
+      </p:sp>
+    </p:spTree>
+    <p:extLst>
+      <p:ext uri="{BB962C8B-B14F-4D97-AF65-F5344CB8AC3E}">
+        <p14:creationId xmlns:p14="http://schemas.microsoft.com/office/powerpoint/2010/main" val="1925652982"/>
+      </p:ext>
+    </p:extLst>
+  </p:cSld>
+  <p:clrMapOvr>
+    <a:masterClrMapping/>
+  </p:clrMapOvr>
+  <p:timing>
+    <p:tnLst>
+      <p:par>
+        <p:cTn id="1" dur="indefinite" restart="never" nodeType="tmRoot"/>
+      </p:par>
+    </p:tnLst>
+  </p:timing>
+</p:sld>
+</file>
+
+<file path=ppt/slides/slide28.xml><?xml version="1.0" encoding="utf-8"?>
+<p:sld xmlns:a="http://schemas.openxmlformats.org/drawingml/2006/main" xmlns:r="http://schemas.openxmlformats.org/officeDocument/2006/relationships" xmlns:p="http://schemas.openxmlformats.org/presentationml/2006/main">
+  <p:cSld>
+    <p:spTree>
+      <p:nvGrpSpPr>
+        <p:cNvPr id="1" name=""/>
+        <p:cNvGrpSpPr/>
+        <p:nvPr/>
+      </p:nvGrpSpPr>
+      <p:grpSpPr>
+        <a:xfrm>
+          <a:off x="0" y="0"/>
+          <a:ext cx="0" cy="0"/>
+          <a:chOff x="0" y="0"/>
+          <a:chExt cx="0" cy="0"/>
+        </a:xfrm>
+      </p:grpSpPr>
+      <p:sp>
+        <p:nvSpPr>
+          <p:cNvPr id="2" name="Slide Number Placeholder 1"/>
+          <p:cNvSpPr>
+            <a:spLocks noGrp="1"/>
+          </p:cNvSpPr>
+          <p:nvPr>
+            <p:ph type="sldNum" sz="quarter" idx="12"/>
+          </p:nvPr>
+        </p:nvSpPr>
+        <p:spPr/>
+        <p:txBody>
+          <a:bodyPr/>
+          <a:lstStyle/>
+          <a:p>
+            <a:fld id="{9DFD9A34-EC64-4F0B-9C9B-2C0A202A050B}" type="slidenum">
+              <a:rPr lang="en-US" smtClean="0"/>
+              <a:pPr/>
+              <a:t>28</a:t>
+            </a:fld>
+            <a:endParaRPr lang="en-US" dirty="0"/>
+          </a:p>
+        </p:txBody>
+      </p:sp>
+      <p:sp>
+        <p:nvSpPr>
+          <p:cNvPr id="3" name="Content Placeholder 2"/>
+          <p:cNvSpPr>
+            <a:spLocks noGrp="1"/>
+          </p:cNvSpPr>
+          <p:nvPr>
+            <p:ph sz="quarter" idx="14"/>
+          </p:nvPr>
+        </p:nvSpPr>
+        <p:spPr>
+          <a:xfrm>
+            <a:off x="779926" y="990600"/>
+            <a:ext cx="10496086" cy="5867400"/>
+          </a:xfrm>
+        </p:spPr>
+        <p:txBody>
+          <a:bodyPr>
+            <a:normAutofit/>
+          </a:bodyPr>
+          <a:lstStyle/>
+          <a:p>
+            <a:pPr>
+              <a:lnSpc>
+                <a:spcPct val="200000"/>
+              </a:lnSpc>
+            </a:pPr>
+            <a:r>
+              <a:rPr lang="en-US" sz="2600" b="1" dirty="0" smtClean="0"/>
+              <a:t>Mục tiêu</a:t>
+            </a:r>
+          </a:p>
+          <a:p>
+            <a:pPr lvl="2">
+              <a:lnSpc>
+                <a:spcPct val="200000"/>
+              </a:lnSpc>
+            </a:pPr>
+            <a:r>
+              <a:rPr lang="en-US" sz="2800" dirty="0" smtClean="0"/>
+              <a:t>Xây </a:t>
+            </a:r>
+            <a:r>
+              <a:rPr lang="en-US" sz="2800" dirty="0"/>
+              <a:t>dựng một kiến trúc hướng dịch vụ theo đường ống - Service-oriented Pipeline Architecture (SOPA)</a:t>
+            </a:r>
+            <a:endParaRPr lang="en-US" sz="2600" dirty="0"/>
+          </a:p>
+          <a:p>
+            <a:endParaRPr lang="en-US" dirty="0"/>
+          </a:p>
+        </p:txBody>
+      </p:sp>
+      <p:sp>
+        <p:nvSpPr>
+          <p:cNvPr id="4" name="Title 3"/>
+          <p:cNvSpPr>
+            <a:spLocks noGrp="1"/>
+          </p:cNvSpPr>
+          <p:nvPr>
+            <p:ph type="title"/>
+          </p:nvPr>
+        </p:nvSpPr>
+        <p:spPr/>
+        <p:txBody>
+          <a:bodyPr>
+            <a:normAutofit fontScale="90000"/>
+          </a:bodyPr>
+          <a:lstStyle/>
+          <a:p>
+            <a:r>
+              <a:rPr lang="en-US" b="1" dirty="0"/>
+              <a:t>Bài toán điều phối các lời gọi dịch vụ trong kiến trúc SOA</a:t>
+            </a:r>
+            <a:endParaRPr lang="en-US" dirty="0"/>
+          </a:p>
+        </p:txBody>
+      </p:sp>
+    </p:spTree>
+    <p:extLst>
+      <p:ext uri="{BB962C8B-B14F-4D97-AF65-F5344CB8AC3E}">
+        <p14:creationId xmlns:p14="http://schemas.microsoft.com/office/powerpoint/2010/main" val="302673987"/>
+      </p:ext>
+    </p:extLst>
+  </p:cSld>
+  <p:clrMapOvr>
+    <a:masterClrMapping/>
+  </p:clrMapOvr>
+  <p:timing>
+    <p:tnLst>
+      <p:par>
+        <p:cTn id="1" dur="indefinite" restart="never" nodeType="tmRoot"/>
+      </p:par>
+    </p:tnLst>
+  </p:timing>
+</p:sld>
+</file>
+
+<file path=ppt/slides/slide29.xml><?xml version="1.0" encoding="utf-8"?>
+<p:sld xmlns:a="http://schemas.openxmlformats.org/drawingml/2006/main" xmlns:r="http://schemas.openxmlformats.org/officeDocument/2006/relationships" xmlns:p="http://schemas.openxmlformats.org/presentationml/2006/main">
+  <p:cSld>
+    <p:spTree>
+      <p:nvGrpSpPr>
+        <p:cNvPr id="1" name=""/>
+        <p:cNvGrpSpPr/>
+        <p:nvPr/>
+      </p:nvGrpSpPr>
+      <p:grpSpPr>
+        <a:xfrm>
+          <a:off x="0" y="0"/>
+          <a:ext cx="0" cy="0"/>
+          <a:chOff x="0" y="0"/>
+          <a:chExt cx="0" cy="0"/>
+        </a:xfrm>
+      </p:grpSpPr>
+      <p:sp>
+        <p:nvSpPr>
+          <p:cNvPr id="2" name="Slide Number Placeholder 1"/>
+          <p:cNvSpPr>
+            <a:spLocks noGrp="1"/>
+          </p:cNvSpPr>
+          <p:nvPr>
+            <p:ph type="sldNum" sz="quarter" idx="12"/>
+          </p:nvPr>
+        </p:nvSpPr>
+        <p:spPr/>
+        <p:txBody>
+          <a:bodyPr/>
+          <a:lstStyle/>
+          <a:p>
+            <a:fld id="{9DFD9A34-EC64-4F0B-9C9B-2C0A202A050B}" type="slidenum">
+              <a:rPr lang="en-US" smtClean="0"/>
+              <a:pPr/>
+              <a:t>29</a:t>
+            </a:fld>
+            <a:endParaRPr lang="en-US" dirty="0"/>
+          </a:p>
+        </p:txBody>
+      </p:sp>
+      <p:sp>
+        <p:nvSpPr>
+          <p:cNvPr id="3" name="Content Placeholder 2"/>
+          <p:cNvSpPr>
+            <a:spLocks noGrp="1"/>
+          </p:cNvSpPr>
+          <p:nvPr>
+            <p:ph sz="quarter" idx="14"/>
+          </p:nvPr>
+        </p:nvSpPr>
+        <p:spPr>
+          <a:xfrm>
+            <a:off x="779926" y="990600"/>
+            <a:ext cx="10496086" cy="5867400"/>
+          </a:xfrm>
+        </p:spPr>
+        <p:txBody>
+          <a:bodyPr>
+            <a:normAutofit/>
+          </a:bodyPr>
+          <a:lstStyle/>
+          <a:p>
+            <a:pPr>
+              <a:lnSpc>
+                <a:spcPct val="200000"/>
+              </a:lnSpc>
+            </a:pPr>
+            <a:r>
+              <a:rPr lang="en-US" sz="2600" b="1" dirty="0" smtClean="0"/>
+              <a:t>Giải pháp</a:t>
+            </a:r>
+          </a:p>
+          <a:p>
+            <a:pPr lvl="2">
+              <a:lnSpc>
+                <a:spcPct val="200000"/>
+              </a:lnSpc>
+            </a:pPr>
+            <a:r>
+              <a:rPr lang="en-US" sz="2800" dirty="0" smtClean="0"/>
+              <a:t>Xây </a:t>
+            </a:r>
+            <a:r>
+              <a:rPr lang="en-US" sz="2800" dirty="0"/>
+              <a:t>dựng một dịch vụ web đăng ký (web services registry), gọi là bus dịch vụ (Services Bus), phát triển như một plug-in Eclipse. Services Bus cung cấp các điểm mở rộng cho các nhà phát triển để xuất bản các lớp Java tiêu chuẩn của họ như các dịch vụ </a:t>
+            </a:r>
+            <a:r>
+              <a:rPr lang="en-US" sz="2800" dirty="0" smtClean="0"/>
+              <a:t>web (web services)</a:t>
+            </a:r>
+            <a:endParaRPr lang="en-US" sz="2600" dirty="0"/>
+          </a:p>
+          <a:p>
+            <a:endParaRPr lang="en-US" dirty="0"/>
+          </a:p>
+        </p:txBody>
+      </p:sp>
+      <p:sp>
+        <p:nvSpPr>
+          <p:cNvPr id="4" name="Title 3"/>
+          <p:cNvSpPr>
+            <a:spLocks noGrp="1"/>
+          </p:cNvSpPr>
+          <p:nvPr>
+            <p:ph type="title"/>
+          </p:nvPr>
+        </p:nvSpPr>
+        <p:spPr/>
+        <p:txBody>
+          <a:bodyPr>
+            <a:normAutofit fontScale="90000"/>
+          </a:bodyPr>
+          <a:lstStyle/>
+          <a:p>
+            <a:r>
+              <a:rPr lang="en-US" b="1" dirty="0"/>
+              <a:t>Bài toán điều phối các lời gọi dịch vụ trong kiến trúc SOA</a:t>
+            </a:r>
+            <a:endParaRPr lang="en-US" dirty="0"/>
+          </a:p>
+        </p:txBody>
+      </p:sp>
+    </p:spTree>
+    <p:extLst>
+      <p:ext uri="{BB962C8B-B14F-4D97-AF65-F5344CB8AC3E}">
+        <p14:creationId xmlns:p14="http://schemas.microsoft.com/office/powerpoint/2010/main" val="1266115762"/>
+      </p:ext>
+    </p:extLst>
+  </p:cSld>
+  <p:clrMapOvr>
+    <a:masterClrMapping/>
+  </p:clrMapOvr>
+  <p:timing>
+    <p:tnLst>
+      <p:par>
+        <p:cTn id="1" dur="indefinite" restart="never" nodeType="tmRoot"/>
+      </p:par>
+    </p:tnLst>
+  </p:timing>
+</p:sld>
+</file>
+
 <file path=ppt/slides/slide3.xml><?xml version="1.0" encoding="utf-8"?>
 <p:sld xmlns:a="http://schemas.openxmlformats.org/drawingml/2006/main" xmlns:r="http://schemas.openxmlformats.org/officeDocument/2006/relationships" xmlns:p="http://schemas.openxmlformats.org/presentationml/2006/main">
   <p:cSld>
@@ -13121,7 +13079,15 @@
             <a:pPr lvl="2"/>
             <a:r>
               <a:rPr lang="en-US" dirty="0"/>
-              <a:t>Với sự phát triển của internet và xu thế hội nhập chung của toàn thế giới, nên các doanh nghiệp, tổ chức bắt đầu việc cộng tác, phối hợp và chia sẻ nguồn tài nguyên với nhau để nâng cao hiệu quả hoạt động.</a:t>
+              <a:t>Với sự phát triển của </a:t>
+            </a:r>
+            <a:r>
+              <a:rPr lang="en-US" dirty="0" smtClean="0"/>
+              <a:t>Internet </a:t>
+            </a:r>
+            <a:r>
+              <a:rPr lang="en-US" dirty="0"/>
+              <a:t>và xu thế hội nhập chung của toàn thế giới, nên các doanh nghiệp, tổ chức bắt đầu việc cộng tác, phối hợp và chia sẻ nguồn tài nguyên với nhau để nâng cao hiệu quả hoạt động.</a:t>
             </a:r>
           </a:p>
           <a:p>
@@ -13139,7 +13105,15 @@
             <a:pPr lvl="2"/>
             <a:r>
               <a:rPr lang="en-US" dirty="0" smtClean="0"/>
-              <a:t>Một giải pháp ra đời và đang được quan tâm, chú ý đó là “Kiến trúc hướng dịch vụ” (Service-oriented Architecture –SOA).</a:t>
+              <a:t>Một giải pháp ra đời và đang được quan tâm, chú ý đó là “Kiến trúc hướng dịch vụ” (</a:t>
+            </a:r>
+            <a:r>
+              <a:rPr lang="en-US" dirty="0" smtClean="0"/>
+              <a:t>Service Oriented </a:t>
+            </a:r>
+            <a:r>
+              <a:rPr lang="en-US" dirty="0" smtClean="0"/>
+              <a:t>Architecture –SOA).</a:t>
             </a:r>
           </a:p>
           <a:p>
@@ -13255,118 +13229,20 @@
         </p:spPr>
         <p:txBody>
           <a:bodyPr>
-            <a:noAutofit/>
+            <a:normAutofit/>
           </a:bodyPr>
           <a:lstStyle/>
-          <a:p>
-            <a:pPr lvl="2">
-              <a:lnSpc>
-                <a:spcPct val="160000"/>
-              </a:lnSpc>
-            </a:pPr>
-            <a:r>
-              <a:rPr lang="en-US" dirty="0"/>
-              <a:t>Từ kiến trúc của Eclipse có thể dễ dàng thấy các ưu điểm của nó :</a:t>
-            </a:r>
-          </a:p>
-          <a:p>
-            <a:pPr marL="60325" lvl="2" indent="396875">
-              <a:spcBef>
-                <a:spcPts val="0"/>
-              </a:spcBef>
-              <a:spcAft>
-                <a:spcPts val="0"/>
-              </a:spcAft>
-              <a:buFont typeface="Arial" pitchFamily="34" charset="0"/>
-              <a:buChar char="•"/>
-            </a:pPr>
-            <a:r>
-              <a:rPr lang="en-US" dirty="0"/>
-              <a:t>Có khả năng mở rộng, phụ thuộc vào các thành phần gắn thêm như cho ngôn ngữ mới, cho bộ xử lý mới</a:t>
-            </a:r>
-          </a:p>
-          <a:p>
-            <a:pPr marL="60325" lvl="2" indent="396875">
-              <a:spcBef>
-                <a:spcPts val="0"/>
-              </a:spcBef>
-              <a:spcAft>
-                <a:spcPts val="0"/>
-              </a:spcAft>
-              <a:buFont typeface="Arial" pitchFamily="34" charset="0"/>
-              <a:buChar char="•"/>
-            </a:pPr>
-            <a:r>
-              <a:rPr lang="en-US" dirty="0"/>
-              <a:t>Ứng dụng được cho việc phát triển mọi kiểu ứng dụng, từ ứng dụng trong doanh nghiệp, ứng dụng trên máy tính cá nhân cho đến các ứng dụng nhúng cho các thiết bị</a:t>
-            </a:r>
-          </a:p>
-          <a:p>
-            <a:pPr marL="60325" lvl="2" indent="396875">
-              <a:spcBef>
-                <a:spcPts val="0"/>
-              </a:spcBef>
-              <a:spcAft>
-                <a:spcPts val="0"/>
-              </a:spcAft>
-              <a:buFont typeface="Arial" pitchFamily="34" charset="0"/>
-              <a:buChar char="•"/>
-            </a:pPr>
-            <a:r>
-              <a:rPr lang="en-US" dirty="0"/>
-              <a:t>Mọi người có thể tự làm thêm các thành phần gắn thêm theo yêu cầu riêng của mình</a:t>
-            </a:r>
-          </a:p>
-          <a:p>
-            <a:pPr lvl="2">
-              <a:lnSpc>
-                <a:spcPct val="160000"/>
-              </a:lnSpc>
-            </a:pPr>
-            <a:endParaRPr lang="en-US" dirty="0" smtClean="0"/>
-          </a:p>
-          <a:p>
-            <a:pPr lvl="2">
-              <a:lnSpc>
-                <a:spcPct val="160000"/>
-              </a:lnSpc>
-            </a:pPr>
-            <a:endParaRPr lang="en-US" dirty="0"/>
-          </a:p>
-          <a:p>
-            <a:pPr lvl="2">
-              <a:lnSpc>
-                <a:spcPct val="160000"/>
-              </a:lnSpc>
-            </a:pPr>
-            <a:endParaRPr lang="en-US" dirty="0"/>
-          </a:p>
-          <a:p>
-            <a:pPr lvl="2">
-              <a:lnSpc>
-                <a:spcPct val="160000"/>
-              </a:lnSpc>
-            </a:pPr>
-            <a:endParaRPr lang="en-US" dirty="0"/>
-          </a:p>
-          <a:p>
-            <a:pPr lvl="2"/>
-            <a:endParaRPr lang="en-US" dirty="0"/>
-          </a:p>
-          <a:p>
-            <a:pPr marL="60325" lvl="2" indent="396875">
-              <a:buFont typeface="Arial" pitchFamily="34" charset="0"/>
-              <a:buChar char="•"/>
-            </a:pPr>
-            <a:endParaRPr lang="en-US" dirty="0"/>
-          </a:p>
           <a:p>
             <a:pPr lvl="2">
               <a:lnSpc>
                 <a:spcPct val="200000"/>
               </a:lnSpc>
             </a:pPr>
-            <a:endParaRPr lang="en-US" dirty="0"/>
+            <a:r>
+              <a:rPr lang="en-US" sz="2800" dirty="0"/>
+              <a:t>Một phần nữa trong giải pháp là triển khai một plug-in đường ống (Pipeline plug-in), đóng vai trò trung tâm trong việc điều phối dịch vụ của hệ thống và trong việc tạo ra các dịch vụ nghiệp vụ mới. </a:t>
+            </a:r>
+            <a:endParaRPr lang="en-US" sz="2800" dirty="0" smtClean="0"/>
           </a:p>
           <a:p>
             <a:pPr lvl="2">
@@ -13374,6 +13250,25 @@
                 <a:spcPct val="200000"/>
               </a:lnSpc>
             </a:pPr>
+            <a:r>
+              <a:rPr lang="en-US" sz="2800" dirty="0" smtClean="0"/>
+              <a:t>Pipeline </a:t>
+            </a:r>
+            <a:r>
+              <a:rPr lang="en-US" sz="2800" dirty="0"/>
+              <a:t>được định nghĩa bằng một cấu trúc XML để quy định các bước trong Pipeline và các chuyển đổi liên </a:t>
+            </a:r>
+            <a:r>
+              <a:rPr lang="en-US" sz="2800" dirty="0" smtClean="0"/>
+              <a:t>quan. Nó </a:t>
+            </a:r>
+            <a:r>
+              <a:rPr lang="en-US" sz="2800" dirty="0"/>
+              <a:t>bao gồm một số câu lệnh điều kiện kiểu XSLT và trao đổi dữ liệu bởi biểu thức XPATH</a:t>
+            </a:r>
+            <a:endParaRPr lang="en-US" sz="2600" dirty="0"/>
+          </a:p>
+          <a:p>
             <a:endParaRPr lang="en-US" dirty="0"/>
           </a:p>
         </p:txBody>
@@ -13396,8 +13291,8 @@
           <a:lstStyle/>
           <a:p>
             <a:r>
-              <a:rPr lang="en-US" dirty="0" smtClean="0"/>
-              <a:t>Tiểu kết chương 2</a:t>
+              <a:rPr lang="en-US" b="1" dirty="0" smtClean="0"/>
+              <a:t>Bài toán điều phối các lời gọi dịch vụ trong kiến trúc SOA</a:t>
             </a:r>
             <a:endParaRPr lang="en-US" dirty="0"/>
           </a:p>
@@ -13406,7 +13301,7 @@
     </p:spTree>
     <p:extLst>
       <p:ext uri="{BB962C8B-B14F-4D97-AF65-F5344CB8AC3E}">
-        <p14:creationId xmlns:p14="http://schemas.microsoft.com/office/powerpoint/2010/main" val="1925652982"/>
+        <p14:creationId xmlns:p14="http://schemas.microsoft.com/office/powerpoint/2010/main" val="1448330020"/>
       </p:ext>
     </p:extLst>
   </p:cSld>
@@ -13459,440 +13354,6 @@
               <a:rPr lang="en-US" smtClean="0"/>
               <a:pPr/>
               <a:t>31</a:t>
-            </a:fld>
-            <a:endParaRPr lang="en-US" dirty="0"/>
-          </a:p>
-        </p:txBody>
-      </p:sp>
-      <p:sp>
-        <p:nvSpPr>
-          <p:cNvPr id="3" name="Content Placeholder 2"/>
-          <p:cNvSpPr>
-            <a:spLocks noGrp="1"/>
-          </p:cNvSpPr>
-          <p:nvPr>
-            <p:ph sz="quarter" idx="14"/>
-          </p:nvPr>
-        </p:nvSpPr>
-        <p:spPr>
-          <a:xfrm>
-            <a:off x="779926" y="990600"/>
-            <a:ext cx="10496086" cy="5867400"/>
-          </a:xfrm>
-        </p:spPr>
-        <p:txBody>
-          <a:bodyPr>
-            <a:normAutofit/>
-          </a:bodyPr>
-          <a:lstStyle/>
-          <a:p>
-            <a:pPr>
-              <a:lnSpc>
-                <a:spcPct val="200000"/>
-              </a:lnSpc>
-            </a:pPr>
-            <a:r>
-              <a:rPr lang="en-US" sz="2600" b="1" dirty="0" smtClean="0"/>
-              <a:t>Mục tiêu</a:t>
-            </a:r>
-          </a:p>
-          <a:p>
-            <a:pPr lvl="2">
-              <a:lnSpc>
-                <a:spcPct val="200000"/>
-              </a:lnSpc>
-            </a:pPr>
-            <a:r>
-              <a:rPr lang="en-US" sz="2800" dirty="0" smtClean="0"/>
-              <a:t>Xây </a:t>
-            </a:r>
-            <a:r>
-              <a:rPr lang="en-US" sz="2800" dirty="0"/>
-              <a:t>dựng một kiến trúc hướng dịch vụ theo đường ống - Service-oriented Pipeline Architecture (SOPA)</a:t>
-            </a:r>
-            <a:endParaRPr lang="en-US" sz="2600" dirty="0"/>
-          </a:p>
-          <a:p>
-            <a:endParaRPr lang="en-US" dirty="0"/>
-          </a:p>
-        </p:txBody>
-      </p:sp>
-      <p:sp>
-        <p:nvSpPr>
-          <p:cNvPr id="4" name="Title 3"/>
-          <p:cNvSpPr>
-            <a:spLocks noGrp="1"/>
-          </p:cNvSpPr>
-          <p:nvPr>
-            <p:ph type="title"/>
-          </p:nvPr>
-        </p:nvSpPr>
-        <p:spPr/>
-        <p:txBody>
-          <a:bodyPr>
-            <a:normAutofit fontScale="90000"/>
-          </a:bodyPr>
-          <a:lstStyle/>
-          <a:p>
-            <a:r>
-              <a:rPr lang="en-US" b="1" dirty="0"/>
-              <a:t>Bài toán điều phối các lời gọi dịch vụ trong kiến trúc SOA</a:t>
-            </a:r>
-            <a:endParaRPr lang="en-US" dirty="0"/>
-          </a:p>
-        </p:txBody>
-      </p:sp>
-    </p:spTree>
-    <p:extLst>
-      <p:ext uri="{BB962C8B-B14F-4D97-AF65-F5344CB8AC3E}">
-        <p14:creationId xmlns:p14="http://schemas.microsoft.com/office/powerpoint/2010/main" val="302673987"/>
-      </p:ext>
-    </p:extLst>
-  </p:cSld>
-  <p:clrMapOvr>
-    <a:masterClrMapping/>
-  </p:clrMapOvr>
-  <p:timing>
-    <p:tnLst>
-      <p:par>
-        <p:cTn id="1" dur="indefinite" restart="never" nodeType="tmRoot"/>
-      </p:par>
-    </p:tnLst>
-  </p:timing>
-</p:sld>
-</file>
-
-<file path=ppt/slides/slide32.xml><?xml version="1.0" encoding="utf-8"?>
-<p:sld xmlns:a="http://schemas.openxmlformats.org/drawingml/2006/main" xmlns:r="http://schemas.openxmlformats.org/officeDocument/2006/relationships" xmlns:p="http://schemas.openxmlformats.org/presentationml/2006/main">
-  <p:cSld>
-    <p:spTree>
-      <p:nvGrpSpPr>
-        <p:cNvPr id="1" name=""/>
-        <p:cNvGrpSpPr/>
-        <p:nvPr/>
-      </p:nvGrpSpPr>
-      <p:grpSpPr>
-        <a:xfrm>
-          <a:off x="0" y="0"/>
-          <a:ext cx="0" cy="0"/>
-          <a:chOff x="0" y="0"/>
-          <a:chExt cx="0" cy="0"/>
-        </a:xfrm>
-      </p:grpSpPr>
-      <p:sp>
-        <p:nvSpPr>
-          <p:cNvPr id="2" name="Slide Number Placeholder 1"/>
-          <p:cNvSpPr>
-            <a:spLocks noGrp="1"/>
-          </p:cNvSpPr>
-          <p:nvPr>
-            <p:ph type="sldNum" sz="quarter" idx="12"/>
-          </p:nvPr>
-        </p:nvSpPr>
-        <p:spPr/>
-        <p:txBody>
-          <a:bodyPr/>
-          <a:lstStyle/>
-          <a:p>
-            <a:fld id="{9DFD9A34-EC64-4F0B-9C9B-2C0A202A050B}" type="slidenum">
-              <a:rPr lang="en-US" smtClean="0"/>
-              <a:pPr/>
-              <a:t>32</a:t>
-            </a:fld>
-            <a:endParaRPr lang="en-US" dirty="0"/>
-          </a:p>
-        </p:txBody>
-      </p:sp>
-      <p:sp>
-        <p:nvSpPr>
-          <p:cNvPr id="3" name="Content Placeholder 2"/>
-          <p:cNvSpPr>
-            <a:spLocks noGrp="1"/>
-          </p:cNvSpPr>
-          <p:nvPr>
-            <p:ph sz="quarter" idx="14"/>
-          </p:nvPr>
-        </p:nvSpPr>
-        <p:spPr>
-          <a:xfrm>
-            <a:off x="779926" y="990600"/>
-            <a:ext cx="10496086" cy="5867400"/>
-          </a:xfrm>
-        </p:spPr>
-        <p:txBody>
-          <a:bodyPr>
-            <a:normAutofit/>
-          </a:bodyPr>
-          <a:lstStyle/>
-          <a:p>
-            <a:pPr>
-              <a:lnSpc>
-                <a:spcPct val="200000"/>
-              </a:lnSpc>
-            </a:pPr>
-            <a:r>
-              <a:rPr lang="en-US" sz="2600" b="1" dirty="0" smtClean="0"/>
-              <a:t>Giải </a:t>
-            </a:r>
-            <a:r>
-              <a:rPr lang="en-US" sz="2600" b="1" dirty="0" smtClean="0"/>
-              <a:t>pháp</a:t>
-            </a:r>
-          </a:p>
-          <a:p>
-            <a:pPr lvl="2">
-              <a:lnSpc>
-                <a:spcPct val="200000"/>
-              </a:lnSpc>
-            </a:pPr>
-            <a:r>
-              <a:rPr lang="en-US" sz="2800" dirty="0" smtClean="0"/>
-              <a:t>Xây </a:t>
-            </a:r>
-            <a:r>
-              <a:rPr lang="en-US" sz="2800" dirty="0"/>
-              <a:t>dựng một dịch vụ web đăng ký (web services registry), gọi là bus dịch vụ (Services Bus), phát triển như một plug-in Eclipse. Services Bus cung cấp các điểm mở rộng cho các nhà phát triển để xuất bản các lớp Java tiêu chuẩn của họ như các dịch vụ </a:t>
-            </a:r>
-            <a:r>
-              <a:rPr lang="en-US" sz="2800" dirty="0" smtClean="0"/>
-              <a:t>web (web services)</a:t>
-            </a:r>
-            <a:endParaRPr lang="en-US" sz="2600" dirty="0"/>
-          </a:p>
-          <a:p>
-            <a:endParaRPr lang="en-US" dirty="0"/>
-          </a:p>
-        </p:txBody>
-      </p:sp>
-      <p:sp>
-        <p:nvSpPr>
-          <p:cNvPr id="4" name="Title 3"/>
-          <p:cNvSpPr>
-            <a:spLocks noGrp="1"/>
-          </p:cNvSpPr>
-          <p:nvPr>
-            <p:ph type="title"/>
-          </p:nvPr>
-        </p:nvSpPr>
-        <p:spPr/>
-        <p:txBody>
-          <a:bodyPr>
-            <a:normAutofit fontScale="90000"/>
-          </a:bodyPr>
-          <a:lstStyle/>
-          <a:p>
-            <a:r>
-              <a:rPr lang="en-US" b="1" dirty="0"/>
-              <a:t>Bài toán điều phối các lời gọi dịch vụ trong kiến trúc SOA</a:t>
-            </a:r>
-            <a:endParaRPr lang="en-US" dirty="0"/>
-          </a:p>
-        </p:txBody>
-      </p:sp>
-    </p:spTree>
-    <p:extLst>
-      <p:ext uri="{BB962C8B-B14F-4D97-AF65-F5344CB8AC3E}">
-        <p14:creationId xmlns:p14="http://schemas.microsoft.com/office/powerpoint/2010/main" val="1266115762"/>
-      </p:ext>
-    </p:extLst>
-  </p:cSld>
-  <p:clrMapOvr>
-    <a:masterClrMapping/>
-  </p:clrMapOvr>
-  <p:timing>
-    <p:tnLst>
-      <p:par>
-        <p:cTn id="1" dur="indefinite" restart="never" nodeType="tmRoot"/>
-      </p:par>
-    </p:tnLst>
-  </p:timing>
-</p:sld>
-</file>
-
-<file path=ppt/slides/slide33.xml><?xml version="1.0" encoding="utf-8"?>
-<p:sld xmlns:a="http://schemas.openxmlformats.org/drawingml/2006/main" xmlns:r="http://schemas.openxmlformats.org/officeDocument/2006/relationships" xmlns:p="http://schemas.openxmlformats.org/presentationml/2006/main">
-  <p:cSld>
-    <p:spTree>
-      <p:nvGrpSpPr>
-        <p:cNvPr id="1" name=""/>
-        <p:cNvGrpSpPr/>
-        <p:nvPr/>
-      </p:nvGrpSpPr>
-      <p:grpSpPr>
-        <a:xfrm>
-          <a:off x="0" y="0"/>
-          <a:ext cx="0" cy="0"/>
-          <a:chOff x="0" y="0"/>
-          <a:chExt cx="0" cy="0"/>
-        </a:xfrm>
-      </p:grpSpPr>
-      <p:sp>
-        <p:nvSpPr>
-          <p:cNvPr id="2" name="Slide Number Placeholder 1"/>
-          <p:cNvSpPr>
-            <a:spLocks noGrp="1"/>
-          </p:cNvSpPr>
-          <p:nvPr>
-            <p:ph type="sldNum" sz="quarter" idx="12"/>
-          </p:nvPr>
-        </p:nvSpPr>
-        <p:spPr/>
-        <p:txBody>
-          <a:bodyPr/>
-          <a:lstStyle/>
-          <a:p>
-            <a:fld id="{9DFD9A34-EC64-4F0B-9C9B-2C0A202A050B}" type="slidenum">
-              <a:rPr lang="en-US" smtClean="0"/>
-              <a:pPr/>
-              <a:t>33</a:t>
-            </a:fld>
-            <a:endParaRPr lang="en-US" dirty="0"/>
-          </a:p>
-        </p:txBody>
-      </p:sp>
-      <p:sp>
-        <p:nvSpPr>
-          <p:cNvPr id="3" name="Content Placeholder 2"/>
-          <p:cNvSpPr>
-            <a:spLocks noGrp="1"/>
-          </p:cNvSpPr>
-          <p:nvPr>
-            <p:ph sz="quarter" idx="14"/>
-          </p:nvPr>
-        </p:nvSpPr>
-        <p:spPr>
-          <a:xfrm>
-            <a:off x="779926" y="990600"/>
-            <a:ext cx="10496086" cy="5867400"/>
-          </a:xfrm>
-        </p:spPr>
-        <p:txBody>
-          <a:bodyPr>
-            <a:normAutofit/>
-          </a:bodyPr>
-          <a:lstStyle/>
-          <a:p>
-            <a:pPr lvl="2">
-              <a:lnSpc>
-                <a:spcPct val="200000"/>
-              </a:lnSpc>
-            </a:pPr>
-            <a:r>
-              <a:rPr lang="en-US" sz="2800" dirty="0"/>
-              <a:t>Một phần nữa trong giải pháp là triển khai một plug-in đường ống (Pipeline plug-in), đóng vai trò trung tâm trong việc điều phối dịch vụ của hệ thống và trong việc tạo ra các dịch vụ nghiệp vụ mới. </a:t>
-            </a:r>
-            <a:endParaRPr lang="en-US" sz="2800" dirty="0" smtClean="0"/>
-          </a:p>
-          <a:p>
-            <a:pPr lvl="2">
-              <a:lnSpc>
-                <a:spcPct val="200000"/>
-              </a:lnSpc>
-            </a:pPr>
-            <a:r>
-              <a:rPr lang="en-US" sz="2800" dirty="0" smtClean="0"/>
-              <a:t>Pipeline </a:t>
-            </a:r>
-            <a:r>
-              <a:rPr lang="en-US" sz="2800" dirty="0"/>
-              <a:t>được định nghĩa bằng một cấu trúc XML để quy định các bước trong Pipeline và các chuyển đổi liên </a:t>
-            </a:r>
-            <a:r>
-              <a:rPr lang="en-US" sz="2800" dirty="0" smtClean="0"/>
-              <a:t>quan. Nó </a:t>
-            </a:r>
-            <a:r>
-              <a:rPr lang="en-US" sz="2800" dirty="0"/>
-              <a:t>bao gồm một số câu lệnh điều kiện kiểu XSLT và trao đổi dữ liệu bởi biểu thức XPATH</a:t>
-            </a:r>
-            <a:endParaRPr lang="en-US" sz="2600" dirty="0"/>
-          </a:p>
-          <a:p>
-            <a:endParaRPr lang="en-US" dirty="0"/>
-          </a:p>
-        </p:txBody>
-      </p:sp>
-      <p:sp>
-        <p:nvSpPr>
-          <p:cNvPr id="4" name="Title 3"/>
-          <p:cNvSpPr>
-            <a:spLocks noGrp="1"/>
-          </p:cNvSpPr>
-          <p:nvPr>
-            <p:ph type="title"/>
-          </p:nvPr>
-        </p:nvSpPr>
-        <p:spPr/>
-        <p:txBody>
-          <a:bodyPr>
-            <a:normAutofit fontScale="90000"/>
-          </a:bodyPr>
-          <a:lstStyle/>
-          <a:p>
-            <a:r>
-              <a:rPr lang="en-US" b="1" dirty="0" smtClean="0"/>
-              <a:t>Bài toán điều phối các lời gọi dịch vụ trong kiến trúc SOA</a:t>
-            </a:r>
-            <a:endParaRPr lang="en-US" dirty="0"/>
-          </a:p>
-        </p:txBody>
-      </p:sp>
-    </p:spTree>
-    <p:extLst>
-      <p:ext uri="{BB962C8B-B14F-4D97-AF65-F5344CB8AC3E}">
-        <p14:creationId xmlns:p14="http://schemas.microsoft.com/office/powerpoint/2010/main" val="1448330020"/>
-      </p:ext>
-    </p:extLst>
-  </p:cSld>
-  <p:clrMapOvr>
-    <a:masterClrMapping/>
-  </p:clrMapOvr>
-  <p:timing>
-    <p:tnLst>
-      <p:par>
-        <p:cTn id="1" dur="indefinite" restart="never" nodeType="tmRoot"/>
-      </p:par>
-    </p:tnLst>
-  </p:timing>
-</p:sld>
-</file>
-
-<file path=ppt/slides/slide34.xml><?xml version="1.0" encoding="utf-8"?>
-<p:sld xmlns:a="http://schemas.openxmlformats.org/drawingml/2006/main" xmlns:r="http://schemas.openxmlformats.org/officeDocument/2006/relationships" xmlns:p="http://schemas.openxmlformats.org/presentationml/2006/main">
-  <p:cSld>
-    <p:spTree>
-      <p:nvGrpSpPr>
-        <p:cNvPr id="1" name=""/>
-        <p:cNvGrpSpPr/>
-        <p:nvPr/>
-      </p:nvGrpSpPr>
-      <p:grpSpPr>
-        <a:xfrm>
-          <a:off x="0" y="0"/>
-          <a:ext cx="0" cy="0"/>
-          <a:chOff x="0" y="0"/>
-          <a:chExt cx="0" cy="0"/>
-        </a:xfrm>
-      </p:grpSpPr>
-      <p:sp>
-        <p:nvSpPr>
-          <p:cNvPr id="2" name="Slide Number Placeholder 1"/>
-          <p:cNvSpPr>
-            <a:spLocks noGrp="1"/>
-          </p:cNvSpPr>
-          <p:nvPr>
-            <p:ph type="sldNum" sz="quarter" idx="12"/>
-          </p:nvPr>
-        </p:nvSpPr>
-        <p:spPr/>
-        <p:txBody>
-          <a:bodyPr/>
-          <a:lstStyle/>
-          <a:p>
-            <a:fld id="{9DFD9A34-EC64-4F0B-9C9B-2C0A202A050B}" type="slidenum">
-              <a:rPr lang="en-US" smtClean="0"/>
-              <a:pPr/>
-              <a:t>34</a:t>
             </a:fld>
             <a:endParaRPr lang="en-US" dirty="0"/>
           </a:p>
@@ -14704,7 +14165,7 @@
 </p:sld>
 </file>
 
-<file path=ppt/slides/slide35.xml><?xml version="1.0" encoding="utf-8"?>
+<file path=ppt/slides/slide32.xml><?xml version="1.0" encoding="utf-8"?>
 <p:sld xmlns:a="http://schemas.openxmlformats.org/drawingml/2006/main" xmlns:r="http://schemas.openxmlformats.org/officeDocument/2006/relationships" xmlns:p="http://schemas.openxmlformats.org/presentationml/2006/main">
   <p:cSld>
     <p:spTree>
@@ -14739,7 +14200,7 @@
             <a:fld id="{9DFD9A34-EC64-4F0B-9C9B-2C0A202A050B}" type="slidenum">
               <a:rPr lang="en-US" smtClean="0"/>
               <a:pPr/>
-              <a:t>35</a:t>
+              <a:t>32</a:t>
             </a:fld>
             <a:endParaRPr lang="en-US" dirty="0"/>
           </a:p>
@@ -14791,7 +14252,6 @@
               <a:rPr lang="en-US" sz="2800" dirty="0"/>
               <a:t>Khi khởi chạy ứng dụng, services bus sẽ tải tất cả các dịch vụ đã được kết nối với nhau và tự động triển khai chúng bằng cách sử dụng máy chủ nhúng Jetty và Apache AXIS</a:t>
             </a:r>
-            <a:endParaRPr lang="en-US" sz="2800" dirty="0"/>
           </a:p>
           <a:p>
             <a:endParaRPr lang="en-US" dirty="0"/>
@@ -14843,7 +14303,7 @@
 </p:sld>
 </file>
 
-<file path=ppt/slides/slide36.xml><?xml version="1.0" encoding="utf-8"?>
+<file path=ppt/slides/slide33.xml><?xml version="1.0" encoding="utf-8"?>
 <p:sld xmlns:a="http://schemas.openxmlformats.org/drawingml/2006/main" xmlns:r="http://schemas.openxmlformats.org/officeDocument/2006/relationships" xmlns:p="http://schemas.openxmlformats.org/presentationml/2006/main">
   <p:cSld>
     <p:spTree>
@@ -14878,7 +14338,7 @@
             <a:fld id="{9DFD9A34-EC64-4F0B-9C9B-2C0A202A050B}" type="slidenum">
               <a:rPr lang="en-US" smtClean="0"/>
               <a:pPr/>
-              <a:t>36</a:t>
+              <a:t>33</a:t>
             </a:fld>
             <a:endParaRPr lang="en-US" dirty="0"/>
           </a:p>
@@ -15015,7 +14475,7 @@
 </p:sld>
 </file>
 
-<file path=ppt/slides/slide37.xml><?xml version="1.0" encoding="utf-8"?>
+<file path=ppt/slides/slide34.xml><?xml version="1.0" encoding="utf-8"?>
 <p:sld xmlns:a="http://schemas.openxmlformats.org/drawingml/2006/main" xmlns:r="http://schemas.openxmlformats.org/officeDocument/2006/relationships" xmlns:p="http://schemas.openxmlformats.org/presentationml/2006/main">
   <p:cSld>
     <p:spTree>
@@ -15050,7 +14510,7 @@
             <a:fld id="{9DFD9A34-EC64-4F0B-9C9B-2C0A202A050B}" type="slidenum">
               <a:rPr lang="en-US" smtClean="0"/>
               <a:pPr/>
-              <a:t>37</a:t>
+              <a:t>34</a:t>
             </a:fld>
             <a:endParaRPr lang="en-US" dirty="0"/>
           </a:p>
@@ -15133,7 +14593,6 @@
               <a:rPr lang="en-US" dirty="0"/>
               <a:t>Tính năng kỹ thuật và các loại kịch bản của Pipeline</a:t>
             </a:r>
-            <a:endParaRPr lang="en-US" dirty="0"/>
           </a:p>
         </p:txBody>
       </p:sp>
@@ -16202,7 +15661,7 @@
 </p:sld>
 </file>
 
-<file path=ppt/slides/slide38.xml><?xml version="1.0" encoding="utf-8"?>
+<file path=ppt/slides/slide35.xml><?xml version="1.0" encoding="utf-8"?>
 <p:sld xmlns:a="http://schemas.openxmlformats.org/drawingml/2006/main" xmlns:r="http://schemas.openxmlformats.org/officeDocument/2006/relationships" xmlns:p="http://schemas.openxmlformats.org/presentationml/2006/main">
   <p:cSld>
     <p:spTree>
@@ -16237,7 +15696,7 @@
             <a:fld id="{9DFD9A34-EC64-4F0B-9C9B-2C0A202A050B}" type="slidenum">
               <a:rPr lang="en-US" smtClean="0"/>
               <a:pPr/>
-              <a:t>38</a:t>
+              <a:t>35</a:t>
             </a:fld>
             <a:endParaRPr lang="en-US" dirty="0"/>
           </a:p>
@@ -16320,7 +15779,6 @@
               <a:rPr lang="en-US" dirty="0"/>
               <a:t>Tính năng kỹ thuật và các loại kịch bản của Pipeline</a:t>
             </a:r>
-            <a:endParaRPr lang="en-US" dirty="0"/>
           </a:p>
         </p:txBody>
       </p:sp>
@@ -17246,7 +16704,7 @@
 </p:sld>
 </file>
 
-<file path=ppt/slides/slide39.xml><?xml version="1.0" encoding="utf-8"?>
+<file path=ppt/slides/slide36.xml><?xml version="1.0" encoding="utf-8"?>
 <p:sld xmlns:a="http://schemas.openxmlformats.org/drawingml/2006/main" xmlns:r="http://schemas.openxmlformats.org/officeDocument/2006/relationships" xmlns:p="http://schemas.openxmlformats.org/presentationml/2006/main">
   <p:cSld>
     <p:spTree>
@@ -17281,7 +16739,7 @@
             <a:fld id="{9DFD9A34-EC64-4F0B-9C9B-2C0A202A050B}" type="slidenum">
               <a:rPr lang="en-US" smtClean="0"/>
               <a:pPr/>
-              <a:t>39</a:t>
+              <a:t>36</a:t>
             </a:fld>
             <a:endParaRPr lang="en-US" dirty="0"/>
           </a:p>
@@ -17322,7 +16780,6 @@
               <a:rPr lang="en-US" dirty="0"/>
               <a:t>quan trọng nhất của Service Bus đối với điểm mở rộng này là các lập trình viên phải xuất ra các class Java tiêu chuẩn như các dịch vụ</a:t>
             </a:r>
-            <a:endParaRPr lang="en-US" dirty="0"/>
           </a:p>
           <a:p>
             <a:pPr lvl="2">
@@ -17921,7 +17378,7 @@
 </p:sld>
 </file>
 
-<file path=ppt/slides/slide4.xml><?xml version="1.0" encoding="utf-8"?>
+<file path=ppt/slides/slide37.xml><?xml version="1.0" encoding="utf-8"?>
 <p:sld xmlns:a="http://schemas.openxmlformats.org/drawingml/2006/main" xmlns:r="http://schemas.openxmlformats.org/officeDocument/2006/relationships" xmlns:p="http://schemas.openxmlformats.org/presentationml/2006/main">
   <p:cSld>
     <p:spTree>
@@ -17956,144 +17413,7 @@
             <a:fld id="{9DFD9A34-EC64-4F0B-9C9B-2C0A202A050B}" type="slidenum">
               <a:rPr lang="en-US" smtClean="0"/>
               <a:pPr/>
-              <a:t>4</a:t>
-            </a:fld>
-            <a:endParaRPr lang="en-US" dirty="0"/>
-          </a:p>
-        </p:txBody>
-      </p:sp>
-      <p:sp>
-        <p:nvSpPr>
-          <p:cNvPr id="3" name="Content Placeholder 2"/>
-          <p:cNvSpPr>
-            <a:spLocks noGrp="1"/>
-          </p:cNvSpPr>
-          <p:nvPr>
-            <p:ph sz="quarter" idx="14"/>
-          </p:nvPr>
-        </p:nvSpPr>
-        <p:spPr/>
-        <p:txBody>
-          <a:bodyPr/>
-          <a:lstStyle/>
-          <a:p>
-            <a:pPr lvl="2"/>
-            <a:r>
-              <a:rPr lang="en-US" dirty="0" smtClean="0"/>
-              <a:t>Vậy kiến trúc hướng dịch vụ (SOA) là gì? </a:t>
-            </a:r>
-          </a:p>
-          <a:p>
-            <a:pPr lvl="2"/>
-            <a:r>
-              <a:rPr lang="en-US" dirty="0" smtClean="0"/>
-              <a:t>Nền tảng công nghệ nào xây dựng nên kiến trúc đó?</a:t>
-            </a:r>
-          </a:p>
-          <a:p>
-            <a:pPr lvl="2"/>
-            <a:r>
-              <a:rPr lang="en-US" dirty="0" smtClean="0"/>
-              <a:t>Các khung ứng dụng, môi trường phát triển  và thực thi nào hỗ trợ lập trình theo kiến trúc hướng dịch vụ</a:t>
-            </a:r>
-          </a:p>
-          <a:p>
-            <a:pPr lvl="2"/>
-            <a:r>
-              <a:rPr lang="en-US" dirty="0" smtClean="0"/>
-              <a:t>Trên cơ sở nghiên cứu đó, trong phạm vi luận văn này, sẽ giới thiệu một giải pháp để hỗ trợ xây dựng ứng dụng theo kiến trúc hướng dịch vụ</a:t>
-            </a:r>
-          </a:p>
-          <a:p>
-            <a:pPr lvl="2"/>
-            <a:endParaRPr lang="en-US" dirty="0"/>
-          </a:p>
-          <a:p>
-            <a:endParaRPr lang="en-US" dirty="0"/>
-          </a:p>
-        </p:txBody>
-      </p:sp>
-      <p:sp>
-        <p:nvSpPr>
-          <p:cNvPr id="4" name="Title 3"/>
-          <p:cNvSpPr>
-            <a:spLocks noGrp="1"/>
-          </p:cNvSpPr>
-          <p:nvPr>
-            <p:ph type="title"/>
-          </p:nvPr>
-        </p:nvSpPr>
-        <p:spPr/>
-        <p:txBody>
-          <a:bodyPr>
-            <a:normAutofit fontScale="90000"/>
-          </a:bodyPr>
-          <a:lstStyle/>
-          <a:p>
-            <a:r>
-              <a:rPr lang="en-US" dirty="0" smtClean="0"/>
-              <a:t>Phần mở đầu</a:t>
-            </a:r>
-            <a:endParaRPr lang="en-US" dirty="0"/>
-          </a:p>
-        </p:txBody>
-      </p:sp>
-    </p:spTree>
-    <p:extLst>
-      <p:ext uri="{BB962C8B-B14F-4D97-AF65-F5344CB8AC3E}">
-        <p14:creationId xmlns:p14="http://schemas.microsoft.com/office/powerpoint/2010/main" val="765470208"/>
-      </p:ext>
-    </p:extLst>
-  </p:cSld>
-  <p:clrMapOvr>
-    <a:masterClrMapping/>
-  </p:clrMapOvr>
-  <p:timing>
-    <p:tnLst>
-      <p:par>
-        <p:cTn id="1" dur="indefinite" restart="never" nodeType="tmRoot"/>
-      </p:par>
-    </p:tnLst>
-  </p:timing>
-</p:sld>
-</file>
-
-<file path=ppt/slides/slide40.xml><?xml version="1.0" encoding="utf-8"?>
-<p:sld xmlns:a="http://schemas.openxmlformats.org/drawingml/2006/main" xmlns:r="http://schemas.openxmlformats.org/officeDocument/2006/relationships" xmlns:p="http://schemas.openxmlformats.org/presentationml/2006/main">
-  <p:cSld>
-    <p:spTree>
-      <p:nvGrpSpPr>
-        <p:cNvPr id="1" name=""/>
-        <p:cNvGrpSpPr/>
-        <p:nvPr/>
-      </p:nvGrpSpPr>
-      <p:grpSpPr>
-        <a:xfrm>
-          <a:off x="0" y="0"/>
-          <a:ext cx="0" cy="0"/>
-          <a:chOff x="0" y="0"/>
-          <a:chExt cx="0" cy="0"/>
-        </a:xfrm>
-      </p:grpSpPr>
-      <p:sp>
-        <p:nvSpPr>
-          <p:cNvPr id="2" name="Slide Number Placeholder 1"/>
-          <p:cNvSpPr>
-            <a:spLocks noGrp="1"/>
-          </p:cNvSpPr>
-          <p:nvPr>
-            <p:ph type="sldNum" sz="quarter" idx="12"/>
-          </p:nvPr>
-        </p:nvSpPr>
-        <p:spPr/>
-        <p:txBody>
-          <a:bodyPr/>
-          <a:lstStyle/>
-          <a:p>
-            <a:fld id="{9DFD9A34-EC64-4F0B-9C9B-2C0A202A050B}" type="slidenum">
-              <a:rPr lang="en-US" smtClean="0"/>
-              <a:pPr/>
-              <a:t>40</a:t>
+              <a:t>37</a:t>
             </a:fld>
             <a:endParaRPr lang="en-US" dirty="0"/>
           </a:p>
@@ -18469,7 +17789,7 @@
 </p:sld>
 </file>
 
-<file path=ppt/slides/slide41.xml><?xml version="1.0" encoding="utf-8"?>
+<file path=ppt/slides/slide38.xml><?xml version="1.0" encoding="utf-8"?>
 <p:sld xmlns:a="http://schemas.openxmlformats.org/drawingml/2006/main" xmlns:r="http://schemas.openxmlformats.org/officeDocument/2006/relationships" xmlns:p="http://schemas.openxmlformats.org/presentationml/2006/main">
   <p:cSld>
     <p:spTree>
@@ -18504,7 +17824,7 @@
             <a:fld id="{9DFD9A34-EC64-4F0B-9C9B-2C0A202A050B}" type="slidenum">
               <a:rPr lang="en-US" smtClean="0"/>
               <a:pPr/>
-              <a:t>41</a:t>
+              <a:t>38</a:t>
             </a:fld>
             <a:endParaRPr lang="en-US" dirty="0"/>
           </a:p>
@@ -18588,7 +17908,6 @@
               <a:rPr lang="en-US" dirty="0"/>
               <a:t>Dịch vụ đường ống – Sercives Pipeline</a:t>
             </a:r>
-            <a:endParaRPr lang="en-US" dirty="0"/>
           </a:p>
         </p:txBody>
       </p:sp>
@@ -18676,7 +17995,7 @@
 </p:sld>
 </file>
 
-<file path=ppt/slides/slide42.xml><?xml version="1.0" encoding="utf-8"?>
+<file path=ppt/slides/slide39.xml><?xml version="1.0" encoding="utf-8"?>
 <p:sld xmlns:a="http://schemas.openxmlformats.org/drawingml/2006/main" xmlns:r="http://schemas.openxmlformats.org/officeDocument/2006/relationships" xmlns:p="http://schemas.openxmlformats.org/presentationml/2006/main">
   <p:cSld>
     <p:spTree>
@@ -18711,7 +18030,7 @@
             <a:fld id="{9DFD9A34-EC64-4F0B-9C9B-2C0A202A050B}" type="slidenum">
               <a:rPr lang="en-US" smtClean="0"/>
               <a:pPr/>
-              <a:t>42</a:t>
+              <a:t>39</a:t>
             </a:fld>
             <a:endParaRPr lang="en-US" dirty="0"/>
           </a:p>
@@ -18794,7 +18113,6 @@
               <a:rPr lang="en-US" dirty="0"/>
               <a:t>Dịch vụ đường ống – Sercives Pipeline</a:t>
             </a:r>
-            <a:endParaRPr lang="en-US" dirty="0"/>
           </a:p>
         </p:txBody>
       </p:sp>
@@ -18818,7 +18136,7 @@
 </p:sld>
 </file>
 
-<file path=ppt/slides/slide43.xml><?xml version="1.0" encoding="utf-8"?>
+<file path=ppt/slides/slide4.xml><?xml version="1.0" encoding="utf-8"?>
 <p:sld xmlns:a="http://schemas.openxmlformats.org/drawingml/2006/main" xmlns:r="http://schemas.openxmlformats.org/officeDocument/2006/relationships" xmlns:p="http://schemas.openxmlformats.org/presentationml/2006/main">
   <p:cSld>
     <p:spTree>
@@ -18853,7 +18171,7 @@
             <a:fld id="{9DFD9A34-EC64-4F0B-9C9B-2C0A202A050B}" type="slidenum">
               <a:rPr lang="en-US" smtClean="0"/>
               <a:pPr/>
-              <a:t>43</a:t>
+              <a:t>4</a:t>
             </a:fld>
             <a:endParaRPr lang="en-US" dirty="0"/>
           </a:p>
@@ -18869,43 +18187,41 @@
             <p:ph sz="quarter" idx="14"/>
           </p:nvPr>
         </p:nvSpPr>
-        <p:spPr>
-          <a:xfrm>
-            <a:off x="779926" y="990600"/>
-            <a:ext cx="10496086" cy="5867400"/>
-          </a:xfrm>
-        </p:spPr>
-        <p:txBody>
-          <a:bodyPr>
-            <a:normAutofit/>
-          </a:bodyPr>
+        <p:spPr/>
+        <p:txBody>
+          <a:bodyPr/>
           <a:lstStyle/>
           <a:p>
-            <a:pPr lvl="2" algn="ctr">
-              <a:lnSpc>
-                <a:spcPct val="200000"/>
-              </a:lnSpc>
-            </a:pPr>
+            <a:pPr lvl="2"/>
             <a:r>
               <a:rPr lang="en-US" dirty="0" smtClean="0"/>
-              <a:t>Tính trong suốt của dịch vụ trong SOPA</a:t>
-            </a:r>
-          </a:p>
-          <a:p>
-            <a:pPr lvl="2">
-              <a:lnSpc>
-                <a:spcPct val="200000"/>
-              </a:lnSpc>
-            </a:pPr>
+              <a:t>Vậy kiến trúc hướng dịch vụ (SOA) là gì? </a:t>
+            </a:r>
+          </a:p>
+          <a:p>
+            <a:pPr lvl="2"/>
+            <a:r>
+              <a:rPr lang="en-US" dirty="0" smtClean="0"/>
+              <a:t>Nền tảng công nghệ nào xây dựng nên kiến trúc đó?</a:t>
+            </a:r>
+          </a:p>
+          <a:p>
+            <a:pPr lvl="2"/>
+            <a:r>
+              <a:rPr lang="en-US" dirty="0" smtClean="0"/>
+              <a:t>Các khung ứng dụng, môi trường phát triển  và thực thi nào hỗ trợ lập trình theo kiến trúc hướng dịch vụ</a:t>
+            </a:r>
+          </a:p>
+          <a:p>
+            <a:pPr lvl="2"/>
+            <a:r>
+              <a:rPr lang="en-US" dirty="0" smtClean="0"/>
+              <a:t>Trên cơ sở nghiên cứu đó, trong phạm vi luận văn này, sẽ giới thiệu một giải pháp để hỗ trợ xây dựng ứng dụng theo kiến trúc hướng dịch vụ</a:t>
+            </a:r>
+          </a:p>
+          <a:p>
+            <a:pPr lvl="2"/>
             <a:endParaRPr lang="en-US" dirty="0"/>
-          </a:p>
-          <a:p>
-            <a:pPr lvl="2">
-              <a:lnSpc>
-                <a:spcPct val="200000"/>
-              </a:lnSpc>
-            </a:pPr>
-            <a:endParaRPr lang="en-US" sz="2800" dirty="0"/>
           </a:p>
           <a:p>
             <a:endParaRPr lang="en-US" dirty="0"/>
@@ -18930,10 +18246,148 @@
           <a:lstStyle/>
           <a:p>
             <a:r>
+              <a:rPr lang="en-US" dirty="0" smtClean="0"/>
+              <a:t>Phần mở đầu</a:t>
+            </a:r>
+            <a:endParaRPr lang="en-US" dirty="0"/>
+          </a:p>
+        </p:txBody>
+      </p:sp>
+    </p:spTree>
+    <p:extLst>
+      <p:ext uri="{BB962C8B-B14F-4D97-AF65-F5344CB8AC3E}">
+        <p14:creationId xmlns:p14="http://schemas.microsoft.com/office/powerpoint/2010/main" val="765470208"/>
+      </p:ext>
+    </p:extLst>
+  </p:cSld>
+  <p:clrMapOvr>
+    <a:masterClrMapping/>
+  </p:clrMapOvr>
+  <p:timing>
+    <p:tnLst>
+      <p:par>
+        <p:cTn id="1" dur="indefinite" restart="never" nodeType="tmRoot"/>
+      </p:par>
+    </p:tnLst>
+  </p:timing>
+</p:sld>
+</file>
+
+<file path=ppt/slides/slide40.xml><?xml version="1.0" encoding="utf-8"?>
+<p:sld xmlns:a="http://schemas.openxmlformats.org/drawingml/2006/main" xmlns:r="http://schemas.openxmlformats.org/officeDocument/2006/relationships" xmlns:p="http://schemas.openxmlformats.org/presentationml/2006/main">
+  <p:cSld>
+    <p:spTree>
+      <p:nvGrpSpPr>
+        <p:cNvPr id="1" name=""/>
+        <p:cNvGrpSpPr/>
+        <p:nvPr/>
+      </p:nvGrpSpPr>
+      <p:grpSpPr>
+        <a:xfrm>
+          <a:off x="0" y="0"/>
+          <a:ext cx="0" cy="0"/>
+          <a:chOff x="0" y="0"/>
+          <a:chExt cx="0" cy="0"/>
+        </a:xfrm>
+      </p:grpSpPr>
+      <p:sp>
+        <p:nvSpPr>
+          <p:cNvPr id="2" name="Slide Number Placeholder 1"/>
+          <p:cNvSpPr>
+            <a:spLocks noGrp="1"/>
+          </p:cNvSpPr>
+          <p:nvPr>
+            <p:ph type="sldNum" sz="quarter" idx="12"/>
+          </p:nvPr>
+        </p:nvSpPr>
+        <p:spPr/>
+        <p:txBody>
+          <a:bodyPr/>
+          <a:lstStyle/>
+          <a:p>
+            <a:fld id="{9DFD9A34-EC64-4F0B-9C9B-2C0A202A050B}" type="slidenum">
+              <a:rPr lang="en-US" smtClean="0"/>
+              <a:pPr/>
+              <a:t>40</a:t>
+            </a:fld>
+            <a:endParaRPr lang="en-US" dirty="0"/>
+          </a:p>
+        </p:txBody>
+      </p:sp>
+      <p:sp>
+        <p:nvSpPr>
+          <p:cNvPr id="3" name="Content Placeholder 2"/>
+          <p:cNvSpPr>
+            <a:spLocks noGrp="1"/>
+          </p:cNvSpPr>
+          <p:nvPr>
+            <p:ph sz="quarter" idx="14"/>
+          </p:nvPr>
+        </p:nvSpPr>
+        <p:spPr>
+          <a:xfrm>
+            <a:off x="779926" y="990600"/>
+            <a:ext cx="10496086" cy="5867400"/>
+          </a:xfrm>
+        </p:spPr>
+        <p:txBody>
+          <a:bodyPr>
+            <a:normAutofit/>
+          </a:bodyPr>
+          <a:lstStyle/>
+          <a:p>
+            <a:pPr lvl="2" algn="ctr">
+              <a:lnSpc>
+                <a:spcPct val="200000"/>
+              </a:lnSpc>
+            </a:pPr>
+            <a:r>
+              <a:rPr lang="en-US" dirty="0" smtClean="0"/>
+              <a:t>Tính trong suốt của dịch vụ trong SOPA</a:t>
+            </a:r>
+          </a:p>
+          <a:p>
+            <a:pPr lvl="2">
+              <a:lnSpc>
+                <a:spcPct val="200000"/>
+              </a:lnSpc>
+            </a:pPr>
+            <a:endParaRPr lang="en-US" dirty="0"/>
+          </a:p>
+          <a:p>
+            <a:pPr lvl="2">
+              <a:lnSpc>
+                <a:spcPct val="200000"/>
+              </a:lnSpc>
+            </a:pPr>
+            <a:endParaRPr lang="en-US" sz="2800" dirty="0"/>
+          </a:p>
+          <a:p>
+            <a:endParaRPr lang="en-US" dirty="0"/>
+          </a:p>
+        </p:txBody>
+      </p:sp>
+      <p:sp>
+        <p:nvSpPr>
+          <p:cNvPr id="4" name="Title 3"/>
+          <p:cNvSpPr>
+            <a:spLocks noGrp="1"/>
+          </p:cNvSpPr>
+          <p:nvPr>
+            <p:ph type="title"/>
+          </p:nvPr>
+        </p:nvSpPr>
+        <p:spPr/>
+        <p:txBody>
+          <a:bodyPr>
+            <a:normAutofit fontScale="90000"/>
+          </a:bodyPr>
+          <a:lstStyle/>
+          <a:p>
+            <a:r>
               <a:rPr lang="en-US" dirty="0"/>
               <a:t>Dịch vụ đường ống – Sercives Pipeline</a:t>
             </a:r>
-            <a:endParaRPr lang="en-US" dirty="0"/>
           </a:p>
         </p:txBody>
       </p:sp>
@@ -19021,7 +18475,7 @@
 </p:sld>
 </file>
 
-<file path=ppt/slides/slide44.xml><?xml version="1.0" encoding="utf-8"?>
+<file path=ppt/slides/slide41.xml><?xml version="1.0" encoding="utf-8"?>
 <p:sld xmlns:a="http://schemas.openxmlformats.org/drawingml/2006/main" xmlns:r="http://schemas.openxmlformats.org/officeDocument/2006/relationships" xmlns:p="http://schemas.openxmlformats.org/presentationml/2006/main">
   <p:cSld>
     <p:spTree>
@@ -19056,7 +18510,7 @@
             <a:fld id="{9DFD9A34-EC64-4F0B-9C9B-2C0A202A050B}" type="slidenum">
               <a:rPr lang="en-US" smtClean="0"/>
               <a:pPr/>
-              <a:t>44</a:t>
+              <a:t>41</a:t>
             </a:fld>
             <a:endParaRPr lang="en-US" dirty="0"/>
           </a:p>
@@ -19285,7 +18739,7 @@
 </p:sld>
 </file>
 
-<file path=ppt/slides/slide45.xml><?xml version="1.0" encoding="utf-8"?>
+<file path=ppt/slides/slide42.xml><?xml version="1.0" encoding="utf-8"?>
 <p:sld xmlns:a="http://schemas.openxmlformats.org/drawingml/2006/main" xmlns:r="http://schemas.openxmlformats.org/officeDocument/2006/relationships" xmlns:p="http://schemas.openxmlformats.org/presentationml/2006/main">
   <p:cSld>
     <p:spTree>
@@ -19320,7 +18774,7 @@
             <a:fld id="{9DFD9A34-EC64-4F0B-9C9B-2C0A202A050B}" type="slidenum">
               <a:rPr lang="en-US" smtClean="0"/>
               <a:pPr/>
-              <a:t>45</a:t>
+              <a:t>42</a:t>
             </a:fld>
             <a:endParaRPr lang="en-US" dirty="0"/>
           </a:p>
@@ -19405,7 +18859,6 @@
               <a:rPr lang="en-US" dirty="0"/>
               <a:t>Tính năng kỹ thuật và các loại kịch bản của Pipeline</a:t>
             </a:r>
-            <a:endParaRPr lang="en-US" dirty="0"/>
           </a:p>
         </p:txBody>
       </p:sp>
@@ -19557,7 +19010,7 @@
 </p:sld>
 </file>
 
-<file path=ppt/slides/slide46.xml><?xml version="1.0" encoding="utf-8"?>
+<file path=ppt/slides/slide43.xml><?xml version="1.0" encoding="utf-8"?>
 <p:sld xmlns:a="http://schemas.openxmlformats.org/drawingml/2006/main" xmlns:r="http://schemas.openxmlformats.org/officeDocument/2006/relationships" xmlns:p="http://schemas.openxmlformats.org/presentationml/2006/main">
   <p:cSld>
     <p:spTree>
@@ -19592,7 +19045,7 @@
             <a:fld id="{9DFD9A34-EC64-4F0B-9C9B-2C0A202A050B}" type="slidenum">
               <a:rPr lang="en-US" smtClean="0"/>
               <a:pPr/>
-              <a:t>46</a:t>
+              <a:t>43</a:t>
             </a:fld>
             <a:endParaRPr lang="en-US" dirty="0"/>
           </a:p>
@@ -19685,7 +19138,6 @@
               <a:rPr lang="en-US" dirty="0"/>
               <a:t>Tính năng kỹ thuật và các loại kịch bản của Pipeline</a:t>
             </a:r>
-            <a:endParaRPr lang="en-US" dirty="0"/>
           </a:p>
         </p:txBody>
       </p:sp>
@@ -19773,7 +19225,7 @@
 </p:sld>
 </file>
 
-<file path=ppt/slides/slide47.xml><?xml version="1.0" encoding="utf-8"?>
+<file path=ppt/slides/slide44.xml><?xml version="1.0" encoding="utf-8"?>
 <p:sld xmlns:a="http://schemas.openxmlformats.org/drawingml/2006/main" xmlns:r="http://schemas.openxmlformats.org/officeDocument/2006/relationships" xmlns:p="http://schemas.openxmlformats.org/presentationml/2006/main">
   <p:cSld>
     <p:spTree>
@@ -19808,7 +19260,7 @@
             <a:fld id="{9DFD9A34-EC64-4F0B-9C9B-2C0A202A050B}" type="slidenum">
               <a:rPr lang="en-US" smtClean="0"/>
               <a:pPr/>
-              <a:t>47</a:t>
+              <a:t>44</a:t>
             </a:fld>
             <a:endParaRPr lang="en-US" dirty="0"/>
           </a:p>
@@ -19885,7 +19337,6 @@
               <a:rPr lang="en-US" dirty="0"/>
               <a:t>Tính năng kỹ thuật và các loại kịch bản của Pipeline</a:t>
             </a:r>
-            <a:endParaRPr lang="en-US" dirty="0"/>
           </a:p>
         </p:txBody>
       </p:sp>
@@ -19973,7 +19424,7 @@
 </p:sld>
 </file>
 
-<file path=ppt/slides/slide48.xml><?xml version="1.0" encoding="utf-8"?>
+<file path=ppt/slides/slide45.xml><?xml version="1.0" encoding="utf-8"?>
 <p:sld xmlns:a="http://schemas.openxmlformats.org/drawingml/2006/main" xmlns:r="http://schemas.openxmlformats.org/officeDocument/2006/relationships" xmlns:p="http://schemas.openxmlformats.org/presentationml/2006/main">
   <p:cSld>
     <p:spTree>
@@ -20008,7 +19459,7 @@
             <a:fld id="{9DFD9A34-EC64-4F0B-9C9B-2C0A202A050B}" type="slidenum">
               <a:rPr lang="en-US" smtClean="0"/>
               <a:pPr/>
-              <a:t>48</a:t>
+              <a:t>45</a:t>
             </a:fld>
             <a:endParaRPr lang="en-US" dirty="0"/>
           </a:p>
@@ -20091,7 +19542,6 @@
               <a:rPr lang="en-US" dirty="0"/>
               <a:t>Tính năng kỹ thuật và các loại kịch bản của Pipeline</a:t>
             </a:r>
-            <a:endParaRPr lang="en-US" dirty="0"/>
           </a:p>
         </p:txBody>
       </p:sp>
@@ -20179,6 +19629,1388 @@
 </p:sld>
 </file>
 
+<file path=ppt/slides/slide46.xml><?xml version="1.0" encoding="utf-8"?>
+<p:sld xmlns:a="http://schemas.openxmlformats.org/drawingml/2006/main" xmlns:r="http://schemas.openxmlformats.org/officeDocument/2006/relationships" xmlns:p="http://schemas.openxmlformats.org/presentationml/2006/main">
+  <p:cSld>
+    <p:spTree>
+      <p:nvGrpSpPr>
+        <p:cNvPr id="1" name=""/>
+        <p:cNvGrpSpPr/>
+        <p:nvPr/>
+      </p:nvGrpSpPr>
+      <p:grpSpPr>
+        <a:xfrm>
+          <a:off x="0" y="0"/>
+          <a:ext cx="0" cy="0"/>
+          <a:chOff x="0" y="0"/>
+          <a:chExt cx="0" cy="0"/>
+        </a:xfrm>
+      </p:grpSpPr>
+      <p:sp>
+        <p:nvSpPr>
+          <p:cNvPr id="2" name="Slide Number Placeholder 1"/>
+          <p:cNvSpPr>
+            <a:spLocks noGrp="1"/>
+          </p:cNvSpPr>
+          <p:nvPr>
+            <p:ph type="sldNum" sz="quarter" idx="12"/>
+          </p:nvPr>
+        </p:nvSpPr>
+        <p:spPr/>
+        <p:txBody>
+          <a:bodyPr/>
+          <a:lstStyle/>
+          <a:p>
+            <a:fld id="{9DFD9A34-EC64-4F0B-9C9B-2C0A202A050B}" type="slidenum">
+              <a:rPr lang="en-US" smtClean="0"/>
+              <a:pPr/>
+              <a:t>46</a:t>
+            </a:fld>
+            <a:endParaRPr lang="en-US" dirty="0"/>
+          </a:p>
+        </p:txBody>
+      </p:sp>
+      <p:sp>
+        <p:nvSpPr>
+          <p:cNvPr id="3" name="Content Placeholder 2"/>
+          <p:cNvSpPr>
+            <a:spLocks noGrp="1"/>
+          </p:cNvSpPr>
+          <p:nvPr>
+            <p:ph sz="quarter" idx="14"/>
+          </p:nvPr>
+        </p:nvSpPr>
+        <p:spPr>
+          <a:xfrm>
+            <a:off x="779926" y="990600"/>
+            <a:ext cx="10496086" cy="5867400"/>
+          </a:xfrm>
+        </p:spPr>
+        <p:txBody>
+          <a:bodyPr>
+            <a:normAutofit/>
+          </a:bodyPr>
+          <a:lstStyle/>
+          <a:p>
+            <a:endParaRPr lang="en-US" dirty="0"/>
+          </a:p>
+          <a:p>
+            <a:pPr lvl="2">
+              <a:lnSpc>
+                <a:spcPct val="100000"/>
+              </a:lnSpc>
+            </a:pPr>
+            <a:endParaRPr lang="en-US" dirty="0"/>
+          </a:p>
+          <a:p>
+            <a:pPr lvl="2">
+              <a:lnSpc>
+                <a:spcPct val="100000"/>
+              </a:lnSpc>
+            </a:pPr>
+            <a:endParaRPr lang="en-US" dirty="0"/>
+          </a:p>
+          <a:p>
+            <a:pPr lvl="2">
+              <a:lnSpc>
+                <a:spcPct val="200000"/>
+              </a:lnSpc>
+            </a:pPr>
+            <a:endParaRPr lang="en-US" sz="2800" dirty="0"/>
+          </a:p>
+          <a:p>
+            <a:endParaRPr lang="en-US" dirty="0"/>
+          </a:p>
+        </p:txBody>
+      </p:sp>
+      <p:sp>
+        <p:nvSpPr>
+          <p:cNvPr id="4" name="Title 3"/>
+          <p:cNvSpPr>
+            <a:spLocks noGrp="1"/>
+          </p:cNvSpPr>
+          <p:nvPr>
+            <p:ph type="title"/>
+          </p:nvPr>
+        </p:nvSpPr>
+        <p:spPr/>
+        <p:txBody>
+          <a:bodyPr>
+            <a:normAutofit fontScale="90000"/>
+          </a:bodyPr>
+          <a:lstStyle/>
+          <a:p>
+            <a:r>
+              <a:rPr lang="en-US" dirty="0" smtClean="0"/>
+              <a:t>Kết luận</a:t>
+            </a:r>
+            <a:endParaRPr lang="en-US" dirty="0"/>
+          </a:p>
+        </p:txBody>
+      </p:sp>
+    </p:spTree>
+    <p:extLst>
+      <p:ext uri="{BB962C8B-B14F-4D97-AF65-F5344CB8AC3E}">
+        <p14:creationId xmlns:p14="http://schemas.microsoft.com/office/powerpoint/2010/main" val="4273981657"/>
+      </p:ext>
+    </p:extLst>
+  </p:cSld>
+  <p:clrMapOvr>
+    <a:masterClrMapping/>
+  </p:clrMapOvr>
+  <p:timing>
+    <p:tnLst>
+      <p:par>
+        <p:cTn id="1" dur="indefinite" restart="never" nodeType="tmRoot"/>
+      </p:par>
+    </p:tnLst>
+  </p:timing>
+</p:sld>
+</file>
+
+<file path=ppt/slides/slide47.xml><?xml version="1.0" encoding="utf-8"?>
+<p:sld xmlns:a="http://schemas.openxmlformats.org/drawingml/2006/main" xmlns:r="http://schemas.openxmlformats.org/officeDocument/2006/relationships" xmlns:p="http://schemas.openxmlformats.org/presentationml/2006/main">
+  <p:cSld>
+    <p:bg>
+      <p:bgPr>
+        <a:blipFill dpi="0" rotWithShape="1">
+          <a:blip r:embed="rId3">
+            <a:lum/>
+          </a:blip>
+          <a:srcRect/>
+          <a:stretch>
+            <a:fillRect t="-21000" b="-21000"/>
+          </a:stretch>
+        </a:blipFill>
+        <a:effectLst/>
+      </p:bgPr>
+    </p:bg>
+    <p:spTree>
+      <p:nvGrpSpPr>
+        <p:cNvPr id="1" name=""/>
+        <p:cNvGrpSpPr/>
+        <p:nvPr/>
+      </p:nvGrpSpPr>
+      <p:grpSpPr>
+        <a:xfrm>
+          <a:off x="0" y="0"/>
+          <a:ext cx="0" cy="0"/>
+          <a:chOff x="0" y="0"/>
+          <a:chExt cx="0" cy="0"/>
+        </a:xfrm>
+      </p:grpSpPr>
+      <p:sp>
+        <p:nvSpPr>
+          <p:cNvPr id="2" name="Title 1"/>
+          <p:cNvSpPr>
+            <a:spLocks noGrp="1"/>
+          </p:cNvSpPr>
+          <p:nvPr>
+            <p:ph type="title"/>
+          </p:nvPr>
+        </p:nvSpPr>
+        <p:spPr>
+          <a:xfrm>
+            <a:off x="0" y="365128"/>
+            <a:ext cx="12188825" cy="5768389"/>
+          </a:xfrm>
+        </p:spPr>
+        <p:txBody>
+          <a:bodyPr>
+            <a:normAutofit/>
+          </a:bodyPr>
+          <a:lstStyle/>
+          <a:p>
+            <a:pPr algn="ctr"/>
+            <a:r>
+              <a:rPr lang="en-US" sz="4000" dirty="0" err="1">
+                <a:ln w="0"/>
+                <a:gradFill>
+                  <a:gsLst>
+                    <a:gs pos="0">
+                      <a:schemeClr val="accent5">
+                        <a:lumMod val="50000"/>
+                      </a:schemeClr>
+                    </a:gs>
+                    <a:gs pos="50000">
+                      <a:schemeClr val="accent5"/>
+                    </a:gs>
+                    <a:gs pos="100000">
+                      <a:schemeClr val="accent5">
+                        <a:lumMod val="60000"/>
+                        <a:lumOff val="40000"/>
+                      </a:schemeClr>
+                    </a:gs>
+                  </a:gsLst>
+                  <a:lin ang="5400000"/>
+                </a:gradFill>
+                <a:effectLst>
+                  <a:reflection blurRad="6350" stA="53000" endA="300" endPos="35500" dir="5400000" sy="-90000" algn="bl" rotWithShape="0"/>
+                </a:effectLst>
+                <a:latin typeface="Ariston" panose="02020500000000000000" pitchFamily="18" charset="0"/>
+                <a:ea typeface="Ariston" panose="02020500000000000000" pitchFamily="18" charset="0"/>
+                <a:cs typeface="Ariston" panose="02020500000000000000" pitchFamily="18" charset="0"/>
+              </a:rPr>
+              <a:t>X</a:t>
+            </a:r>
+            <a:r>
+              <a:rPr lang="en-US" sz="4000" dirty="0" err="1" smtClean="0">
+                <a:ln w="0"/>
+                <a:gradFill>
+                  <a:gsLst>
+                    <a:gs pos="0">
+                      <a:schemeClr val="accent5">
+                        <a:lumMod val="50000"/>
+                      </a:schemeClr>
+                    </a:gs>
+                    <a:gs pos="50000">
+                      <a:schemeClr val="accent5"/>
+                    </a:gs>
+                    <a:gs pos="100000">
+                      <a:schemeClr val="accent5">
+                        <a:lumMod val="60000"/>
+                        <a:lumOff val="40000"/>
+                      </a:schemeClr>
+                    </a:gs>
+                  </a:gsLst>
+                  <a:lin ang="5400000"/>
+                </a:gradFill>
+                <a:effectLst>
+                  <a:reflection blurRad="6350" stA="53000" endA="300" endPos="35500" dir="5400000" sy="-90000" algn="bl" rotWithShape="0"/>
+                </a:effectLst>
+                <a:latin typeface="Ariston" panose="02020500000000000000" pitchFamily="18" charset="0"/>
+                <a:ea typeface="Ariston" panose="02020500000000000000" pitchFamily="18" charset="0"/>
+                <a:cs typeface="Ariston" panose="02020500000000000000" pitchFamily="18" charset="0"/>
+              </a:rPr>
+              <a:t>in</a:t>
+            </a:r>
+            <a:r>
+              <a:rPr lang="en-US" sz="4000" dirty="0" smtClean="0">
+                <a:ln w="0"/>
+                <a:gradFill>
+                  <a:gsLst>
+                    <a:gs pos="0">
+                      <a:schemeClr val="accent5">
+                        <a:lumMod val="50000"/>
+                      </a:schemeClr>
+                    </a:gs>
+                    <a:gs pos="50000">
+                      <a:schemeClr val="accent5"/>
+                    </a:gs>
+                    <a:gs pos="100000">
+                      <a:schemeClr val="accent5">
+                        <a:lumMod val="60000"/>
+                        <a:lumOff val="40000"/>
+                      </a:schemeClr>
+                    </a:gs>
+                  </a:gsLst>
+                  <a:lin ang="5400000"/>
+                </a:gradFill>
+                <a:effectLst>
+                  <a:reflection blurRad="6350" stA="53000" endA="300" endPos="35500" dir="5400000" sy="-90000" algn="bl" rotWithShape="0"/>
+                </a:effectLst>
+                <a:latin typeface="Ariston" panose="02020500000000000000" pitchFamily="18" charset="0"/>
+                <a:ea typeface="Ariston" panose="02020500000000000000" pitchFamily="18" charset="0"/>
+                <a:cs typeface="Ariston" panose="02020500000000000000" pitchFamily="18" charset="0"/>
+              </a:rPr>
+              <a:t> </a:t>
+            </a:r>
+            <a:r>
+              <a:rPr lang="en-US" sz="4000" dirty="0" err="1">
+                <a:ln w="0"/>
+                <a:gradFill>
+                  <a:gsLst>
+                    <a:gs pos="0">
+                      <a:schemeClr val="accent5">
+                        <a:lumMod val="50000"/>
+                      </a:schemeClr>
+                    </a:gs>
+                    <a:gs pos="50000">
+                      <a:schemeClr val="accent5"/>
+                    </a:gs>
+                    <a:gs pos="100000">
+                      <a:schemeClr val="accent5">
+                        <a:lumMod val="60000"/>
+                        <a:lumOff val="40000"/>
+                      </a:schemeClr>
+                    </a:gs>
+                  </a:gsLst>
+                  <a:lin ang="5400000"/>
+                </a:gradFill>
+                <a:effectLst>
+                  <a:reflection blurRad="6350" stA="53000" endA="300" endPos="35500" dir="5400000" sy="-90000" algn="bl" rotWithShape="0"/>
+                </a:effectLst>
+                <a:latin typeface="Ariston" panose="02020500000000000000" pitchFamily="18" charset="0"/>
+                <a:ea typeface="Ariston" panose="02020500000000000000" pitchFamily="18" charset="0"/>
+                <a:cs typeface="Ariston" panose="02020500000000000000" pitchFamily="18" charset="0"/>
+              </a:rPr>
+              <a:t>chân</a:t>
+            </a:r>
+            <a:r>
+              <a:rPr lang="en-US" sz="4000" dirty="0">
+                <a:ln w="0"/>
+                <a:gradFill>
+                  <a:gsLst>
+                    <a:gs pos="0">
+                      <a:schemeClr val="accent5">
+                        <a:lumMod val="50000"/>
+                      </a:schemeClr>
+                    </a:gs>
+                    <a:gs pos="50000">
+                      <a:schemeClr val="accent5"/>
+                    </a:gs>
+                    <a:gs pos="100000">
+                      <a:schemeClr val="accent5">
+                        <a:lumMod val="60000"/>
+                        <a:lumOff val="40000"/>
+                      </a:schemeClr>
+                    </a:gs>
+                  </a:gsLst>
+                  <a:lin ang="5400000"/>
+                </a:gradFill>
+                <a:effectLst>
+                  <a:reflection blurRad="6350" stA="53000" endA="300" endPos="35500" dir="5400000" sy="-90000" algn="bl" rotWithShape="0"/>
+                </a:effectLst>
+                <a:latin typeface="Ariston" panose="02020500000000000000" pitchFamily="18" charset="0"/>
+                <a:ea typeface="Ariston" panose="02020500000000000000" pitchFamily="18" charset="0"/>
+                <a:cs typeface="Ariston" panose="02020500000000000000" pitchFamily="18" charset="0"/>
+              </a:rPr>
+              <a:t> </a:t>
+            </a:r>
+            <a:r>
+              <a:rPr lang="en-US" sz="4000" dirty="0" err="1">
+                <a:ln w="0"/>
+                <a:gradFill>
+                  <a:gsLst>
+                    <a:gs pos="0">
+                      <a:schemeClr val="accent5">
+                        <a:lumMod val="50000"/>
+                      </a:schemeClr>
+                    </a:gs>
+                    <a:gs pos="50000">
+                      <a:schemeClr val="accent5"/>
+                    </a:gs>
+                    <a:gs pos="100000">
+                      <a:schemeClr val="accent5">
+                        <a:lumMod val="60000"/>
+                        <a:lumOff val="40000"/>
+                      </a:schemeClr>
+                    </a:gs>
+                  </a:gsLst>
+                  <a:lin ang="5400000"/>
+                </a:gradFill>
+                <a:effectLst>
+                  <a:reflection blurRad="6350" stA="53000" endA="300" endPos="35500" dir="5400000" sy="-90000" algn="bl" rotWithShape="0"/>
+                </a:effectLst>
+                <a:latin typeface="Ariston" panose="02020500000000000000" pitchFamily="18" charset="0"/>
+                <a:ea typeface="Ariston" panose="02020500000000000000" pitchFamily="18" charset="0"/>
+                <a:cs typeface="Ariston" panose="02020500000000000000" pitchFamily="18" charset="0"/>
+              </a:rPr>
+              <a:t>thành</a:t>
+            </a:r>
+            <a:r>
+              <a:rPr lang="en-US" sz="4000" dirty="0">
+                <a:ln w="0"/>
+                <a:gradFill>
+                  <a:gsLst>
+                    <a:gs pos="0">
+                      <a:schemeClr val="accent5">
+                        <a:lumMod val="50000"/>
+                      </a:schemeClr>
+                    </a:gs>
+                    <a:gs pos="50000">
+                      <a:schemeClr val="accent5"/>
+                    </a:gs>
+                    <a:gs pos="100000">
+                      <a:schemeClr val="accent5">
+                        <a:lumMod val="60000"/>
+                        <a:lumOff val="40000"/>
+                      </a:schemeClr>
+                    </a:gs>
+                  </a:gsLst>
+                  <a:lin ang="5400000"/>
+                </a:gradFill>
+                <a:effectLst>
+                  <a:reflection blurRad="6350" stA="53000" endA="300" endPos="35500" dir="5400000" sy="-90000" algn="bl" rotWithShape="0"/>
+                </a:effectLst>
+                <a:latin typeface="Ariston" panose="02020500000000000000" pitchFamily="18" charset="0"/>
+                <a:ea typeface="Ariston" panose="02020500000000000000" pitchFamily="18" charset="0"/>
+                <a:cs typeface="Ariston" panose="02020500000000000000" pitchFamily="18" charset="0"/>
+              </a:rPr>
+              <a:t> </a:t>
+            </a:r>
+            <a:r>
+              <a:rPr lang="en-US" sz="4000" dirty="0" err="1">
+                <a:ln w="0"/>
+                <a:gradFill>
+                  <a:gsLst>
+                    <a:gs pos="0">
+                      <a:schemeClr val="accent5">
+                        <a:lumMod val="50000"/>
+                      </a:schemeClr>
+                    </a:gs>
+                    <a:gs pos="50000">
+                      <a:schemeClr val="accent5"/>
+                    </a:gs>
+                    <a:gs pos="100000">
+                      <a:schemeClr val="accent5">
+                        <a:lumMod val="60000"/>
+                        <a:lumOff val="40000"/>
+                      </a:schemeClr>
+                    </a:gs>
+                  </a:gsLst>
+                  <a:lin ang="5400000"/>
+                </a:gradFill>
+                <a:effectLst>
+                  <a:reflection blurRad="6350" stA="53000" endA="300" endPos="35500" dir="5400000" sy="-90000" algn="bl" rotWithShape="0"/>
+                </a:effectLst>
+                <a:latin typeface="Ariston" panose="02020500000000000000" pitchFamily="18" charset="0"/>
+                <a:ea typeface="Ariston" panose="02020500000000000000" pitchFamily="18" charset="0"/>
+                <a:cs typeface="Ariston" panose="02020500000000000000" pitchFamily="18" charset="0"/>
+              </a:rPr>
+              <a:t>cảm</a:t>
+            </a:r>
+            <a:r>
+              <a:rPr lang="en-US" sz="4000" dirty="0">
+                <a:ln w="0"/>
+                <a:gradFill>
+                  <a:gsLst>
+                    <a:gs pos="0">
+                      <a:schemeClr val="accent5">
+                        <a:lumMod val="50000"/>
+                      </a:schemeClr>
+                    </a:gs>
+                    <a:gs pos="50000">
+                      <a:schemeClr val="accent5"/>
+                    </a:gs>
+                    <a:gs pos="100000">
+                      <a:schemeClr val="accent5">
+                        <a:lumMod val="60000"/>
+                        <a:lumOff val="40000"/>
+                      </a:schemeClr>
+                    </a:gs>
+                  </a:gsLst>
+                  <a:lin ang="5400000"/>
+                </a:gradFill>
+                <a:effectLst>
+                  <a:reflection blurRad="6350" stA="53000" endA="300" endPos="35500" dir="5400000" sy="-90000" algn="bl" rotWithShape="0"/>
+                </a:effectLst>
+                <a:latin typeface="Ariston" panose="02020500000000000000" pitchFamily="18" charset="0"/>
+                <a:ea typeface="Ariston" panose="02020500000000000000" pitchFamily="18" charset="0"/>
+                <a:cs typeface="Ariston" panose="02020500000000000000" pitchFamily="18" charset="0"/>
+              </a:rPr>
+              <a:t> </a:t>
+            </a:r>
+            <a:r>
+              <a:rPr lang="vi-VN" sz="4000" dirty="0">
+                <a:ln w="0"/>
+                <a:gradFill>
+                  <a:gsLst>
+                    <a:gs pos="0">
+                      <a:schemeClr val="accent5">
+                        <a:lumMod val="50000"/>
+                      </a:schemeClr>
+                    </a:gs>
+                    <a:gs pos="50000">
+                      <a:schemeClr val="accent5"/>
+                    </a:gs>
+                    <a:gs pos="100000">
+                      <a:schemeClr val="accent5">
+                        <a:lumMod val="60000"/>
+                        <a:lumOff val="40000"/>
+                      </a:schemeClr>
+                    </a:gs>
+                  </a:gsLst>
+                  <a:lin ang="5400000"/>
+                </a:gradFill>
+                <a:effectLst>
+                  <a:reflection blurRad="6350" stA="53000" endA="300" endPos="35500" dir="5400000" sy="-90000" algn="bl" rotWithShape="0"/>
+                </a:effectLst>
+                <a:latin typeface="Ariston" panose="02020500000000000000" pitchFamily="18" charset="0"/>
+                <a:ea typeface="Ariston" panose="02020500000000000000" pitchFamily="18" charset="0"/>
+                <a:cs typeface="Ariston" panose="02020500000000000000" pitchFamily="18" charset="0"/>
+              </a:rPr>
+              <a:t>ơ</a:t>
+            </a:r>
+            <a:r>
+              <a:rPr lang="en-US" sz="4000" dirty="0">
+                <a:ln w="0"/>
+                <a:gradFill>
+                  <a:gsLst>
+                    <a:gs pos="0">
+                      <a:schemeClr val="accent5">
+                        <a:lumMod val="50000"/>
+                      </a:schemeClr>
+                    </a:gs>
+                    <a:gs pos="50000">
+                      <a:schemeClr val="accent5"/>
+                    </a:gs>
+                    <a:gs pos="100000">
+                      <a:schemeClr val="accent5">
+                        <a:lumMod val="60000"/>
+                        <a:lumOff val="40000"/>
+                      </a:schemeClr>
+                    </a:gs>
+                  </a:gsLst>
+                  <a:lin ang="5400000"/>
+                </a:gradFill>
+                <a:effectLst>
+                  <a:reflection blurRad="6350" stA="53000" endA="300" endPos="35500" dir="5400000" sy="-90000" algn="bl" rotWithShape="0"/>
+                </a:effectLst>
+                <a:latin typeface="Ariston" panose="02020500000000000000" pitchFamily="18" charset="0"/>
+                <a:ea typeface="Ariston" panose="02020500000000000000" pitchFamily="18" charset="0"/>
+                <a:cs typeface="Ariston" panose="02020500000000000000" pitchFamily="18" charset="0"/>
+              </a:rPr>
+              <a:t>n </a:t>
+            </a:r>
+            <a:r>
+              <a:rPr lang="en-US" sz="4000" dirty="0" err="1" smtClean="0">
+                <a:ln w="0"/>
+                <a:gradFill>
+                  <a:gsLst>
+                    <a:gs pos="0">
+                      <a:schemeClr val="accent5">
+                        <a:lumMod val="50000"/>
+                      </a:schemeClr>
+                    </a:gs>
+                    <a:gs pos="50000">
+                      <a:schemeClr val="accent5"/>
+                    </a:gs>
+                    <a:gs pos="100000">
+                      <a:schemeClr val="accent5">
+                        <a:lumMod val="60000"/>
+                        <a:lumOff val="40000"/>
+                      </a:schemeClr>
+                    </a:gs>
+                  </a:gsLst>
+                  <a:lin ang="5400000"/>
+                </a:gradFill>
+                <a:effectLst>
+                  <a:reflection blurRad="6350" stA="53000" endA="300" endPos="35500" dir="5400000" sy="-90000" algn="bl" rotWithShape="0"/>
+                </a:effectLst>
+                <a:latin typeface="Ariston" panose="02020500000000000000" pitchFamily="18" charset="0"/>
+                <a:ea typeface="Ariston" panose="02020500000000000000" pitchFamily="18" charset="0"/>
+                <a:cs typeface="Ariston" panose="02020500000000000000" pitchFamily="18" charset="0"/>
+              </a:rPr>
+              <a:t>quý</a:t>
+            </a:r>
+            <a:r>
+              <a:rPr lang="en-US" sz="4000" dirty="0" smtClean="0">
+                <a:ln w="0"/>
+                <a:gradFill>
+                  <a:gsLst>
+                    <a:gs pos="0">
+                      <a:schemeClr val="accent5">
+                        <a:lumMod val="50000"/>
+                      </a:schemeClr>
+                    </a:gs>
+                    <a:gs pos="50000">
+                      <a:schemeClr val="accent5"/>
+                    </a:gs>
+                    <a:gs pos="100000">
+                      <a:schemeClr val="accent5">
+                        <a:lumMod val="60000"/>
+                        <a:lumOff val="40000"/>
+                      </a:schemeClr>
+                    </a:gs>
+                  </a:gsLst>
+                  <a:lin ang="5400000"/>
+                </a:gradFill>
+                <a:effectLst>
+                  <a:reflection blurRad="6350" stA="53000" endA="300" endPos="35500" dir="5400000" sy="-90000" algn="bl" rotWithShape="0"/>
+                </a:effectLst>
+                <a:latin typeface="Ariston" panose="02020500000000000000" pitchFamily="18" charset="0"/>
+                <a:ea typeface="Ariston" panose="02020500000000000000" pitchFamily="18" charset="0"/>
+                <a:cs typeface="Ariston" panose="02020500000000000000" pitchFamily="18" charset="0"/>
+              </a:rPr>
+              <a:t> </a:t>
+            </a:r>
+            <a:r>
+              <a:rPr lang="en-US" sz="4000" dirty="0" err="1">
+                <a:ln w="0"/>
+                <a:gradFill>
+                  <a:gsLst>
+                    <a:gs pos="0">
+                      <a:schemeClr val="accent5">
+                        <a:lumMod val="50000"/>
+                      </a:schemeClr>
+                    </a:gs>
+                    <a:gs pos="50000">
+                      <a:schemeClr val="accent5"/>
+                    </a:gs>
+                    <a:gs pos="100000">
+                      <a:schemeClr val="accent5">
+                        <a:lumMod val="60000"/>
+                        <a:lumOff val="40000"/>
+                      </a:schemeClr>
+                    </a:gs>
+                  </a:gsLst>
+                  <a:lin ang="5400000"/>
+                </a:gradFill>
+                <a:effectLst>
+                  <a:reflection blurRad="6350" stA="53000" endA="300" endPos="35500" dir="5400000" sy="-90000" algn="bl" rotWithShape="0"/>
+                </a:effectLst>
+                <a:latin typeface="Ariston" panose="02020500000000000000" pitchFamily="18" charset="0"/>
+                <a:ea typeface="Ariston" panose="02020500000000000000" pitchFamily="18" charset="0"/>
+                <a:cs typeface="Ariston" panose="02020500000000000000" pitchFamily="18" charset="0"/>
+              </a:rPr>
+              <a:t>Thầy</a:t>
+            </a:r>
+            <a:r>
+              <a:rPr lang="en-US" sz="4000" dirty="0">
+                <a:ln w="0"/>
+                <a:gradFill>
+                  <a:gsLst>
+                    <a:gs pos="0">
+                      <a:schemeClr val="accent5">
+                        <a:lumMod val="50000"/>
+                      </a:schemeClr>
+                    </a:gs>
+                    <a:gs pos="50000">
+                      <a:schemeClr val="accent5"/>
+                    </a:gs>
+                    <a:gs pos="100000">
+                      <a:schemeClr val="accent5">
+                        <a:lumMod val="60000"/>
+                        <a:lumOff val="40000"/>
+                      </a:schemeClr>
+                    </a:gs>
+                  </a:gsLst>
+                  <a:lin ang="5400000"/>
+                </a:gradFill>
+                <a:effectLst>
+                  <a:reflection blurRad="6350" stA="53000" endA="300" endPos="35500" dir="5400000" sy="-90000" algn="bl" rotWithShape="0"/>
+                </a:effectLst>
+                <a:latin typeface="Ariston" panose="02020500000000000000" pitchFamily="18" charset="0"/>
+                <a:ea typeface="Ariston" panose="02020500000000000000" pitchFamily="18" charset="0"/>
+                <a:cs typeface="Ariston" panose="02020500000000000000" pitchFamily="18" charset="0"/>
+              </a:rPr>
+              <a:t> </a:t>
+            </a:r>
+            <a:r>
+              <a:rPr lang="en-US" sz="4000" dirty="0" err="1">
+                <a:ln w="0"/>
+                <a:gradFill>
+                  <a:gsLst>
+                    <a:gs pos="0">
+                      <a:schemeClr val="accent5">
+                        <a:lumMod val="50000"/>
+                      </a:schemeClr>
+                    </a:gs>
+                    <a:gs pos="50000">
+                      <a:schemeClr val="accent5"/>
+                    </a:gs>
+                    <a:gs pos="100000">
+                      <a:schemeClr val="accent5">
+                        <a:lumMod val="60000"/>
+                        <a:lumOff val="40000"/>
+                      </a:schemeClr>
+                    </a:gs>
+                  </a:gsLst>
+                  <a:lin ang="5400000"/>
+                </a:gradFill>
+                <a:effectLst>
+                  <a:reflection blurRad="6350" stA="53000" endA="300" endPos="35500" dir="5400000" sy="-90000" algn="bl" rotWithShape="0"/>
+                </a:effectLst>
+                <a:latin typeface="Ariston" panose="02020500000000000000" pitchFamily="18" charset="0"/>
+                <a:ea typeface="Ariston" panose="02020500000000000000" pitchFamily="18" charset="0"/>
+                <a:cs typeface="Ariston" panose="02020500000000000000" pitchFamily="18" charset="0"/>
+              </a:rPr>
+              <a:t>Cô</a:t>
+            </a:r>
+            <a:r>
+              <a:rPr lang="en-US" sz="4000" dirty="0">
+                <a:ln w="0"/>
+                <a:gradFill>
+                  <a:gsLst>
+                    <a:gs pos="0">
+                      <a:schemeClr val="accent5">
+                        <a:lumMod val="50000"/>
+                      </a:schemeClr>
+                    </a:gs>
+                    <a:gs pos="50000">
+                      <a:schemeClr val="accent5"/>
+                    </a:gs>
+                    <a:gs pos="100000">
+                      <a:schemeClr val="accent5">
+                        <a:lumMod val="60000"/>
+                        <a:lumOff val="40000"/>
+                      </a:schemeClr>
+                    </a:gs>
+                  </a:gsLst>
+                  <a:lin ang="5400000"/>
+                </a:gradFill>
+                <a:effectLst>
+                  <a:reflection blurRad="6350" stA="53000" endA="300" endPos="35500" dir="5400000" sy="-90000" algn="bl" rotWithShape="0"/>
+                </a:effectLst>
+                <a:latin typeface="Ariston" panose="02020500000000000000" pitchFamily="18" charset="0"/>
+                <a:ea typeface="Ariston" panose="02020500000000000000" pitchFamily="18" charset="0"/>
+                <a:cs typeface="Ariston" panose="02020500000000000000" pitchFamily="18" charset="0"/>
+              </a:rPr>
+              <a:t> </a:t>
+            </a:r>
+            <a:r>
+              <a:rPr lang="en-US" sz="4000" dirty="0" smtClean="0">
+                <a:ln w="0"/>
+                <a:gradFill>
+                  <a:gsLst>
+                    <a:gs pos="0">
+                      <a:schemeClr val="accent5">
+                        <a:lumMod val="50000"/>
+                      </a:schemeClr>
+                    </a:gs>
+                    <a:gs pos="50000">
+                      <a:schemeClr val="accent5"/>
+                    </a:gs>
+                    <a:gs pos="100000">
+                      <a:schemeClr val="accent5">
+                        <a:lumMod val="60000"/>
+                        <a:lumOff val="40000"/>
+                      </a:schemeClr>
+                    </a:gs>
+                  </a:gsLst>
+                  <a:lin ang="5400000"/>
+                </a:gradFill>
+                <a:effectLst>
+                  <a:reflection blurRad="6350" stA="53000" endA="300" endPos="35500" dir="5400000" sy="-90000" algn="bl" rotWithShape="0"/>
+                </a:effectLst>
+                <a:latin typeface="Ariston" panose="02020500000000000000" pitchFamily="18" charset="0"/>
+                <a:ea typeface="Ariston" panose="02020500000000000000" pitchFamily="18" charset="0"/>
+                <a:cs typeface="Ariston" panose="02020500000000000000" pitchFamily="18" charset="0"/>
+              </a:rPr>
+              <a:t/>
+            </a:r>
+            <a:br>
+              <a:rPr lang="en-US" sz="4000" dirty="0" smtClean="0">
+                <a:ln w="0"/>
+                <a:gradFill>
+                  <a:gsLst>
+                    <a:gs pos="0">
+                      <a:schemeClr val="accent5">
+                        <a:lumMod val="50000"/>
+                      </a:schemeClr>
+                    </a:gs>
+                    <a:gs pos="50000">
+                      <a:schemeClr val="accent5"/>
+                    </a:gs>
+                    <a:gs pos="100000">
+                      <a:schemeClr val="accent5">
+                        <a:lumMod val="60000"/>
+                        <a:lumOff val="40000"/>
+                      </a:schemeClr>
+                    </a:gs>
+                  </a:gsLst>
+                  <a:lin ang="5400000"/>
+                </a:gradFill>
+                <a:effectLst>
+                  <a:reflection blurRad="6350" stA="53000" endA="300" endPos="35500" dir="5400000" sy="-90000" algn="bl" rotWithShape="0"/>
+                </a:effectLst>
+                <a:latin typeface="Ariston" panose="02020500000000000000" pitchFamily="18" charset="0"/>
+                <a:ea typeface="Ariston" panose="02020500000000000000" pitchFamily="18" charset="0"/>
+                <a:cs typeface="Ariston" panose="02020500000000000000" pitchFamily="18" charset="0"/>
+              </a:rPr>
+            </a:br>
+            <a:r>
+              <a:rPr lang="en-US" sz="4000" dirty="0" err="1" smtClean="0">
+                <a:ln w="0"/>
+                <a:gradFill>
+                  <a:gsLst>
+                    <a:gs pos="0">
+                      <a:schemeClr val="accent5">
+                        <a:lumMod val="50000"/>
+                      </a:schemeClr>
+                    </a:gs>
+                    <a:gs pos="50000">
+                      <a:schemeClr val="accent5"/>
+                    </a:gs>
+                    <a:gs pos="100000">
+                      <a:schemeClr val="accent5">
+                        <a:lumMod val="60000"/>
+                        <a:lumOff val="40000"/>
+                      </a:schemeClr>
+                    </a:gs>
+                  </a:gsLst>
+                  <a:lin ang="5400000"/>
+                </a:gradFill>
+                <a:effectLst>
+                  <a:reflection blurRad="6350" stA="53000" endA="300" endPos="35500" dir="5400000" sy="-90000" algn="bl" rotWithShape="0"/>
+                </a:effectLst>
+                <a:latin typeface="Ariston" panose="02020500000000000000" pitchFamily="18" charset="0"/>
+                <a:ea typeface="Ariston" panose="02020500000000000000" pitchFamily="18" charset="0"/>
+                <a:cs typeface="Ariston" panose="02020500000000000000" pitchFamily="18" charset="0"/>
+              </a:rPr>
+              <a:t>và</a:t>
+            </a:r>
+            <a:r>
+              <a:rPr lang="en-US" sz="4000" dirty="0" smtClean="0">
+                <a:ln w="0"/>
+                <a:gradFill>
+                  <a:gsLst>
+                    <a:gs pos="0">
+                      <a:schemeClr val="accent5">
+                        <a:lumMod val="50000"/>
+                      </a:schemeClr>
+                    </a:gs>
+                    <a:gs pos="50000">
+                      <a:schemeClr val="accent5"/>
+                    </a:gs>
+                    <a:gs pos="100000">
+                      <a:schemeClr val="accent5">
+                        <a:lumMod val="60000"/>
+                        <a:lumOff val="40000"/>
+                      </a:schemeClr>
+                    </a:gs>
+                  </a:gsLst>
+                  <a:lin ang="5400000"/>
+                </a:gradFill>
+                <a:effectLst>
+                  <a:reflection blurRad="6350" stA="53000" endA="300" endPos="35500" dir="5400000" sy="-90000" algn="bl" rotWithShape="0"/>
+                </a:effectLst>
+                <a:latin typeface="Ariston" panose="02020500000000000000" pitchFamily="18" charset="0"/>
+                <a:ea typeface="Ariston" panose="02020500000000000000" pitchFamily="18" charset="0"/>
+                <a:cs typeface="Ariston" panose="02020500000000000000" pitchFamily="18" charset="0"/>
+              </a:rPr>
+              <a:t> </a:t>
+            </a:r>
+            <a:r>
+              <a:rPr lang="en-US" sz="4000" dirty="0" err="1">
+                <a:ln w="0"/>
+                <a:gradFill>
+                  <a:gsLst>
+                    <a:gs pos="0">
+                      <a:schemeClr val="accent5">
+                        <a:lumMod val="50000"/>
+                      </a:schemeClr>
+                    </a:gs>
+                    <a:gs pos="50000">
+                      <a:schemeClr val="accent5"/>
+                    </a:gs>
+                    <a:gs pos="100000">
+                      <a:schemeClr val="accent5">
+                        <a:lumMod val="60000"/>
+                        <a:lumOff val="40000"/>
+                      </a:schemeClr>
+                    </a:gs>
+                  </a:gsLst>
+                  <a:lin ang="5400000"/>
+                </a:gradFill>
+                <a:effectLst>
+                  <a:reflection blurRad="6350" stA="53000" endA="300" endPos="35500" dir="5400000" sy="-90000" algn="bl" rotWithShape="0"/>
+                </a:effectLst>
+                <a:latin typeface="Ariston" panose="02020500000000000000" pitchFamily="18" charset="0"/>
+                <a:ea typeface="Ariston" panose="02020500000000000000" pitchFamily="18" charset="0"/>
+                <a:cs typeface="Ariston" panose="02020500000000000000" pitchFamily="18" charset="0"/>
+              </a:rPr>
+              <a:t>các</a:t>
+            </a:r>
+            <a:r>
+              <a:rPr lang="en-US" sz="4000" dirty="0">
+                <a:ln w="0"/>
+                <a:gradFill>
+                  <a:gsLst>
+                    <a:gs pos="0">
+                      <a:schemeClr val="accent5">
+                        <a:lumMod val="50000"/>
+                      </a:schemeClr>
+                    </a:gs>
+                    <a:gs pos="50000">
+                      <a:schemeClr val="accent5"/>
+                    </a:gs>
+                    <a:gs pos="100000">
+                      <a:schemeClr val="accent5">
+                        <a:lumMod val="60000"/>
+                        <a:lumOff val="40000"/>
+                      </a:schemeClr>
+                    </a:gs>
+                  </a:gsLst>
+                  <a:lin ang="5400000"/>
+                </a:gradFill>
+                <a:effectLst>
+                  <a:reflection blurRad="6350" stA="53000" endA="300" endPos="35500" dir="5400000" sy="-90000" algn="bl" rotWithShape="0"/>
+                </a:effectLst>
+                <a:latin typeface="Ariston" panose="02020500000000000000" pitchFamily="18" charset="0"/>
+                <a:ea typeface="Ariston" panose="02020500000000000000" pitchFamily="18" charset="0"/>
+                <a:cs typeface="Ariston" panose="02020500000000000000" pitchFamily="18" charset="0"/>
+              </a:rPr>
+              <a:t> </a:t>
+            </a:r>
+            <a:r>
+              <a:rPr lang="en-US" sz="4000" dirty="0" err="1">
+                <a:ln w="0"/>
+                <a:gradFill>
+                  <a:gsLst>
+                    <a:gs pos="0">
+                      <a:schemeClr val="accent5">
+                        <a:lumMod val="50000"/>
+                      </a:schemeClr>
+                    </a:gs>
+                    <a:gs pos="50000">
+                      <a:schemeClr val="accent5"/>
+                    </a:gs>
+                    <a:gs pos="100000">
+                      <a:schemeClr val="accent5">
+                        <a:lumMod val="60000"/>
+                        <a:lumOff val="40000"/>
+                      </a:schemeClr>
+                    </a:gs>
+                  </a:gsLst>
+                  <a:lin ang="5400000"/>
+                </a:gradFill>
+                <a:effectLst>
+                  <a:reflection blurRad="6350" stA="53000" endA="300" endPos="35500" dir="5400000" sy="-90000" algn="bl" rotWithShape="0"/>
+                </a:effectLst>
+                <a:latin typeface="Ariston" panose="02020500000000000000" pitchFamily="18" charset="0"/>
+                <a:ea typeface="Ariston" panose="02020500000000000000" pitchFamily="18" charset="0"/>
+                <a:cs typeface="Ariston" panose="02020500000000000000" pitchFamily="18" charset="0"/>
+              </a:rPr>
+              <a:t>bạn</a:t>
+            </a:r>
+            <a:r>
+              <a:rPr lang="en-US" sz="4000" dirty="0">
+                <a:ln w="0"/>
+                <a:gradFill>
+                  <a:gsLst>
+                    <a:gs pos="0">
+                      <a:schemeClr val="accent5">
+                        <a:lumMod val="50000"/>
+                      </a:schemeClr>
+                    </a:gs>
+                    <a:gs pos="50000">
+                      <a:schemeClr val="accent5"/>
+                    </a:gs>
+                    <a:gs pos="100000">
+                      <a:schemeClr val="accent5">
+                        <a:lumMod val="60000"/>
+                        <a:lumOff val="40000"/>
+                      </a:schemeClr>
+                    </a:gs>
+                  </a:gsLst>
+                  <a:lin ang="5400000"/>
+                </a:gradFill>
+                <a:effectLst>
+                  <a:reflection blurRad="6350" stA="53000" endA="300" endPos="35500" dir="5400000" sy="-90000" algn="bl" rotWithShape="0"/>
+                </a:effectLst>
+                <a:latin typeface="Ariston" panose="02020500000000000000" pitchFamily="18" charset="0"/>
+                <a:ea typeface="Ariston" panose="02020500000000000000" pitchFamily="18" charset="0"/>
+                <a:cs typeface="Ariston" panose="02020500000000000000" pitchFamily="18" charset="0"/>
+              </a:rPr>
+              <a:t> </a:t>
+            </a:r>
+            <a:r>
+              <a:rPr lang="vi-VN" sz="4000" dirty="0">
+                <a:ln w="0"/>
+                <a:gradFill>
+                  <a:gsLst>
+                    <a:gs pos="0">
+                      <a:schemeClr val="accent5">
+                        <a:lumMod val="50000"/>
+                      </a:schemeClr>
+                    </a:gs>
+                    <a:gs pos="50000">
+                      <a:schemeClr val="accent5"/>
+                    </a:gs>
+                    <a:gs pos="100000">
+                      <a:schemeClr val="accent5">
+                        <a:lumMod val="60000"/>
+                        <a:lumOff val="40000"/>
+                      </a:schemeClr>
+                    </a:gs>
+                  </a:gsLst>
+                  <a:lin ang="5400000"/>
+                </a:gradFill>
+                <a:effectLst>
+                  <a:reflection blurRad="6350" stA="53000" endA="300" endPos="35500" dir="5400000" sy="-90000" algn="bl" rotWithShape="0"/>
+                </a:effectLst>
+                <a:latin typeface="Ariston" panose="02020500000000000000" pitchFamily="18" charset="0"/>
+                <a:ea typeface="Ariston" panose="02020500000000000000" pitchFamily="18" charset="0"/>
+                <a:cs typeface="Ariston" panose="02020500000000000000" pitchFamily="18" charset="0"/>
+              </a:rPr>
+              <a:t>đã lắng </a:t>
+            </a:r>
+            <a:r>
+              <a:rPr lang="vi-VN" sz="4000" dirty="0" smtClean="0">
+                <a:ln w="0"/>
+                <a:gradFill>
+                  <a:gsLst>
+                    <a:gs pos="0">
+                      <a:schemeClr val="accent5">
+                        <a:lumMod val="50000"/>
+                      </a:schemeClr>
+                    </a:gs>
+                    <a:gs pos="50000">
+                      <a:schemeClr val="accent5"/>
+                    </a:gs>
+                    <a:gs pos="100000">
+                      <a:schemeClr val="accent5">
+                        <a:lumMod val="60000"/>
+                        <a:lumOff val="40000"/>
+                      </a:schemeClr>
+                    </a:gs>
+                  </a:gsLst>
+                  <a:lin ang="5400000"/>
+                </a:gradFill>
+                <a:effectLst>
+                  <a:reflection blurRad="6350" stA="53000" endA="300" endPos="35500" dir="5400000" sy="-90000" algn="bl" rotWithShape="0"/>
+                </a:effectLst>
+                <a:latin typeface="Ariston" panose="02020500000000000000" pitchFamily="18" charset="0"/>
+                <a:ea typeface="Ariston" panose="02020500000000000000" pitchFamily="18" charset="0"/>
+                <a:cs typeface="Ariston" panose="02020500000000000000" pitchFamily="18" charset="0"/>
+              </a:rPr>
+              <a:t>nghe</a:t>
+            </a:r>
+            <a:r>
+              <a:rPr lang="en-US" sz="4000" dirty="0" smtClean="0">
+                <a:ln w="0"/>
+                <a:gradFill>
+                  <a:gsLst>
+                    <a:gs pos="0">
+                      <a:schemeClr val="accent5">
+                        <a:lumMod val="50000"/>
+                      </a:schemeClr>
+                    </a:gs>
+                    <a:gs pos="50000">
+                      <a:schemeClr val="accent5"/>
+                    </a:gs>
+                    <a:gs pos="100000">
+                      <a:schemeClr val="accent5">
+                        <a:lumMod val="60000"/>
+                        <a:lumOff val="40000"/>
+                      </a:schemeClr>
+                    </a:gs>
+                  </a:gsLst>
+                  <a:lin ang="5400000"/>
+                </a:gradFill>
+                <a:effectLst>
+                  <a:reflection blurRad="6350" stA="53000" endA="300" endPos="35500" dir="5400000" sy="-90000" algn="bl" rotWithShape="0"/>
+                </a:effectLst>
+                <a:latin typeface="Ariston" panose="02020500000000000000" pitchFamily="18" charset="0"/>
+                <a:ea typeface="Ariston" panose="02020500000000000000" pitchFamily="18" charset="0"/>
+                <a:cs typeface="Ariston" panose="02020500000000000000" pitchFamily="18" charset="0"/>
+              </a:rPr>
+              <a:t>!</a:t>
+            </a:r>
+            <a:endParaRPr lang="en-US" sz="4000" dirty="0">
+              <a:ln w="0"/>
+              <a:gradFill>
+                <a:gsLst>
+                  <a:gs pos="0">
+                    <a:schemeClr val="accent5">
+                      <a:lumMod val="50000"/>
+                    </a:schemeClr>
+                  </a:gs>
+                  <a:gs pos="50000">
+                    <a:schemeClr val="accent5"/>
+                  </a:gs>
+                  <a:gs pos="100000">
+                    <a:schemeClr val="accent5">
+                      <a:lumMod val="60000"/>
+                      <a:lumOff val="40000"/>
+                    </a:schemeClr>
+                  </a:gs>
+                </a:gsLst>
+                <a:lin ang="5400000"/>
+              </a:gradFill>
+              <a:effectLst>
+                <a:reflection blurRad="6350" stA="53000" endA="300" endPos="35500" dir="5400000" sy="-90000" algn="bl" rotWithShape="0"/>
+              </a:effectLst>
+              <a:latin typeface="Ariston" panose="02020500000000000000" pitchFamily="18" charset="0"/>
+              <a:ea typeface="Ariston" panose="02020500000000000000" pitchFamily="18" charset="0"/>
+              <a:cs typeface="Ariston" panose="02020500000000000000" pitchFamily="18" charset="0"/>
+            </a:endParaRPr>
+          </a:p>
+        </p:txBody>
+      </p:sp>
+    </p:spTree>
+    <p:extLst>
+      <p:ext uri="{BB962C8B-B14F-4D97-AF65-F5344CB8AC3E}">
+        <p14:creationId xmlns:p14="http://schemas.microsoft.com/office/powerpoint/2010/main" val="1957705873"/>
+      </p:ext>
+    </p:extLst>
+  </p:cSld>
+  <p:clrMapOvr>
+    <a:overrideClrMapping bg1="lt1" tx1="dk1" bg2="lt2" tx2="dk2" accent1="accent1" accent2="accent2" accent3="accent3" accent4="accent4" accent5="accent5" accent6="accent6" hlink="hlink" folHlink="folHlink"/>
+  </p:clrMapOvr>
+  <p:timing>
+    <p:tnLst>
+      <p:par>
+        <p:cTn id="1" dur="indefinite" restart="never" nodeType="tmRoot"/>
+      </p:par>
+    </p:tnLst>
+  </p:timing>
+</p:sld>
+</file>
+
+<file path=ppt/slides/slide48.xml><?xml version="1.0" encoding="utf-8"?>
+<p:sld xmlns:a="http://schemas.openxmlformats.org/drawingml/2006/main" xmlns:r="http://schemas.openxmlformats.org/officeDocument/2006/relationships" xmlns:p="http://schemas.openxmlformats.org/presentationml/2006/main">
+  <p:cSld>
+    <p:spTree>
+      <p:nvGrpSpPr>
+        <p:cNvPr id="1" name=""/>
+        <p:cNvGrpSpPr/>
+        <p:nvPr/>
+      </p:nvGrpSpPr>
+      <p:grpSpPr>
+        <a:xfrm>
+          <a:off x="0" y="0"/>
+          <a:ext cx="0" cy="0"/>
+          <a:chOff x="0" y="0"/>
+          <a:chExt cx="0" cy="0"/>
+        </a:xfrm>
+      </p:grpSpPr>
+      <p:sp>
+        <p:nvSpPr>
+          <p:cNvPr id="2" name="Slide Number Placeholder 1"/>
+          <p:cNvSpPr>
+            <a:spLocks noGrp="1"/>
+          </p:cNvSpPr>
+          <p:nvPr>
+            <p:ph type="sldNum" sz="quarter" idx="12"/>
+          </p:nvPr>
+        </p:nvSpPr>
+        <p:spPr/>
+        <p:txBody>
+          <a:bodyPr/>
+          <a:lstStyle/>
+          <a:p>
+            <a:fld id="{9DFD9A34-EC64-4F0B-9C9B-2C0A202A050B}" type="slidenum">
+              <a:rPr lang="en-US" smtClean="0"/>
+              <a:pPr/>
+              <a:t>48</a:t>
+            </a:fld>
+            <a:endParaRPr lang="en-US" dirty="0"/>
+          </a:p>
+        </p:txBody>
+      </p:sp>
+      <p:sp>
+        <p:nvSpPr>
+          <p:cNvPr id="3" name="Content Placeholder 2"/>
+          <p:cNvSpPr>
+            <a:spLocks noGrp="1"/>
+          </p:cNvSpPr>
+          <p:nvPr>
+            <p:ph sz="quarter" idx="14"/>
+          </p:nvPr>
+        </p:nvSpPr>
+        <p:spPr>
+          <a:xfrm>
+            <a:off x="779926" y="990600"/>
+            <a:ext cx="10496086" cy="5867400"/>
+          </a:xfrm>
+        </p:spPr>
+        <p:txBody>
+          <a:bodyPr>
+            <a:normAutofit fontScale="92500" lnSpcReduction="20000"/>
+          </a:bodyPr>
+          <a:lstStyle/>
+          <a:p>
+            <a:r>
+              <a:rPr lang="en-US" dirty="0"/>
+              <a:t>Tiếng Việt</a:t>
+            </a:r>
+          </a:p>
+          <a:p>
+            <a:pPr marL="622300" lvl="1" indent="-330200">
+              <a:buFont typeface="+mj-lt"/>
+              <a:buAutoNum type="arabicPeriod"/>
+            </a:pPr>
+            <a:r>
+              <a:rPr lang="en-US" dirty="0"/>
+              <a:t>Nguyễn Trọng Dũng, </a:t>
+            </a:r>
+            <a:r>
+              <a:rPr lang="en-US" i="1" dirty="0"/>
+              <a:t>Phát triển Web Service với các công nghệ chuẩn của java</a:t>
+            </a:r>
+            <a:r>
+              <a:rPr lang="en-US" dirty="0"/>
+              <a:t> , Trường ĐHSP Hà Nội</a:t>
+            </a:r>
+          </a:p>
+          <a:p>
+            <a:pPr marL="622300" lvl="1" indent="-330200">
+              <a:buFont typeface="+mj-lt"/>
+              <a:buAutoNum type="arabicPeriod"/>
+            </a:pPr>
+            <a:r>
+              <a:rPr lang="en-US" dirty="0"/>
+              <a:t>Hồ Bảo Thanh &amp; Nguyễn Hoàng Long (2005), </a:t>
+            </a:r>
+            <a:r>
+              <a:rPr lang="en-US" i="1" dirty="0"/>
+              <a:t>Nghiên cứu kiến trúc hướng dịch vụ (Service-Oriented Architecture) và ứng dụng, </a:t>
+            </a:r>
+            <a:r>
+              <a:rPr lang="en-US" dirty="0"/>
+              <a:t>Luận văn cử nhân tin học khoa CNTT – ĐH KHTN </a:t>
+            </a:r>
+            <a:r>
+              <a:rPr lang="en-US" dirty="0" smtClean="0"/>
+              <a:t>Tp.HCM</a:t>
+            </a:r>
+            <a:endParaRPr lang="en-US" dirty="0"/>
+          </a:p>
+          <a:p>
+            <a:r>
+              <a:rPr lang="en-US" dirty="0" smtClean="0"/>
+              <a:t>Tiếng Anh</a:t>
+            </a:r>
+          </a:p>
+          <a:p>
+            <a:pPr marL="622300" lvl="1" indent="-330200">
+              <a:buFont typeface="+mj-lt"/>
+              <a:buAutoNum type="arabicPeriod" startAt="3"/>
+            </a:pPr>
+            <a:r>
+              <a:rPr lang="en-US" dirty="0"/>
+              <a:t>Abdaldhem Albreshne, Patrik Fuhrer, Jacque Pasquier Spasquier (9-2009), </a:t>
+            </a:r>
+            <a:r>
+              <a:rPr lang="en-US" i="1" dirty="0"/>
+              <a:t>Web Services Technologies, </a:t>
+            </a:r>
+            <a:r>
+              <a:rPr lang="en-US" dirty="0"/>
+              <a:t>State of the Art</a:t>
+            </a:r>
+          </a:p>
+          <a:p>
+            <a:pPr marL="622300" lvl="1" indent="-330200">
+              <a:buFont typeface="+mj-lt"/>
+              <a:buAutoNum type="arabicPeriod" startAt="3"/>
+            </a:pPr>
+            <a:r>
+              <a:rPr lang="en-US" dirty="0"/>
+              <a:t>Dr Alex Blewitt (June 2013), </a:t>
+            </a:r>
+            <a:r>
+              <a:rPr lang="en-US" i="1" dirty="0"/>
+              <a:t>Eclipse 4 Plug-in Development by Example</a:t>
+            </a:r>
+            <a:endParaRPr lang="en-US" dirty="0"/>
+          </a:p>
+          <a:p>
+            <a:pPr marL="622300" lvl="1" indent="-330200">
+              <a:buFont typeface="+mj-lt"/>
+              <a:buAutoNum type="arabicPeriod" startAt="3"/>
+            </a:pPr>
+            <a:r>
+              <a:rPr lang="en-US" dirty="0">
+                <a:hlinkClick r:id="rId2"/>
+              </a:rPr>
+              <a:t>Bertrand Portier</a:t>
+            </a:r>
+            <a:r>
+              <a:rPr lang="en-US" dirty="0"/>
+              <a:t> (May 2007), </a:t>
+            </a:r>
+            <a:r>
+              <a:rPr lang="en-US" i="1" dirty="0"/>
+              <a:t>SOA terminology overview</a:t>
+            </a:r>
+            <a:r>
+              <a:rPr lang="en-US" dirty="0"/>
+              <a:t>, IT Architect IBM</a:t>
+            </a:r>
+          </a:p>
+          <a:p>
+            <a:pPr marL="622300" lvl="1" indent="-330200">
+              <a:buFont typeface="+mj-lt"/>
+              <a:buAutoNum type="arabicPeriod" startAt="3"/>
+            </a:pPr>
+            <a:r>
+              <a:rPr lang="en-US" dirty="0"/>
+              <a:t>David s. Linthicum (2004), </a:t>
+            </a:r>
+            <a:r>
+              <a:rPr lang="en-US" i="1" dirty="0"/>
+              <a:t>12 Steps to implementing a Service-Oriented Architecture</a:t>
+            </a:r>
+            <a:endParaRPr lang="en-US" dirty="0"/>
+          </a:p>
+          <a:p>
+            <a:pPr marL="622300" lvl="1" indent="-330200">
+              <a:buFont typeface="+mj-lt"/>
+              <a:buAutoNum type="arabicPeriod" startAt="3"/>
+            </a:pPr>
+            <a:endParaRPr lang="en-US" dirty="0"/>
+          </a:p>
+          <a:p>
+            <a:endParaRPr lang="en-US" dirty="0"/>
+          </a:p>
+          <a:p>
+            <a:pPr lvl="2">
+              <a:lnSpc>
+                <a:spcPct val="100000"/>
+              </a:lnSpc>
+            </a:pPr>
+            <a:endParaRPr lang="en-US" dirty="0"/>
+          </a:p>
+          <a:p>
+            <a:pPr lvl="2">
+              <a:lnSpc>
+                <a:spcPct val="100000"/>
+              </a:lnSpc>
+            </a:pPr>
+            <a:endParaRPr lang="en-US" dirty="0"/>
+          </a:p>
+          <a:p>
+            <a:pPr lvl="2">
+              <a:lnSpc>
+                <a:spcPct val="200000"/>
+              </a:lnSpc>
+            </a:pPr>
+            <a:endParaRPr lang="en-US" sz="2800" dirty="0"/>
+          </a:p>
+          <a:p>
+            <a:endParaRPr lang="en-US" dirty="0"/>
+          </a:p>
+        </p:txBody>
+      </p:sp>
+      <p:sp>
+        <p:nvSpPr>
+          <p:cNvPr id="4" name="Title 3"/>
+          <p:cNvSpPr>
+            <a:spLocks noGrp="1"/>
+          </p:cNvSpPr>
+          <p:nvPr>
+            <p:ph type="title"/>
+          </p:nvPr>
+        </p:nvSpPr>
+        <p:spPr/>
+        <p:txBody>
+          <a:bodyPr>
+            <a:normAutofit fontScale="90000"/>
+          </a:bodyPr>
+          <a:lstStyle/>
+          <a:p>
+            <a:r>
+              <a:rPr lang="en-US" dirty="0" smtClean="0"/>
+              <a:t>Tài liệu tham khảo</a:t>
+            </a:r>
+            <a:endParaRPr lang="en-US" dirty="0"/>
+          </a:p>
+        </p:txBody>
+      </p:sp>
+    </p:spTree>
+    <p:extLst>
+      <p:ext uri="{BB962C8B-B14F-4D97-AF65-F5344CB8AC3E}">
+        <p14:creationId xmlns:p14="http://schemas.microsoft.com/office/powerpoint/2010/main" val="3044689421"/>
+      </p:ext>
+    </p:extLst>
+  </p:cSld>
+  <p:clrMapOvr>
+    <a:masterClrMapping/>
+  </p:clrMapOvr>
+  <p:timing>
+    <p:tnLst>
+      <p:par>
+        <p:cTn id="1" dur="indefinite" restart="never" nodeType="tmRoot"/>
+      </p:par>
+    </p:tnLst>
+  </p:timing>
+</p:sld>
+</file>
+
 <file path=ppt/slides/slide49.xml><?xml version="1.0" encoding="utf-8"?>
 <p:sld xmlns:a="http://schemas.openxmlformats.org/drawingml/2006/main" xmlns:r="http://schemas.openxmlformats.org/officeDocument/2006/relationships" xmlns:p="http://schemas.openxmlformats.org/presentationml/2006/main">
   <p:cSld>
@@ -20238,9 +21070,218 @@
         </p:spPr>
         <p:txBody>
           <a:bodyPr>
-            <a:normAutofit/>
+            <a:normAutofit fontScale="70000" lnSpcReduction="20000"/>
           </a:bodyPr>
           <a:lstStyle/>
+          <a:p>
+            <a:pPr marL="914400" lvl="1" indent="-457200">
+              <a:buFont typeface="+mj-lt"/>
+              <a:buAutoNum type="arabicPeriod" startAt="7"/>
+            </a:pPr>
+            <a:r>
+              <a:rPr lang="en-US" dirty="0"/>
+              <a:t>David Gallardo, </a:t>
+            </a:r>
+            <a:r>
+              <a:rPr lang="en-US" i="1" dirty="0"/>
+              <a:t>Developing Eclipse plug-ins, </a:t>
+            </a:r>
+            <a:r>
+              <a:rPr lang="en-US" dirty="0"/>
+              <a:t> </a:t>
+            </a:r>
+            <a:r>
+              <a:rPr lang="en-US" dirty="0">
+                <a:hlinkClick r:id="rId2"/>
+              </a:rPr>
+              <a:t>http://www.ibm.com/developerworks/opensource/library/os-ecplug/</a:t>
+            </a:r>
+            <a:endParaRPr lang="en-US" dirty="0"/>
+          </a:p>
+          <a:p>
+            <a:pPr marL="914400" lvl="1" indent="-457200">
+              <a:buFont typeface="+mj-lt"/>
+              <a:buAutoNum type="arabicPeriod" startAt="7"/>
+            </a:pPr>
+            <a:r>
+              <a:rPr lang="en-US" dirty="0"/>
+              <a:t>Deepal Jayasinghe (May 2008), </a:t>
+            </a:r>
+            <a:r>
+              <a:rPr lang="en-US" i="1" dirty="0"/>
+              <a:t>Quickstart Apache Axis2</a:t>
+            </a:r>
+            <a:endParaRPr lang="en-US" dirty="0"/>
+          </a:p>
+          <a:p>
+            <a:pPr marL="914400" lvl="1" indent="-457200">
+              <a:buFont typeface="+mj-lt"/>
+              <a:buAutoNum type="arabicPeriod" startAt="7"/>
+            </a:pPr>
+            <a:r>
+              <a:rPr lang="en-US" dirty="0"/>
+              <a:t>Eric Clayberg – Dan Rubel (2008), </a:t>
+            </a:r>
+            <a:r>
+              <a:rPr lang="en-US" i="1" dirty="0"/>
+              <a:t>Eclipse Plug-ins – Third Edition</a:t>
+            </a:r>
+            <a:r>
+              <a:rPr lang="en-US" dirty="0"/>
+              <a:t>, Addison Wesley</a:t>
+            </a:r>
+          </a:p>
+          <a:p>
+            <a:pPr marL="914400" lvl="1" indent="-457200">
+              <a:buFont typeface="+mj-lt"/>
+              <a:buAutoNum type="arabicPeriod" startAt="7"/>
+            </a:pPr>
+            <a:r>
+              <a:rPr lang="en-US" dirty="0"/>
+              <a:t>Hartwig Gunzer (March 2002),  </a:t>
+            </a:r>
+            <a:r>
+              <a:rPr lang="en-US" i="1" dirty="0"/>
+              <a:t>Introduction to Web Services</a:t>
+            </a:r>
+            <a:r>
+              <a:rPr lang="en-US" dirty="0"/>
+              <a:t>, Sales Engineer, Borland</a:t>
+            </a:r>
+          </a:p>
+          <a:p>
+            <a:pPr marL="914400" lvl="1" indent="-457200">
+              <a:buFont typeface="+mj-lt"/>
+              <a:buAutoNum type="arabicPeriod" startAt="7"/>
+            </a:pPr>
+            <a:r>
+              <a:rPr lang="en-US" dirty="0"/>
+              <a:t>Kiet T. Tran (2013), </a:t>
+            </a:r>
+            <a:r>
+              <a:rPr lang="en-US" i="1" dirty="0"/>
+              <a:t>Introduction to Web Services with Java</a:t>
+            </a:r>
+            <a:endParaRPr lang="en-US" dirty="0"/>
+          </a:p>
+          <a:p>
+            <a:pPr marL="914400" lvl="1" indent="-457200">
+              <a:buFont typeface="+mj-lt"/>
+              <a:buAutoNum type="arabicPeriod" startAt="7"/>
+            </a:pPr>
+            <a:r>
+              <a:rPr lang="en-US" dirty="0"/>
+              <a:t>Mark D. Hansen (May 2007), </a:t>
+            </a:r>
+            <a:r>
+              <a:rPr lang="en-US" i="1" dirty="0"/>
+              <a:t>SOA Using Java Web Services</a:t>
+            </a:r>
+            <a:endParaRPr lang="en-US" dirty="0"/>
+          </a:p>
+          <a:p>
+            <a:pPr marL="914400" lvl="1" indent="-457200">
+              <a:buFont typeface="+mj-lt"/>
+              <a:buAutoNum type="arabicPeriod" startAt="7"/>
+            </a:pPr>
+            <a:r>
+              <a:rPr lang="en-US" dirty="0"/>
+              <a:t>Martin Kalin (2013), </a:t>
+            </a:r>
+            <a:r>
+              <a:rPr lang="en-US" i="1" dirty="0"/>
+              <a:t>Java Web Services : Up and Running, Second Edition</a:t>
+            </a:r>
+            <a:endParaRPr lang="en-US" dirty="0"/>
+          </a:p>
+          <a:p>
+            <a:pPr marL="914400" lvl="1" indent="-457200">
+              <a:buFont typeface="+mj-lt"/>
+              <a:buAutoNum type="arabicPeriod" startAt="7"/>
+            </a:pPr>
+            <a:r>
+              <a:rPr lang="en-US" dirty="0"/>
+              <a:t>Yuli Vasiliev (September 2007), </a:t>
+            </a:r>
+            <a:r>
+              <a:rPr lang="en-US" i="1" dirty="0"/>
+              <a:t>SOA and WS-BPEL</a:t>
+            </a:r>
+            <a:r>
+              <a:rPr lang="en-US" dirty="0"/>
+              <a:t> </a:t>
+            </a:r>
+          </a:p>
+          <a:p>
+            <a:pPr marL="914400" lvl="1" indent="-457200">
+              <a:buFont typeface="+mj-lt"/>
+              <a:buAutoNum type="arabicPeriod" startAt="7"/>
+            </a:pPr>
+            <a:r>
+              <a:rPr lang="en-US" dirty="0"/>
+              <a:t>Chris Aniszczyk, David Gallardo, </a:t>
+            </a:r>
+            <a:r>
+              <a:rPr lang="en-US" i="1" dirty="0"/>
+              <a:t>Get Started with the Eclipse platform</a:t>
+            </a:r>
+            <a:r>
+              <a:rPr lang="en-US" dirty="0"/>
+              <a:t> -  </a:t>
+            </a:r>
+            <a:r>
+              <a:rPr lang="en-US" u="sng" dirty="0">
+                <a:hlinkClick r:id="rId3"/>
+              </a:rPr>
+              <a:t>http://www.ibm.com/developerworks/opensource/library/os-eclipse-platform/#N101FF</a:t>
+            </a:r>
+            <a:endParaRPr lang="en-US" dirty="0"/>
+          </a:p>
+          <a:p>
+            <a:pPr marL="914400" lvl="1" indent="-457200">
+              <a:buFont typeface="+mj-lt"/>
+              <a:buAutoNum type="arabicPeriod" startAt="7"/>
+            </a:pPr>
+            <a:r>
+              <a:rPr lang="en-US" dirty="0"/>
+              <a:t>Eclipse  – </a:t>
+            </a:r>
+            <a:r>
+              <a:rPr lang="en-US" u="sng" dirty="0">
+                <a:hlinkClick r:id="rId4"/>
+              </a:rPr>
+              <a:t>http://www.eclipse.org/</a:t>
+            </a:r>
+            <a:endParaRPr lang="en-US" dirty="0"/>
+          </a:p>
+          <a:p>
+            <a:pPr marL="914400" lvl="1" indent="-457200">
+              <a:buFont typeface="+mj-lt"/>
+              <a:buAutoNum type="arabicPeriod" startAt="7"/>
+            </a:pPr>
+            <a:r>
+              <a:rPr lang="en-US" i="1" dirty="0"/>
+              <a:t>Web Services Business Process Execution Language Version 2.0</a:t>
+            </a:r>
+            <a:r>
+              <a:rPr lang="en-US" dirty="0"/>
+              <a:t>, OASIS (2007), </a:t>
+            </a:r>
+            <a:r>
+              <a:rPr lang="en-US" u="sng" dirty="0">
+                <a:hlinkClick r:id="rId5"/>
+              </a:rPr>
+              <a:t>http://docs.oasis-open.org/wsbpel/2.0/wsbpel-v2.0.html</a:t>
+            </a:r>
+            <a:endParaRPr lang="en-US" dirty="0"/>
+          </a:p>
+          <a:p>
+            <a:pPr marL="622300" lvl="1" indent="-330200">
+              <a:buFont typeface="+mj-lt"/>
+              <a:buAutoNum type="arabicPeriod" startAt="3"/>
+            </a:pPr>
+            <a:endParaRPr lang="en-US" dirty="0"/>
+          </a:p>
           <a:p>
             <a:endParaRPr lang="en-US" dirty="0"/>
           </a:p>
@@ -20292,7 +21333,7 @@
           <a:p>
             <a:r>
               <a:rPr lang="en-US" dirty="0" smtClean="0"/>
-              <a:t>Kết luận</a:t>
+              <a:t>Tài liệu tham khảo</a:t>
             </a:r>
             <a:endParaRPr lang="en-US" dirty="0"/>
           </a:p>
@@ -20301,7 +21342,7 @@
     </p:spTree>
     <p:extLst>
       <p:ext uri="{BB962C8B-B14F-4D97-AF65-F5344CB8AC3E}">
-        <p14:creationId xmlns:p14="http://schemas.microsoft.com/office/powerpoint/2010/main" val="4273981657"/>
+        <p14:creationId xmlns:p14="http://schemas.microsoft.com/office/powerpoint/2010/main" val="3699096762"/>
       </p:ext>
     </p:extLst>
   </p:cSld>
@@ -20400,7 +21441,15 @@
             </a:r>
             <a:r>
               <a:rPr lang="en-US" dirty="0" smtClean="0"/>
-              <a:t>Công nghệ dịch vụ web (web services) đã trở thành một phương pháp phổ biến cho việc kết nối các thành phần của hệ thống SOA với nhau</a:t>
+              <a:t>Công nghệ dịch vụ web </a:t>
+            </a:r>
+            <a:r>
+              <a:rPr lang="en-US" dirty="0" smtClean="0"/>
+              <a:t>(Web Services</a:t>
+            </a:r>
+            <a:r>
+              <a:rPr lang="en-US" dirty="0" smtClean="0"/>
+              <a:t>) đã trở thành một phương pháp phổ biến cho việc kết nối các thành phần của hệ thống SOA với nhau</a:t>
             </a:r>
             <a:endParaRPr lang="en-US" dirty="0"/>
           </a:p>
@@ -20475,1597 +21524,6 @@
     <p:extLst>
       <p:ext uri="{BB962C8B-B14F-4D97-AF65-F5344CB8AC3E}">
         <p14:creationId xmlns:p14="http://schemas.microsoft.com/office/powerpoint/2010/main" val="766075897"/>
-      </p:ext>
-    </p:extLst>
-  </p:cSld>
-  <p:clrMapOvr>
-    <a:masterClrMapping/>
-  </p:clrMapOvr>
-  <p:timing>
-    <p:tnLst>
-      <p:par>
-        <p:cTn id="1" dur="indefinite" restart="never" nodeType="tmRoot"/>
-      </p:par>
-    </p:tnLst>
-  </p:timing>
-</p:sld>
-</file>
-
-<file path=ppt/slides/slide50.xml><?xml version="1.0" encoding="utf-8"?>
-<p:sld xmlns:a="http://schemas.openxmlformats.org/drawingml/2006/main" xmlns:r="http://schemas.openxmlformats.org/officeDocument/2006/relationships" xmlns:p="http://schemas.openxmlformats.org/presentationml/2006/main">
-  <p:cSld>
-    <p:bg>
-      <p:bgPr>
-        <a:blipFill dpi="0" rotWithShape="1">
-          <a:blip r:embed="rId3">
-            <a:lum/>
-          </a:blip>
-          <a:srcRect/>
-          <a:stretch>
-            <a:fillRect t="-21000" b="-21000"/>
-          </a:stretch>
-        </a:blipFill>
-        <a:effectLst/>
-      </p:bgPr>
-    </p:bg>
-    <p:spTree>
-      <p:nvGrpSpPr>
-        <p:cNvPr id="1" name=""/>
-        <p:cNvGrpSpPr/>
-        <p:nvPr/>
-      </p:nvGrpSpPr>
-      <p:grpSpPr>
-        <a:xfrm>
-          <a:off x="0" y="0"/>
-          <a:ext cx="0" cy="0"/>
-          <a:chOff x="0" y="0"/>
-          <a:chExt cx="0" cy="0"/>
-        </a:xfrm>
-      </p:grpSpPr>
-      <p:sp>
-        <p:nvSpPr>
-          <p:cNvPr id="2" name="Title 1"/>
-          <p:cNvSpPr>
-            <a:spLocks noGrp="1"/>
-          </p:cNvSpPr>
-          <p:nvPr>
-            <p:ph type="title"/>
-          </p:nvPr>
-        </p:nvSpPr>
-        <p:spPr>
-          <a:xfrm>
-            <a:off x="0" y="365128"/>
-            <a:ext cx="12188825" cy="5768389"/>
-          </a:xfrm>
-        </p:spPr>
-        <p:txBody>
-          <a:bodyPr>
-            <a:normAutofit/>
-          </a:bodyPr>
-          <a:lstStyle/>
-          <a:p>
-            <a:pPr algn="ctr"/>
-            <a:r>
-              <a:rPr lang="en-US" sz="4000" dirty="0" err="1">
-                <a:ln w="0"/>
-                <a:gradFill>
-                  <a:gsLst>
-                    <a:gs pos="0">
-                      <a:schemeClr val="accent5">
-                        <a:lumMod val="50000"/>
-                      </a:schemeClr>
-                    </a:gs>
-                    <a:gs pos="50000">
-                      <a:schemeClr val="accent5"/>
-                    </a:gs>
-                    <a:gs pos="100000">
-                      <a:schemeClr val="accent5">
-                        <a:lumMod val="60000"/>
-                        <a:lumOff val="40000"/>
-                      </a:schemeClr>
-                    </a:gs>
-                  </a:gsLst>
-                  <a:lin ang="5400000"/>
-                </a:gradFill>
-                <a:effectLst>
-                  <a:reflection blurRad="6350" stA="53000" endA="300" endPos="35500" dir="5400000" sy="-90000" algn="bl" rotWithShape="0"/>
-                </a:effectLst>
-                <a:latin typeface="Ariston" panose="02020500000000000000" pitchFamily="18" charset="0"/>
-                <a:ea typeface="Ariston" panose="02020500000000000000" pitchFamily="18" charset="0"/>
-                <a:cs typeface="Ariston" panose="02020500000000000000" pitchFamily="18" charset="0"/>
-              </a:rPr>
-              <a:t>X</a:t>
-            </a:r>
-            <a:r>
-              <a:rPr lang="en-US" sz="4000" dirty="0" err="1" smtClean="0">
-                <a:ln w="0"/>
-                <a:gradFill>
-                  <a:gsLst>
-                    <a:gs pos="0">
-                      <a:schemeClr val="accent5">
-                        <a:lumMod val="50000"/>
-                      </a:schemeClr>
-                    </a:gs>
-                    <a:gs pos="50000">
-                      <a:schemeClr val="accent5"/>
-                    </a:gs>
-                    <a:gs pos="100000">
-                      <a:schemeClr val="accent5">
-                        <a:lumMod val="60000"/>
-                        <a:lumOff val="40000"/>
-                      </a:schemeClr>
-                    </a:gs>
-                  </a:gsLst>
-                  <a:lin ang="5400000"/>
-                </a:gradFill>
-                <a:effectLst>
-                  <a:reflection blurRad="6350" stA="53000" endA="300" endPos="35500" dir="5400000" sy="-90000" algn="bl" rotWithShape="0"/>
-                </a:effectLst>
-                <a:latin typeface="Ariston" panose="02020500000000000000" pitchFamily="18" charset="0"/>
-                <a:ea typeface="Ariston" panose="02020500000000000000" pitchFamily="18" charset="0"/>
-                <a:cs typeface="Ariston" panose="02020500000000000000" pitchFamily="18" charset="0"/>
-              </a:rPr>
-              <a:t>in</a:t>
-            </a:r>
-            <a:r>
-              <a:rPr lang="en-US" sz="4000" dirty="0" smtClean="0">
-                <a:ln w="0"/>
-                <a:gradFill>
-                  <a:gsLst>
-                    <a:gs pos="0">
-                      <a:schemeClr val="accent5">
-                        <a:lumMod val="50000"/>
-                      </a:schemeClr>
-                    </a:gs>
-                    <a:gs pos="50000">
-                      <a:schemeClr val="accent5"/>
-                    </a:gs>
-                    <a:gs pos="100000">
-                      <a:schemeClr val="accent5">
-                        <a:lumMod val="60000"/>
-                        <a:lumOff val="40000"/>
-                      </a:schemeClr>
-                    </a:gs>
-                  </a:gsLst>
-                  <a:lin ang="5400000"/>
-                </a:gradFill>
-                <a:effectLst>
-                  <a:reflection blurRad="6350" stA="53000" endA="300" endPos="35500" dir="5400000" sy="-90000" algn="bl" rotWithShape="0"/>
-                </a:effectLst>
-                <a:latin typeface="Ariston" panose="02020500000000000000" pitchFamily="18" charset="0"/>
-                <a:ea typeface="Ariston" panose="02020500000000000000" pitchFamily="18" charset="0"/>
-                <a:cs typeface="Ariston" panose="02020500000000000000" pitchFamily="18" charset="0"/>
-              </a:rPr>
-              <a:t> </a:t>
-            </a:r>
-            <a:r>
-              <a:rPr lang="en-US" sz="4000" dirty="0" err="1">
-                <a:ln w="0"/>
-                <a:gradFill>
-                  <a:gsLst>
-                    <a:gs pos="0">
-                      <a:schemeClr val="accent5">
-                        <a:lumMod val="50000"/>
-                      </a:schemeClr>
-                    </a:gs>
-                    <a:gs pos="50000">
-                      <a:schemeClr val="accent5"/>
-                    </a:gs>
-                    <a:gs pos="100000">
-                      <a:schemeClr val="accent5">
-                        <a:lumMod val="60000"/>
-                        <a:lumOff val="40000"/>
-                      </a:schemeClr>
-                    </a:gs>
-                  </a:gsLst>
-                  <a:lin ang="5400000"/>
-                </a:gradFill>
-                <a:effectLst>
-                  <a:reflection blurRad="6350" stA="53000" endA="300" endPos="35500" dir="5400000" sy="-90000" algn="bl" rotWithShape="0"/>
-                </a:effectLst>
-                <a:latin typeface="Ariston" panose="02020500000000000000" pitchFamily="18" charset="0"/>
-                <a:ea typeface="Ariston" panose="02020500000000000000" pitchFamily="18" charset="0"/>
-                <a:cs typeface="Ariston" panose="02020500000000000000" pitchFamily="18" charset="0"/>
-              </a:rPr>
-              <a:t>chân</a:t>
-            </a:r>
-            <a:r>
-              <a:rPr lang="en-US" sz="4000" dirty="0">
-                <a:ln w="0"/>
-                <a:gradFill>
-                  <a:gsLst>
-                    <a:gs pos="0">
-                      <a:schemeClr val="accent5">
-                        <a:lumMod val="50000"/>
-                      </a:schemeClr>
-                    </a:gs>
-                    <a:gs pos="50000">
-                      <a:schemeClr val="accent5"/>
-                    </a:gs>
-                    <a:gs pos="100000">
-                      <a:schemeClr val="accent5">
-                        <a:lumMod val="60000"/>
-                        <a:lumOff val="40000"/>
-                      </a:schemeClr>
-                    </a:gs>
-                  </a:gsLst>
-                  <a:lin ang="5400000"/>
-                </a:gradFill>
-                <a:effectLst>
-                  <a:reflection blurRad="6350" stA="53000" endA="300" endPos="35500" dir="5400000" sy="-90000" algn="bl" rotWithShape="0"/>
-                </a:effectLst>
-                <a:latin typeface="Ariston" panose="02020500000000000000" pitchFamily="18" charset="0"/>
-                <a:ea typeface="Ariston" panose="02020500000000000000" pitchFamily="18" charset="0"/>
-                <a:cs typeface="Ariston" panose="02020500000000000000" pitchFamily="18" charset="0"/>
-              </a:rPr>
-              <a:t> </a:t>
-            </a:r>
-            <a:r>
-              <a:rPr lang="en-US" sz="4000" dirty="0" err="1">
-                <a:ln w="0"/>
-                <a:gradFill>
-                  <a:gsLst>
-                    <a:gs pos="0">
-                      <a:schemeClr val="accent5">
-                        <a:lumMod val="50000"/>
-                      </a:schemeClr>
-                    </a:gs>
-                    <a:gs pos="50000">
-                      <a:schemeClr val="accent5"/>
-                    </a:gs>
-                    <a:gs pos="100000">
-                      <a:schemeClr val="accent5">
-                        <a:lumMod val="60000"/>
-                        <a:lumOff val="40000"/>
-                      </a:schemeClr>
-                    </a:gs>
-                  </a:gsLst>
-                  <a:lin ang="5400000"/>
-                </a:gradFill>
-                <a:effectLst>
-                  <a:reflection blurRad="6350" stA="53000" endA="300" endPos="35500" dir="5400000" sy="-90000" algn="bl" rotWithShape="0"/>
-                </a:effectLst>
-                <a:latin typeface="Ariston" panose="02020500000000000000" pitchFamily="18" charset="0"/>
-                <a:ea typeface="Ariston" panose="02020500000000000000" pitchFamily="18" charset="0"/>
-                <a:cs typeface="Ariston" panose="02020500000000000000" pitchFamily="18" charset="0"/>
-              </a:rPr>
-              <a:t>thành</a:t>
-            </a:r>
-            <a:r>
-              <a:rPr lang="en-US" sz="4000" dirty="0">
-                <a:ln w="0"/>
-                <a:gradFill>
-                  <a:gsLst>
-                    <a:gs pos="0">
-                      <a:schemeClr val="accent5">
-                        <a:lumMod val="50000"/>
-                      </a:schemeClr>
-                    </a:gs>
-                    <a:gs pos="50000">
-                      <a:schemeClr val="accent5"/>
-                    </a:gs>
-                    <a:gs pos="100000">
-                      <a:schemeClr val="accent5">
-                        <a:lumMod val="60000"/>
-                        <a:lumOff val="40000"/>
-                      </a:schemeClr>
-                    </a:gs>
-                  </a:gsLst>
-                  <a:lin ang="5400000"/>
-                </a:gradFill>
-                <a:effectLst>
-                  <a:reflection blurRad="6350" stA="53000" endA="300" endPos="35500" dir="5400000" sy="-90000" algn="bl" rotWithShape="0"/>
-                </a:effectLst>
-                <a:latin typeface="Ariston" panose="02020500000000000000" pitchFamily="18" charset="0"/>
-                <a:ea typeface="Ariston" panose="02020500000000000000" pitchFamily="18" charset="0"/>
-                <a:cs typeface="Ariston" panose="02020500000000000000" pitchFamily="18" charset="0"/>
-              </a:rPr>
-              <a:t> </a:t>
-            </a:r>
-            <a:r>
-              <a:rPr lang="en-US" sz="4000" dirty="0" err="1">
-                <a:ln w="0"/>
-                <a:gradFill>
-                  <a:gsLst>
-                    <a:gs pos="0">
-                      <a:schemeClr val="accent5">
-                        <a:lumMod val="50000"/>
-                      </a:schemeClr>
-                    </a:gs>
-                    <a:gs pos="50000">
-                      <a:schemeClr val="accent5"/>
-                    </a:gs>
-                    <a:gs pos="100000">
-                      <a:schemeClr val="accent5">
-                        <a:lumMod val="60000"/>
-                        <a:lumOff val="40000"/>
-                      </a:schemeClr>
-                    </a:gs>
-                  </a:gsLst>
-                  <a:lin ang="5400000"/>
-                </a:gradFill>
-                <a:effectLst>
-                  <a:reflection blurRad="6350" stA="53000" endA="300" endPos="35500" dir="5400000" sy="-90000" algn="bl" rotWithShape="0"/>
-                </a:effectLst>
-                <a:latin typeface="Ariston" panose="02020500000000000000" pitchFamily="18" charset="0"/>
-                <a:ea typeface="Ariston" panose="02020500000000000000" pitchFamily="18" charset="0"/>
-                <a:cs typeface="Ariston" panose="02020500000000000000" pitchFamily="18" charset="0"/>
-              </a:rPr>
-              <a:t>cảm</a:t>
-            </a:r>
-            <a:r>
-              <a:rPr lang="en-US" sz="4000" dirty="0">
-                <a:ln w="0"/>
-                <a:gradFill>
-                  <a:gsLst>
-                    <a:gs pos="0">
-                      <a:schemeClr val="accent5">
-                        <a:lumMod val="50000"/>
-                      </a:schemeClr>
-                    </a:gs>
-                    <a:gs pos="50000">
-                      <a:schemeClr val="accent5"/>
-                    </a:gs>
-                    <a:gs pos="100000">
-                      <a:schemeClr val="accent5">
-                        <a:lumMod val="60000"/>
-                        <a:lumOff val="40000"/>
-                      </a:schemeClr>
-                    </a:gs>
-                  </a:gsLst>
-                  <a:lin ang="5400000"/>
-                </a:gradFill>
-                <a:effectLst>
-                  <a:reflection blurRad="6350" stA="53000" endA="300" endPos="35500" dir="5400000" sy="-90000" algn="bl" rotWithShape="0"/>
-                </a:effectLst>
-                <a:latin typeface="Ariston" panose="02020500000000000000" pitchFamily="18" charset="0"/>
-                <a:ea typeface="Ariston" panose="02020500000000000000" pitchFamily="18" charset="0"/>
-                <a:cs typeface="Ariston" panose="02020500000000000000" pitchFamily="18" charset="0"/>
-              </a:rPr>
-              <a:t> </a:t>
-            </a:r>
-            <a:r>
-              <a:rPr lang="vi-VN" sz="4000" dirty="0">
-                <a:ln w="0"/>
-                <a:gradFill>
-                  <a:gsLst>
-                    <a:gs pos="0">
-                      <a:schemeClr val="accent5">
-                        <a:lumMod val="50000"/>
-                      </a:schemeClr>
-                    </a:gs>
-                    <a:gs pos="50000">
-                      <a:schemeClr val="accent5"/>
-                    </a:gs>
-                    <a:gs pos="100000">
-                      <a:schemeClr val="accent5">
-                        <a:lumMod val="60000"/>
-                        <a:lumOff val="40000"/>
-                      </a:schemeClr>
-                    </a:gs>
-                  </a:gsLst>
-                  <a:lin ang="5400000"/>
-                </a:gradFill>
-                <a:effectLst>
-                  <a:reflection blurRad="6350" stA="53000" endA="300" endPos="35500" dir="5400000" sy="-90000" algn="bl" rotWithShape="0"/>
-                </a:effectLst>
-                <a:latin typeface="Ariston" panose="02020500000000000000" pitchFamily="18" charset="0"/>
-                <a:ea typeface="Ariston" panose="02020500000000000000" pitchFamily="18" charset="0"/>
-                <a:cs typeface="Ariston" panose="02020500000000000000" pitchFamily="18" charset="0"/>
-              </a:rPr>
-              <a:t>ơ</a:t>
-            </a:r>
-            <a:r>
-              <a:rPr lang="en-US" sz="4000" dirty="0">
-                <a:ln w="0"/>
-                <a:gradFill>
-                  <a:gsLst>
-                    <a:gs pos="0">
-                      <a:schemeClr val="accent5">
-                        <a:lumMod val="50000"/>
-                      </a:schemeClr>
-                    </a:gs>
-                    <a:gs pos="50000">
-                      <a:schemeClr val="accent5"/>
-                    </a:gs>
-                    <a:gs pos="100000">
-                      <a:schemeClr val="accent5">
-                        <a:lumMod val="60000"/>
-                        <a:lumOff val="40000"/>
-                      </a:schemeClr>
-                    </a:gs>
-                  </a:gsLst>
-                  <a:lin ang="5400000"/>
-                </a:gradFill>
-                <a:effectLst>
-                  <a:reflection blurRad="6350" stA="53000" endA="300" endPos="35500" dir="5400000" sy="-90000" algn="bl" rotWithShape="0"/>
-                </a:effectLst>
-                <a:latin typeface="Ariston" panose="02020500000000000000" pitchFamily="18" charset="0"/>
-                <a:ea typeface="Ariston" panose="02020500000000000000" pitchFamily="18" charset="0"/>
-                <a:cs typeface="Ariston" panose="02020500000000000000" pitchFamily="18" charset="0"/>
-              </a:rPr>
-              <a:t>n </a:t>
-            </a:r>
-            <a:r>
-              <a:rPr lang="en-US" sz="4000" dirty="0" err="1" smtClean="0">
-                <a:ln w="0"/>
-                <a:gradFill>
-                  <a:gsLst>
-                    <a:gs pos="0">
-                      <a:schemeClr val="accent5">
-                        <a:lumMod val="50000"/>
-                      </a:schemeClr>
-                    </a:gs>
-                    <a:gs pos="50000">
-                      <a:schemeClr val="accent5"/>
-                    </a:gs>
-                    <a:gs pos="100000">
-                      <a:schemeClr val="accent5">
-                        <a:lumMod val="60000"/>
-                        <a:lumOff val="40000"/>
-                      </a:schemeClr>
-                    </a:gs>
-                  </a:gsLst>
-                  <a:lin ang="5400000"/>
-                </a:gradFill>
-                <a:effectLst>
-                  <a:reflection blurRad="6350" stA="53000" endA="300" endPos="35500" dir="5400000" sy="-90000" algn="bl" rotWithShape="0"/>
-                </a:effectLst>
-                <a:latin typeface="Ariston" panose="02020500000000000000" pitchFamily="18" charset="0"/>
-                <a:ea typeface="Ariston" panose="02020500000000000000" pitchFamily="18" charset="0"/>
-                <a:cs typeface="Ariston" panose="02020500000000000000" pitchFamily="18" charset="0"/>
-              </a:rPr>
-              <a:t>quý</a:t>
-            </a:r>
-            <a:r>
-              <a:rPr lang="en-US" sz="4000" dirty="0" smtClean="0">
-                <a:ln w="0"/>
-                <a:gradFill>
-                  <a:gsLst>
-                    <a:gs pos="0">
-                      <a:schemeClr val="accent5">
-                        <a:lumMod val="50000"/>
-                      </a:schemeClr>
-                    </a:gs>
-                    <a:gs pos="50000">
-                      <a:schemeClr val="accent5"/>
-                    </a:gs>
-                    <a:gs pos="100000">
-                      <a:schemeClr val="accent5">
-                        <a:lumMod val="60000"/>
-                        <a:lumOff val="40000"/>
-                      </a:schemeClr>
-                    </a:gs>
-                  </a:gsLst>
-                  <a:lin ang="5400000"/>
-                </a:gradFill>
-                <a:effectLst>
-                  <a:reflection blurRad="6350" stA="53000" endA="300" endPos="35500" dir="5400000" sy="-90000" algn="bl" rotWithShape="0"/>
-                </a:effectLst>
-                <a:latin typeface="Ariston" panose="02020500000000000000" pitchFamily="18" charset="0"/>
-                <a:ea typeface="Ariston" panose="02020500000000000000" pitchFamily="18" charset="0"/>
-                <a:cs typeface="Ariston" panose="02020500000000000000" pitchFamily="18" charset="0"/>
-              </a:rPr>
-              <a:t> </a:t>
-            </a:r>
-            <a:r>
-              <a:rPr lang="en-US" sz="4000" dirty="0" err="1">
-                <a:ln w="0"/>
-                <a:gradFill>
-                  <a:gsLst>
-                    <a:gs pos="0">
-                      <a:schemeClr val="accent5">
-                        <a:lumMod val="50000"/>
-                      </a:schemeClr>
-                    </a:gs>
-                    <a:gs pos="50000">
-                      <a:schemeClr val="accent5"/>
-                    </a:gs>
-                    <a:gs pos="100000">
-                      <a:schemeClr val="accent5">
-                        <a:lumMod val="60000"/>
-                        <a:lumOff val="40000"/>
-                      </a:schemeClr>
-                    </a:gs>
-                  </a:gsLst>
-                  <a:lin ang="5400000"/>
-                </a:gradFill>
-                <a:effectLst>
-                  <a:reflection blurRad="6350" stA="53000" endA="300" endPos="35500" dir="5400000" sy="-90000" algn="bl" rotWithShape="0"/>
-                </a:effectLst>
-                <a:latin typeface="Ariston" panose="02020500000000000000" pitchFamily="18" charset="0"/>
-                <a:ea typeface="Ariston" panose="02020500000000000000" pitchFamily="18" charset="0"/>
-                <a:cs typeface="Ariston" panose="02020500000000000000" pitchFamily="18" charset="0"/>
-              </a:rPr>
-              <a:t>Thầy</a:t>
-            </a:r>
-            <a:r>
-              <a:rPr lang="en-US" sz="4000" dirty="0">
-                <a:ln w="0"/>
-                <a:gradFill>
-                  <a:gsLst>
-                    <a:gs pos="0">
-                      <a:schemeClr val="accent5">
-                        <a:lumMod val="50000"/>
-                      </a:schemeClr>
-                    </a:gs>
-                    <a:gs pos="50000">
-                      <a:schemeClr val="accent5"/>
-                    </a:gs>
-                    <a:gs pos="100000">
-                      <a:schemeClr val="accent5">
-                        <a:lumMod val="60000"/>
-                        <a:lumOff val="40000"/>
-                      </a:schemeClr>
-                    </a:gs>
-                  </a:gsLst>
-                  <a:lin ang="5400000"/>
-                </a:gradFill>
-                <a:effectLst>
-                  <a:reflection blurRad="6350" stA="53000" endA="300" endPos="35500" dir="5400000" sy="-90000" algn="bl" rotWithShape="0"/>
-                </a:effectLst>
-                <a:latin typeface="Ariston" panose="02020500000000000000" pitchFamily="18" charset="0"/>
-                <a:ea typeface="Ariston" panose="02020500000000000000" pitchFamily="18" charset="0"/>
-                <a:cs typeface="Ariston" panose="02020500000000000000" pitchFamily="18" charset="0"/>
-              </a:rPr>
-              <a:t> </a:t>
-            </a:r>
-            <a:r>
-              <a:rPr lang="en-US" sz="4000" dirty="0" err="1">
-                <a:ln w="0"/>
-                <a:gradFill>
-                  <a:gsLst>
-                    <a:gs pos="0">
-                      <a:schemeClr val="accent5">
-                        <a:lumMod val="50000"/>
-                      </a:schemeClr>
-                    </a:gs>
-                    <a:gs pos="50000">
-                      <a:schemeClr val="accent5"/>
-                    </a:gs>
-                    <a:gs pos="100000">
-                      <a:schemeClr val="accent5">
-                        <a:lumMod val="60000"/>
-                        <a:lumOff val="40000"/>
-                      </a:schemeClr>
-                    </a:gs>
-                  </a:gsLst>
-                  <a:lin ang="5400000"/>
-                </a:gradFill>
-                <a:effectLst>
-                  <a:reflection blurRad="6350" stA="53000" endA="300" endPos="35500" dir="5400000" sy="-90000" algn="bl" rotWithShape="0"/>
-                </a:effectLst>
-                <a:latin typeface="Ariston" panose="02020500000000000000" pitchFamily="18" charset="0"/>
-                <a:ea typeface="Ariston" panose="02020500000000000000" pitchFamily="18" charset="0"/>
-                <a:cs typeface="Ariston" panose="02020500000000000000" pitchFamily="18" charset="0"/>
-              </a:rPr>
-              <a:t>Cô</a:t>
-            </a:r>
-            <a:r>
-              <a:rPr lang="en-US" sz="4000" dirty="0">
-                <a:ln w="0"/>
-                <a:gradFill>
-                  <a:gsLst>
-                    <a:gs pos="0">
-                      <a:schemeClr val="accent5">
-                        <a:lumMod val="50000"/>
-                      </a:schemeClr>
-                    </a:gs>
-                    <a:gs pos="50000">
-                      <a:schemeClr val="accent5"/>
-                    </a:gs>
-                    <a:gs pos="100000">
-                      <a:schemeClr val="accent5">
-                        <a:lumMod val="60000"/>
-                        <a:lumOff val="40000"/>
-                      </a:schemeClr>
-                    </a:gs>
-                  </a:gsLst>
-                  <a:lin ang="5400000"/>
-                </a:gradFill>
-                <a:effectLst>
-                  <a:reflection blurRad="6350" stA="53000" endA="300" endPos="35500" dir="5400000" sy="-90000" algn="bl" rotWithShape="0"/>
-                </a:effectLst>
-                <a:latin typeface="Ariston" panose="02020500000000000000" pitchFamily="18" charset="0"/>
-                <a:ea typeface="Ariston" panose="02020500000000000000" pitchFamily="18" charset="0"/>
-                <a:cs typeface="Ariston" panose="02020500000000000000" pitchFamily="18" charset="0"/>
-              </a:rPr>
-              <a:t> </a:t>
-            </a:r>
-            <a:r>
-              <a:rPr lang="en-US" sz="4000" dirty="0" smtClean="0">
-                <a:ln w="0"/>
-                <a:gradFill>
-                  <a:gsLst>
-                    <a:gs pos="0">
-                      <a:schemeClr val="accent5">
-                        <a:lumMod val="50000"/>
-                      </a:schemeClr>
-                    </a:gs>
-                    <a:gs pos="50000">
-                      <a:schemeClr val="accent5"/>
-                    </a:gs>
-                    <a:gs pos="100000">
-                      <a:schemeClr val="accent5">
-                        <a:lumMod val="60000"/>
-                        <a:lumOff val="40000"/>
-                      </a:schemeClr>
-                    </a:gs>
-                  </a:gsLst>
-                  <a:lin ang="5400000"/>
-                </a:gradFill>
-                <a:effectLst>
-                  <a:reflection blurRad="6350" stA="53000" endA="300" endPos="35500" dir="5400000" sy="-90000" algn="bl" rotWithShape="0"/>
-                </a:effectLst>
-                <a:latin typeface="Ariston" panose="02020500000000000000" pitchFamily="18" charset="0"/>
-                <a:ea typeface="Ariston" panose="02020500000000000000" pitchFamily="18" charset="0"/>
-                <a:cs typeface="Ariston" panose="02020500000000000000" pitchFamily="18" charset="0"/>
-              </a:rPr>
-              <a:t/>
-            </a:r>
-            <a:br>
-              <a:rPr lang="en-US" sz="4000" dirty="0" smtClean="0">
-                <a:ln w="0"/>
-                <a:gradFill>
-                  <a:gsLst>
-                    <a:gs pos="0">
-                      <a:schemeClr val="accent5">
-                        <a:lumMod val="50000"/>
-                      </a:schemeClr>
-                    </a:gs>
-                    <a:gs pos="50000">
-                      <a:schemeClr val="accent5"/>
-                    </a:gs>
-                    <a:gs pos="100000">
-                      <a:schemeClr val="accent5">
-                        <a:lumMod val="60000"/>
-                        <a:lumOff val="40000"/>
-                      </a:schemeClr>
-                    </a:gs>
-                  </a:gsLst>
-                  <a:lin ang="5400000"/>
-                </a:gradFill>
-                <a:effectLst>
-                  <a:reflection blurRad="6350" stA="53000" endA="300" endPos="35500" dir="5400000" sy="-90000" algn="bl" rotWithShape="0"/>
-                </a:effectLst>
-                <a:latin typeface="Ariston" panose="02020500000000000000" pitchFamily="18" charset="0"/>
-                <a:ea typeface="Ariston" panose="02020500000000000000" pitchFamily="18" charset="0"/>
-                <a:cs typeface="Ariston" panose="02020500000000000000" pitchFamily="18" charset="0"/>
-              </a:rPr>
-            </a:br>
-            <a:r>
-              <a:rPr lang="en-US" sz="4000" dirty="0" err="1" smtClean="0">
-                <a:ln w="0"/>
-                <a:gradFill>
-                  <a:gsLst>
-                    <a:gs pos="0">
-                      <a:schemeClr val="accent5">
-                        <a:lumMod val="50000"/>
-                      </a:schemeClr>
-                    </a:gs>
-                    <a:gs pos="50000">
-                      <a:schemeClr val="accent5"/>
-                    </a:gs>
-                    <a:gs pos="100000">
-                      <a:schemeClr val="accent5">
-                        <a:lumMod val="60000"/>
-                        <a:lumOff val="40000"/>
-                      </a:schemeClr>
-                    </a:gs>
-                  </a:gsLst>
-                  <a:lin ang="5400000"/>
-                </a:gradFill>
-                <a:effectLst>
-                  <a:reflection blurRad="6350" stA="53000" endA="300" endPos="35500" dir="5400000" sy="-90000" algn="bl" rotWithShape="0"/>
-                </a:effectLst>
-                <a:latin typeface="Ariston" panose="02020500000000000000" pitchFamily="18" charset="0"/>
-                <a:ea typeface="Ariston" panose="02020500000000000000" pitchFamily="18" charset="0"/>
-                <a:cs typeface="Ariston" panose="02020500000000000000" pitchFamily="18" charset="0"/>
-              </a:rPr>
-              <a:t>và</a:t>
-            </a:r>
-            <a:r>
-              <a:rPr lang="en-US" sz="4000" dirty="0" smtClean="0">
-                <a:ln w="0"/>
-                <a:gradFill>
-                  <a:gsLst>
-                    <a:gs pos="0">
-                      <a:schemeClr val="accent5">
-                        <a:lumMod val="50000"/>
-                      </a:schemeClr>
-                    </a:gs>
-                    <a:gs pos="50000">
-                      <a:schemeClr val="accent5"/>
-                    </a:gs>
-                    <a:gs pos="100000">
-                      <a:schemeClr val="accent5">
-                        <a:lumMod val="60000"/>
-                        <a:lumOff val="40000"/>
-                      </a:schemeClr>
-                    </a:gs>
-                  </a:gsLst>
-                  <a:lin ang="5400000"/>
-                </a:gradFill>
-                <a:effectLst>
-                  <a:reflection blurRad="6350" stA="53000" endA="300" endPos="35500" dir="5400000" sy="-90000" algn="bl" rotWithShape="0"/>
-                </a:effectLst>
-                <a:latin typeface="Ariston" panose="02020500000000000000" pitchFamily="18" charset="0"/>
-                <a:ea typeface="Ariston" panose="02020500000000000000" pitchFamily="18" charset="0"/>
-                <a:cs typeface="Ariston" panose="02020500000000000000" pitchFamily="18" charset="0"/>
-              </a:rPr>
-              <a:t> </a:t>
-            </a:r>
-            <a:r>
-              <a:rPr lang="en-US" sz="4000" dirty="0" err="1">
-                <a:ln w="0"/>
-                <a:gradFill>
-                  <a:gsLst>
-                    <a:gs pos="0">
-                      <a:schemeClr val="accent5">
-                        <a:lumMod val="50000"/>
-                      </a:schemeClr>
-                    </a:gs>
-                    <a:gs pos="50000">
-                      <a:schemeClr val="accent5"/>
-                    </a:gs>
-                    <a:gs pos="100000">
-                      <a:schemeClr val="accent5">
-                        <a:lumMod val="60000"/>
-                        <a:lumOff val="40000"/>
-                      </a:schemeClr>
-                    </a:gs>
-                  </a:gsLst>
-                  <a:lin ang="5400000"/>
-                </a:gradFill>
-                <a:effectLst>
-                  <a:reflection blurRad="6350" stA="53000" endA="300" endPos="35500" dir="5400000" sy="-90000" algn="bl" rotWithShape="0"/>
-                </a:effectLst>
-                <a:latin typeface="Ariston" panose="02020500000000000000" pitchFamily="18" charset="0"/>
-                <a:ea typeface="Ariston" panose="02020500000000000000" pitchFamily="18" charset="0"/>
-                <a:cs typeface="Ariston" panose="02020500000000000000" pitchFamily="18" charset="0"/>
-              </a:rPr>
-              <a:t>các</a:t>
-            </a:r>
-            <a:r>
-              <a:rPr lang="en-US" sz="4000" dirty="0">
-                <a:ln w="0"/>
-                <a:gradFill>
-                  <a:gsLst>
-                    <a:gs pos="0">
-                      <a:schemeClr val="accent5">
-                        <a:lumMod val="50000"/>
-                      </a:schemeClr>
-                    </a:gs>
-                    <a:gs pos="50000">
-                      <a:schemeClr val="accent5"/>
-                    </a:gs>
-                    <a:gs pos="100000">
-                      <a:schemeClr val="accent5">
-                        <a:lumMod val="60000"/>
-                        <a:lumOff val="40000"/>
-                      </a:schemeClr>
-                    </a:gs>
-                  </a:gsLst>
-                  <a:lin ang="5400000"/>
-                </a:gradFill>
-                <a:effectLst>
-                  <a:reflection blurRad="6350" stA="53000" endA="300" endPos="35500" dir="5400000" sy="-90000" algn="bl" rotWithShape="0"/>
-                </a:effectLst>
-                <a:latin typeface="Ariston" panose="02020500000000000000" pitchFamily="18" charset="0"/>
-                <a:ea typeface="Ariston" panose="02020500000000000000" pitchFamily="18" charset="0"/>
-                <a:cs typeface="Ariston" panose="02020500000000000000" pitchFamily="18" charset="0"/>
-              </a:rPr>
-              <a:t> </a:t>
-            </a:r>
-            <a:r>
-              <a:rPr lang="en-US" sz="4000" dirty="0" err="1">
-                <a:ln w="0"/>
-                <a:gradFill>
-                  <a:gsLst>
-                    <a:gs pos="0">
-                      <a:schemeClr val="accent5">
-                        <a:lumMod val="50000"/>
-                      </a:schemeClr>
-                    </a:gs>
-                    <a:gs pos="50000">
-                      <a:schemeClr val="accent5"/>
-                    </a:gs>
-                    <a:gs pos="100000">
-                      <a:schemeClr val="accent5">
-                        <a:lumMod val="60000"/>
-                        <a:lumOff val="40000"/>
-                      </a:schemeClr>
-                    </a:gs>
-                  </a:gsLst>
-                  <a:lin ang="5400000"/>
-                </a:gradFill>
-                <a:effectLst>
-                  <a:reflection blurRad="6350" stA="53000" endA="300" endPos="35500" dir="5400000" sy="-90000" algn="bl" rotWithShape="0"/>
-                </a:effectLst>
-                <a:latin typeface="Ariston" panose="02020500000000000000" pitchFamily="18" charset="0"/>
-                <a:ea typeface="Ariston" panose="02020500000000000000" pitchFamily="18" charset="0"/>
-                <a:cs typeface="Ariston" panose="02020500000000000000" pitchFamily="18" charset="0"/>
-              </a:rPr>
-              <a:t>bạn</a:t>
-            </a:r>
-            <a:r>
-              <a:rPr lang="en-US" sz="4000" dirty="0">
-                <a:ln w="0"/>
-                <a:gradFill>
-                  <a:gsLst>
-                    <a:gs pos="0">
-                      <a:schemeClr val="accent5">
-                        <a:lumMod val="50000"/>
-                      </a:schemeClr>
-                    </a:gs>
-                    <a:gs pos="50000">
-                      <a:schemeClr val="accent5"/>
-                    </a:gs>
-                    <a:gs pos="100000">
-                      <a:schemeClr val="accent5">
-                        <a:lumMod val="60000"/>
-                        <a:lumOff val="40000"/>
-                      </a:schemeClr>
-                    </a:gs>
-                  </a:gsLst>
-                  <a:lin ang="5400000"/>
-                </a:gradFill>
-                <a:effectLst>
-                  <a:reflection blurRad="6350" stA="53000" endA="300" endPos="35500" dir="5400000" sy="-90000" algn="bl" rotWithShape="0"/>
-                </a:effectLst>
-                <a:latin typeface="Ariston" panose="02020500000000000000" pitchFamily="18" charset="0"/>
-                <a:ea typeface="Ariston" panose="02020500000000000000" pitchFamily="18" charset="0"/>
-                <a:cs typeface="Ariston" panose="02020500000000000000" pitchFamily="18" charset="0"/>
-              </a:rPr>
-              <a:t> </a:t>
-            </a:r>
-            <a:r>
-              <a:rPr lang="vi-VN" sz="4000" dirty="0">
-                <a:ln w="0"/>
-                <a:gradFill>
-                  <a:gsLst>
-                    <a:gs pos="0">
-                      <a:schemeClr val="accent5">
-                        <a:lumMod val="50000"/>
-                      </a:schemeClr>
-                    </a:gs>
-                    <a:gs pos="50000">
-                      <a:schemeClr val="accent5"/>
-                    </a:gs>
-                    <a:gs pos="100000">
-                      <a:schemeClr val="accent5">
-                        <a:lumMod val="60000"/>
-                        <a:lumOff val="40000"/>
-                      </a:schemeClr>
-                    </a:gs>
-                  </a:gsLst>
-                  <a:lin ang="5400000"/>
-                </a:gradFill>
-                <a:effectLst>
-                  <a:reflection blurRad="6350" stA="53000" endA="300" endPos="35500" dir="5400000" sy="-90000" algn="bl" rotWithShape="0"/>
-                </a:effectLst>
-                <a:latin typeface="Ariston" panose="02020500000000000000" pitchFamily="18" charset="0"/>
-                <a:ea typeface="Ariston" panose="02020500000000000000" pitchFamily="18" charset="0"/>
-                <a:cs typeface="Ariston" panose="02020500000000000000" pitchFamily="18" charset="0"/>
-              </a:rPr>
-              <a:t>đã lắng </a:t>
-            </a:r>
-            <a:r>
-              <a:rPr lang="vi-VN" sz="4000" dirty="0" smtClean="0">
-                <a:ln w="0"/>
-                <a:gradFill>
-                  <a:gsLst>
-                    <a:gs pos="0">
-                      <a:schemeClr val="accent5">
-                        <a:lumMod val="50000"/>
-                      </a:schemeClr>
-                    </a:gs>
-                    <a:gs pos="50000">
-                      <a:schemeClr val="accent5"/>
-                    </a:gs>
-                    <a:gs pos="100000">
-                      <a:schemeClr val="accent5">
-                        <a:lumMod val="60000"/>
-                        <a:lumOff val="40000"/>
-                      </a:schemeClr>
-                    </a:gs>
-                  </a:gsLst>
-                  <a:lin ang="5400000"/>
-                </a:gradFill>
-                <a:effectLst>
-                  <a:reflection blurRad="6350" stA="53000" endA="300" endPos="35500" dir="5400000" sy="-90000" algn="bl" rotWithShape="0"/>
-                </a:effectLst>
-                <a:latin typeface="Ariston" panose="02020500000000000000" pitchFamily="18" charset="0"/>
-                <a:ea typeface="Ariston" panose="02020500000000000000" pitchFamily="18" charset="0"/>
-                <a:cs typeface="Ariston" panose="02020500000000000000" pitchFamily="18" charset="0"/>
-              </a:rPr>
-              <a:t>nghe</a:t>
-            </a:r>
-            <a:r>
-              <a:rPr lang="en-US" sz="4000" dirty="0" smtClean="0">
-                <a:ln w="0"/>
-                <a:gradFill>
-                  <a:gsLst>
-                    <a:gs pos="0">
-                      <a:schemeClr val="accent5">
-                        <a:lumMod val="50000"/>
-                      </a:schemeClr>
-                    </a:gs>
-                    <a:gs pos="50000">
-                      <a:schemeClr val="accent5"/>
-                    </a:gs>
-                    <a:gs pos="100000">
-                      <a:schemeClr val="accent5">
-                        <a:lumMod val="60000"/>
-                        <a:lumOff val="40000"/>
-                      </a:schemeClr>
-                    </a:gs>
-                  </a:gsLst>
-                  <a:lin ang="5400000"/>
-                </a:gradFill>
-                <a:effectLst>
-                  <a:reflection blurRad="6350" stA="53000" endA="300" endPos="35500" dir="5400000" sy="-90000" algn="bl" rotWithShape="0"/>
-                </a:effectLst>
-                <a:latin typeface="Ariston" panose="02020500000000000000" pitchFamily="18" charset="0"/>
-                <a:ea typeface="Ariston" panose="02020500000000000000" pitchFamily="18" charset="0"/>
-                <a:cs typeface="Ariston" panose="02020500000000000000" pitchFamily="18" charset="0"/>
-              </a:rPr>
-              <a:t>!</a:t>
-            </a:r>
-            <a:endParaRPr lang="en-US" sz="4000" dirty="0">
-              <a:ln w="0"/>
-              <a:gradFill>
-                <a:gsLst>
-                  <a:gs pos="0">
-                    <a:schemeClr val="accent5">
-                      <a:lumMod val="50000"/>
-                    </a:schemeClr>
-                  </a:gs>
-                  <a:gs pos="50000">
-                    <a:schemeClr val="accent5"/>
-                  </a:gs>
-                  <a:gs pos="100000">
-                    <a:schemeClr val="accent5">
-                      <a:lumMod val="60000"/>
-                      <a:lumOff val="40000"/>
-                    </a:schemeClr>
-                  </a:gs>
-                </a:gsLst>
-                <a:lin ang="5400000"/>
-              </a:gradFill>
-              <a:effectLst>
-                <a:reflection blurRad="6350" stA="53000" endA="300" endPos="35500" dir="5400000" sy="-90000" algn="bl" rotWithShape="0"/>
-              </a:effectLst>
-              <a:latin typeface="Ariston" panose="02020500000000000000" pitchFamily="18" charset="0"/>
-              <a:ea typeface="Ariston" panose="02020500000000000000" pitchFamily="18" charset="0"/>
-              <a:cs typeface="Ariston" panose="02020500000000000000" pitchFamily="18" charset="0"/>
-            </a:endParaRPr>
-          </a:p>
-        </p:txBody>
-      </p:sp>
-    </p:spTree>
-    <p:extLst>
-      <p:ext uri="{BB962C8B-B14F-4D97-AF65-F5344CB8AC3E}">
-        <p14:creationId xmlns:p14="http://schemas.microsoft.com/office/powerpoint/2010/main" val="1957705873"/>
-      </p:ext>
-    </p:extLst>
-  </p:cSld>
-  <p:clrMapOvr>
-    <a:overrideClrMapping bg1="lt1" tx1="dk1" bg2="lt2" tx2="dk2" accent1="accent1" accent2="accent2" accent3="accent3" accent4="accent4" accent5="accent5" accent6="accent6" hlink="hlink" folHlink="folHlink"/>
-  </p:clrMapOvr>
-  <p:timing>
-    <p:tnLst>
-      <p:par>
-        <p:cTn id="1" dur="indefinite" restart="never" nodeType="tmRoot"/>
-      </p:par>
-    </p:tnLst>
-  </p:timing>
-</p:sld>
-</file>
-
-<file path=ppt/slides/slide51.xml><?xml version="1.0" encoding="utf-8"?>
-<p:sld xmlns:a="http://schemas.openxmlformats.org/drawingml/2006/main" xmlns:r="http://schemas.openxmlformats.org/officeDocument/2006/relationships" xmlns:p="http://schemas.openxmlformats.org/presentationml/2006/main">
-  <p:cSld>
-    <p:spTree>
-      <p:nvGrpSpPr>
-        <p:cNvPr id="1" name=""/>
-        <p:cNvGrpSpPr/>
-        <p:nvPr/>
-      </p:nvGrpSpPr>
-      <p:grpSpPr>
-        <a:xfrm>
-          <a:off x="0" y="0"/>
-          <a:ext cx="0" cy="0"/>
-          <a:chOff x="0" y="0"/>
-          <a:chExt cx="0" cy="0"/>
-        </a:xfrm>
-      </p:grpSpPr>
-      <p:sp>
-        <p:nvSpPr>
-          <p:cNvPr id="2" name="Slide Number Placeholder 1"/>
-          <p:cNvSpPr>
-            <a:spLocks noGrp="1"/>
-          </p:cNvSpPr>
-          <p:nvPr>
-            <p:ph type="sldNum" sz="quarter" idx="12"/>
-          </p:nvPr>
-        </p:nvSpPr>
-        <p:spPr/>
-        <p:txBody>
-          <a:bodyPr/>
-          <a:lstStyle/>
-          <a:p>
-            <a:fld id="{9DFD9A34-EC64-4F0B-9C9B-2C0A202A050B}" type="slidenum">
-              <a:rPr lang="en-US" smtClean="0"/>
-              <a:pPr/>
-              <a:t>51</a:t>
-            </a:fld>
-            <a:endParaRPr lang="en-US" dirty="0"/>
-          </a:p>
-        </p:txBody>
-      </p:sp>
-      <p:sp>
-        <p:nvSpPr>
-          <p:cNvPr id="3" name="Content Placeholder 2"/>
-          <p:cNvSpPr>
-            <a:spLocks noGrp="1"/>
-          </p:cNvSpPr>
-          <p:nvPr>
-            <p:ph sz="quarter" idx="14"/>
-          </p:nvPr>
-        </p:nvSpPr>
-        <p:spPr>
-          <a:xfrm>
-            <a:off x="779926" y="990600"/>
-            <a:ext cx="10496086" cy="5867400"/>
-          </a:xfrm>
-        </p:spPr>
-        <p:txBody>
-          <a:bodyPr>
-            <a:normAutofit fontScale="92500" lnSpcReduction="20000"/>
-          </a:bodyPr>
-          <a:lstStyle/>
-          <a:p>
-            <a:r>
-              <a:rPr lang="en-US" dirty="0"/>
-              <a:t>Tiếng Việt</a:t>
-            </a:r>
-          </a:p>
-          <a:p>
-            <a:pPr marL="622300" lvl="1" indent="-330200">
-              <a:buFont typeface="+mj-lt"/>
-              <a:buAutoNum type="arabicPeriod"/>
-            </a:pPr>
-            <a:r>
-              <a:rPr lang="en-US" dirty="0"/>
-              <a:t>Nguyễn Trọng Dũng, </a:t>
-            </a:r>
-            <a:r>
-              <a:rPr lang="en-US" i="1" dirty="0"/>
-              <a:t>Phát triển Web Service với các công nghệ chuẩn của java</a:t>
-            </a:r>
-            <a:r>
-              <a:rPr lang="en-US" dirty="0"/>
-              <a:t> , Trường ĐHSP Hà Nội</a:t>
-            </a:r>
-          </a:p>
-          <a:p>
-            <a:pPr marL="622300" lvl="1" indent="-330200">
-              <a:buFont typeface="+mj-lt"/>
-              <a:buAutoNum type="arabicPeriod"/>
-            </a:pPr>
-            <a:r>
-              <a:rPr lang="en-US" dirty="0"/>
-              <a:t>Hồ Bảo Thanh &amp; Nguyễn Hoàng Long (2005), </a:t>
-            </a:r>
-            <a:r>
-              <a:rPr lang="en-US" i="1" dirty="0"/>
-              <a:t>Nghiên cứu kiến trúc hướng dịch vụ (Service-Oriented Architecture) và ứng dụng, </a:t>
-            </a:r>
-            <a:r>
-              <a:rPr lang="en-US" dirty="0"/>
-              <a:t>Luận văn cử nhân tin học khoa CNTT – ĐH KHTN </a:t>
-            </a:r>
-            <a:r>
-              <a:rPr lang="en-US" dirty="0" smtClean="0"/>
-              <a:t>Tp.HCM</a:t>
-            </a:r>
-            <a:endParaRPr lang="en-US" dirty="0"/>
-          </a:p>
-          <a:p>
-            <a:r>
-              <a:rPr lang="en-US" dirty="0" smtClean="0"/>
-              <a:t>Tiếng Anh</a:t>
-            </a:r>
-          </a:p>
-          <a:p>
-            <a:pPr marL="622300" lvl="1" indent="-330200">
-              <a:buFont typeface="+mj-lt"/>
-              <a:buAutoNum type="arabicPeriod" startAt="3"/>
-            </a:pPr>
-            <a:r>
-              <a:rPr lang="en-US" dirty="0"/>
-              <a:t>Abdaldhem Albreshne, Patrik Fuhrer, Jacque Pasquier Spasquier (9-2009), </a:t>
-            </a:r>
-            <a:r>
-              <a:rPr lang="en-US" i="1" dirty="0"/>
-              <a:t>Web Services Technologies, </a:t>
-            </a:r>
-            <a:r>
-              <a:rPr lang="en-US" dirty="0"/>
-              <a:t>State of the Art</a:t>
-            </a:r>
-          </a:p>
-          <a:p>
-            <a:pPr marL="622300" lvl="1" indent="-330200">
-              <a:buFont typeface="+mj-lt"/>
-              <a:buAutoNum type="arabicPeriod" startAt="3"/>
-            </a:pPr>
-            <a:r>
-              <a:rPr lang="en-US" dirty="0"/>
-              <a:t>Dr Alex Blewitt (June 2013), </a:t>
-            </a:r>
-            <a:r>
-              <a:rPr lang="en-US" i="1" dirty="0"/>
-              <a:t>Eclipse 4 Plug-in Development by Example</a:t>
-            </a:r>
-            <a:endParaRPr lang="en-US" dirty="0"/>
-          </a:p>
-          <a:p>
-            <a:pPr marL="622300" lvl="1" indent="-330200">
-              <a:buFont typeface="+mj-lt"/>
-              <a:buAutoNum type="arabicPeriod" startAt="3"/>
-            </a:pPr>
-            <a:r>
-              <a:rPr lang="en-US" dirty="0">
-                <a:hlinkClick r:id="rId2"/>
-              </a:rPr>
-              <a:t>Bertrand Portier</a:t>
-            </a:r>
-            <a:r>
-              <a:rPr lang="en-US" dirty="0"/>
-              <a:t> (May 2007), </a:t>
-            </a:r>
-            <a:r>
-              <a:rPr lang="en-US" i="1" dirty="0"/>
-              <a:t>SOA terminology overview</a:t>
-            </a:r>
-            <a:r>
-              <a:rPr lang="en-US" dirty="0"/>
-              <a:t>, IT Architect IBM</a:t>
-            </a:r>
-          </a:p>
-          <a:p>
-            <a:pPr marL="622300" lvl="1" indent="-330200">
-              <a:buFont typeface="+mj-lt"/>
-              <a:buAutoNum type="arabicPeriod" startAt="3"/>
-            </a:pPr>
-            <a:r>
-              <a:rPr lang="en-US" dirty="0"/>
-              <a:t>David s. Linthicum (2004), </a:t>
-            </a:r>
-            <a:r>
-              <a:rPr lang="en-US" i="1" dirty="0"/>
-              <a:t>12 Steps to implementing a Service-Oriented Architecture</a:t>
-            </a:r>
-            <a:endParaRPr lang="en-US" dirty="0"/>
-          </a:p>
-          <a:p>
-            <a:pPr marL="622300" lvl="1" indent="-330200">
-              <a:buFont typeface="+mj-lt"/>
-              <a:buAutoNum type="arabicPeriod" startAt="3"/>
-            </a:pPr>
-            <a:endParaRPr lang="en-US" dirty="0"/>
-          </a:p>
-          <a:p>
-            <a:endParaRPr lang="en-US" dirty="0"/>
-          </a:p>
-          <a:p>
-            <a:pPr lvl="2">
-              <a:lnSpc>
-                <a:spcPct val="100000"/>
-              </a:lnSpc>
-            </a:pPr>
-            <a:endParaRPr lang="en-US" dirty="0"/>
-          </a:p>
-          <a:p>
-            <a:pPr lvl="2">
-              <a:lnSpc>
-                <a:spcPct val="100000"/>
-              </a:lnSpc>
-            </a:pPr>
-            <a:endParaRPr lang="en-US" dirty="0"/>
-          </a:p>
-          <a:p>
-            <a:pPr lvl="2">
-              <a:lnSpc>
-                <a:spcPct val="200000"/>
-              </a:lnSpc>
-            </a:pPr>
-            <a:endParaRPr lang="en-US" sz="2800" dirty="0"/>
-          </a:p>
-          <a:p>
-            <a:endParaRPr lang="en-US" dirty="0"/>
-          </a:p>
-        </p:txBody>
-      </p:sp>
-      <p:sp>
-        <p:nvSpPr>
-          <p:cNvPr id="4" name="Title 3"/>
-          <p:cNvSpPr>
-            <a:spLocks noGrp="1"/>
-          </p:cNvSpPr>
-          <p:nvPr>
-            <p:ph type="title"/>
-          </p:nvPr>
-        </p:nvSpPr>
-        <p:spPr/>
-        <p:txBody>
-          <a:bodyPr>
-            <a:normAutofit fontScale="90000"/>
-          </a:bodyPr>
-          <a:lstStyle/>
-          <a:p>
-            <a:r>
-              <a:rPr lang="en-US" dirty="0" smtClean="0"/>
-              <a:t>Tài liệu tham khảo</a:t>
-            </a:r>
-            <a:endParaRPr lang="en-US" dirty="0"/>
-          </a:p>
-        </p:txBody>
-      </p:sp>
-    </p:spTree>
-    <p:extLst>
-      <p:ext uri="{BB962C8B-B14F-4D97-AF65-F5344CB8AC3E}">
-        <p14:creationId xmlns:p14="http://schemas.microsoft.com/office/powerpoint/2010/main" val="3044689421"/>
-      </p:ext>
-    </p:extLst>
-  </p:cSld>
-  <p:clrMapOvr>
-    <a:masterClrMapping/>
-  </p:clrMapOvr>
-  <p:timing>
-    <p:tnLst>
-      <p:par>
-        <p:cTn id="1" dur="indefinite" restart="never" nodeType="tmRoot"/>
-      </p:par>
-    </p:tnLst>
-  </p:timing>
-</p:sld>
-</file>
-
-<file path=ppt/slides/slide52.xml><?xml version="1.0" encoding="utf-8"?>
-<p:sld xmlns:a="http://schemas.openxmlformats.org/drawingml/2006/main" xmlns:r="http://schemas.openxmlformats.org/officeDocument/2006/relationships" xmlns:p="http://schemas.openxmlformats.org/presentationml/2006/main">
-  <p:cSld>
-    <p:spTree>
-      <p:nvGrpSpPr>
-        <p:cNvPr id="1" name=""/>
-        <p:cNvGrpSpPr/>
-        <p:nvPr/>
-      </p:nvGrpSpPr>
-      <p:grpSpPr>
-        <a:xfrm>
-          <a:off x="0" y="0"/>
-          <a:ext cx="0" cy="0"/>
-          <a:chOff x="0" y="0"/>
-          <a:chExt cx="0" cy="0"/>
-        </a:xfrm>
-      </p:grpSpPr>
-      <p:sp>
-        <p:nvSpPr>
-          <p:cNvPr id="2" name="Slide Number Placeholder 1"/>
-          <p:cNvSpPr>
-            <a:spLocks noGrp="1"/>
-          </p:cNvSpPr>
-          <p:nvPr>
-            <p:ph type="sldNum" sz="quarter" idx="12"/>
-          </p:nvPr>
-        </p:nvSpPr>
-        <p:spPr/>
-        <p:txBody>
-          <a:bodyPr/>
-          <a:lstStyle/>
-          <a:p>
-            <a:fld id="{9DFD9A34-EC64-4F0B-9C9B-2C0A202A050B}" type="slidenum">
-              <a:rPr lang="en-US" smtClean="0"/>
-              <a:pPr/>
-              <a:t>52</a:t>
-            </a:fld>
-            <a:endParaRPr lang="en-US" dirty="0"/>
-          </a:p>
-        </p:txBody>
-      </p:sp>
-      <p:sp>
-        <p:nvSpPr>
-          <p:cNvPr id="3" name="Content Placeholder 2"/>
-          <p:cNvSpPr>
-            <a:spLocks noGrp="1"/>
-          </p:cNvSpPr>
-          <p:nvPr>
-            <p:ph sz="quarter" idx="14"/>
-          </p:nvPr>
-        </p:nvSpPr>
-        <p:spPr>
-          <a:xfrm>
-            <a:off x="779926" y="990600"/>
-            <a:ext cx="10496086" cy="5867400"/>
-          </a:xfrm>
-        </p:spPr>
-        <p:txBody>
-          <a:bodyPr>
-            <a:normAutofit fontScale="70000" lnSpcReduction="20000"/>
-          </a:bodyPr>
-          <a:lstStyle/>
-          <a:p>
-            <a:pPr marL="914400" lvl="1" indent="-457200">
-              <a:buFont typeface="+mj-lt"/>
-              <a:buAutoNum type="arabicPeriod" startAt="7"/>
-            </a:pPr>
-            <a:r>
-              <a:rPr lang="en-US" dirty="0"/>
-              <a:t>David Gallardo, </a:t>
-            </a:r>
-            <a:r>
-              <a:rPr lang="en-US" i="1" dirty="0"/>
-              <a:t>Developing Eclipse plug-ins, </a:t>
-            </a:r>
-            <a:r>
-              <a:rPr lang="en-US" dirty="0"/>
-              <a:t> </a:t>
-            </a:r>
-            <a:r>
-              <a:rPr lang="en-US" dirty="0">
-                <a:hlinkClick r:id="rId2"/>
-              </a:rPr>
-              <a:t>http://www.ibm.com/developerworks/opensource/library/os-ecplug/</a:t>
-            </a:r>
-            <a:endParaRPr lang="en-US" dirty="0"/>
-          </a:p>
-          <a:p>
-            <a:pPr marL="914400" lvl="1" indent="-457200">
-              <a:buFont typeface="+mj-lt"/>
-              <a:buAutoNum type="arabicPeriod" startAt="7"/>
-            </a:pPr>
-            <a:r>
-              <a:rPr lang="en-US" dirty="0"/>
-              <a:t>Deepal Jayasinghe (May 2008), </a:t>
-            </a:r>
-            <a:r>
-              <a:rPr lang="en-US" i="1" dirty="0"/>
-              <a:t>Quickstart Apache Axis2</a:t>
-            </a:r>
-            <a:endParaRPr lang="en-US" dirty="0"/>
-          </a:p>
-          <a:p>
-            <a:pPr marL="914400" lvl="1" indent="-457200">
-              <a:buFont typeface="+mj-lt"/>
-              <a:buAutoNum type="arabicPeriod" startAt="7"/>
-            </a:pPr>
-            <a:r>
-              <a:rPr lang="en-US" dirty="0"/>
-              <a:t>Eric Clayberg – Dan Rubel (2008), </a:t>
-            </a:r>
-            <a:r>
-              <a:rPr lang="en-US" i="1" dirty="0"/>
-              <a:t>Eclipse Plug-ins – Third Edition</a:t>
-            </a:r>
-            <a:r>
-              <a:rPr lang="en-US" dirty="0"/>
-              <a:t>, Addison Wesley</a:t>
-            </a:r>
-          </a:p>
-          <a:p>
-            <a:pPr marL="914400" lvl="1" indent="-457200">
-              <a:buFont typeface="+mj-lt"/>
-              <a:buAutoNum type="arabicPeriod" startAt="7"/>
-            </a:pPr>
-            <a:r>
-              <a:rPr lang="en-US" dirty="0"/>
-              <a:t>Hartwig Gunzer (March 2002),  </a:t>
-            </a:r>
-            <a:r>
-              <a:rPr lang="en-US" i="1" dirty="0"/>
-              <a:t>Introduction to Web Services</a:t>
-            </a:r>
-            <a:r>
-              <a:rPr lang="en-US" dirty="0"/>
-              <a:t>, Sales Engineer, Borland</a:t>
-            </a:r>
-          </a:p>
-          <a:p>
-            <a:pPr marL="914400" lvl="1" indent="-457200">
-              <a:buFont typeface="+mj-lt"/>
-              <a:buAutoNum type="arabicPeriod" startAt="7"/>
-            </a:pPr>
-            <a:r>
-              <a:rPr lang="en-US" dirty="0"/>
-              <a:t>Kiet T. Tran (2013), </a:t>
-            </a:r>
-            <a:r>
-              <a:rPr lang="en-US" i="1" dirty="0"/>
-              <a:t>Introduction to Web Services with Java</a:t>
-            </a:r>
-            <a:endParaRPr lang="en-US" dirty="0"/>
-          </a:p>
-          <a:p>
-            <a:pPr marL="914400" lvl="1" indent="-457200">
-              <a:buFont typeface="+mj-lt"/>
-              <a:buAutoNum type="arabicPeriod" startAt="7"/>
-            </a:pPr>
-            <a:r>
-              <a:rPr lang="en-US" dirty="0"/>
-              <a:t>Mark D. Hansen (May 2007), </a:t>
-            </a:r>
-            <a:r>
-              <a:rPr lang="en-US" i="1" dirty="0"/>
-              <a:t>SOA Using Java Web Services</a:t>
-            </a:r>
-            <a:endParaRPr lang="en-US" dirty="0"/>
-          </a:p>
-          <a:p>
-            <a:pPr marL="914400" lvl="1" indent="-457200">
-              <a:buFont typeface="+mj-lt"/>
-              <a:buAutoNum type="arabicPeriod" startAt="7"/>
-            </a:pPr>
-            <a:r>
-              <a:rPr lang="en-US" dirty="0"/>
-              <a:t>Martin Kalin (2013), </a:t>
-            </a:r>
-            <a:r>
-              <a:rPr lang="en-US" i="1" dirty="0"/>
-              <a:t>Java Web Services : Up and Running, Second Edition</a:t>
-            </a:r>
-            <a:endParaRPr lang="en-US" dirty="0"/>
-          </a:p>
-          <a:p>
-            <a:pPr marL="914400" lvl="1" indent="-457200">
-              <a:buFont typeface="+mj-lt"/>
-              <a:buAutoNum type="arabicPeriod" startAt="7"/>
-            </a:pPr>
-            <a:r>
-              <a:rPr lang="en-US" dirty="0"/>
-              <a:t>Yuli Vasiliev (September 2007), </a:t>
-            </a:r>
-            <a:r>
-              <a:rPr lang="en-US" i="1" dirty="0"/>
-              <a:t>SOA and WS-BPEL</a:t>
-            </a:r>
-            <a:r>
-              <a:rPr lang="en-US" dirty="0"/>
-              <a:t> </a:t>
-            </a:r>
-          </a:p>
-          <a:p>
-            <a:pPr marL="914400" lvl="1" indent="-457200">
-              <a:buFont typeface="+mj-lt"/>
-              <a:buAutoNum type="arabicPeriod" startAt="7"/>
-            </a:pPr>
-            <a:r>
-              <a:rPr lang="en-US" dirty="0"/>
-              <a:t>Chris Aniszczyk, David Gallardo, </a:t>
-            </a:r>
-            <a:r>
-              <a:rPr lang="en-US" i="1" dirty="0"/>
-              <a:t>Get Started with the Eclipse platform</a:t>
-            </a:r>
-            <a:r>
-              <a:rPr lang="en-US" dirty="0"/>
-              <a:t> -  </a:t>
-            </a:r>
-            <a:r>
-              <a:rPr lang="en-US" u="sng" dirty="0">
-                <a:hlinkClick r:id="rId3"/>
-              </a:rPr>
-              <a:t>http://www.ibm.com/developerworks/opensource/library/os-eclipse-platform/#N101FF</a:t>
-            </a:r>
-            <a:endParaRPr lang="en-US" dirty="0"/>
-          </a:p>
-          <a:p>
-            <a:pPr marL="914400" lvl="1" indent="-457200">
-              <a:buFont typeface="+mj-lt"/>
-              <a:buAutoNum type="arabicPeriod" startAt="7"/>
-            </a:pPr>
-            <a:r>
-              <a:rPr lang="en-US" dirty="0"/>
-              <a:t>Eclipse  – </a:t>
-            </a:r>
-            <a:r>
-              <a:rPr lang="en-US" u="sng" dirty="0">
-                <a:hlinkClick r:id="rId4"/>
-              </a:rPr>
-              <a:t>http://www.eclipse.org/</a:t>
-            </a:r>
-            <a:endParaRPr lang="en-US" dirty="0"/>
-          </a:p>
-          <a:p>
-            <a:pPr marL="914400" lvl="1" indent="-457200">
-              <a:buFont typeface="+mj-lt"/>
-              <a:buAutoNum type="arabicPeriod" startAt="7"/>
-            </a:pPr>
-            <a:r>
-              <a:rPr lang="en-US" i="1" dirty="0"/>
-              <a:t>Web Services Business Process Execution Language Version 2.0</a:t>
-            </a:r>
-            <a:r>
-              <a:rPr lang="en-US" dirty="0"/>
-              <a:t>, OASIS (2007), </a:t>
-            </a:r>
-            <a:r>
-              <a:rPr lang="en-US" u="sng" dirty="0">
-                <a:hlinkClick r:id="rId5"/>
-              </a:rPr>
-              <a:t>http://docs.oasis-open.org/wsbpel/2.0/wsbpel-v2.0.html</a:t>
-            </a:r>
-            <a:endParaRPr lang="en-US" dirty="0"/>
-          </a:p>
-          <a:p>
-            <a:pPr marL="622300" lvl="1" indent="-330200">
-              <a:buFont typeface="+mj-lt"/>
-              <a:buAutoNum type="arabicPeriod" startAt="3"/>
-            </a:pPr>
-            <a:endParaRPr lang="en-US" dirty="0"/>
-          </a:p>
-          <a:p>
-            <a:endParaRPr lang="en-US" dirty="0"/>
-          </a:p>
-          <a:p>
-            <a:pPr lvl="2">
-              <a:lnSpc>
-                <a:spcPct val="100000"/>
-              </a:lnSpc>
-            </a:pPr>
-            <a:endParaRPr lang="en-US" dirty="0"/>
-          </a:p>
-          <a:p>
-            <a:pPr lvl="2">
-              <a:lnSpc>
-                <a:spcPct val="100000"/>
-              </a:lnSpc>
-            </a:pPr>
-            <a:endParaRPr lang="en-US" dirty="0"/>
-          </a:p>
-          <a:p>
-            <a:pPr lvl="2">
-              <a:lnSpc>
-                <a:spcPct val="200000"/>
-              </a:lnSpc>
-            </a:pPr>
-            <a:endParaRPr lang="en-US" sz="2800" dirty="0"/>
-          </a:p>
-          <a:p>
-            <a:endParaRPr lang="en-US" dirty="0"/>
-          </a:p>
-        </p:txBody>
-      </p:sp>
-      <p:sp>
-        <p:nvSpPr>
-          <p:cNvPr id="4" name="Title 3"/>
-          <p:cNvSpPr>
-            <a:spLocks noGrp="1"/>
-          </p:cNvSpPr>
-          <p:nvPr>
-            <p:ph type="title"/>
-          </p:nvPr>
-        </p:nvSpPr>
-        <p:spPr/>
-        <p:txBody>
-          <a:bodyPr>
-            <a:normAutofit fontScale="90000"/>
-          </a:bodyPr>
-          <a:lstStyle/>
-          <a:p>
-            <a:r>
-              <a:rPr lang="en-US" dirty="0" smtClean="0"/>
-              <a:t>Tài liệu tham khảo</a:t>
-            </a:r>
-            <a:endParaRPr lang="en-US" dirty="0"/>
-          </a:p>
-        </p:txBody>
-      </p:sp>
-    </p:spTree>
-    <p:extLst>
-      <p:ext uri="{BB962C8B-B14F-4D97-AF65-F5344CB8AC3E}">
-        <p14:creationId xmlns:p14="http://schemas.microsoft.com/office/powerpoint/2010/main" val="3699096762"/>
       </p:ext>
     </p:extLst>
   </p:cSld>
@@ -22144,8 +21602,12 @@
               <a:t>Web </a:t>
             </a:r>
             <a:r>
+              <a:rPr lang="en-US" dirty="0" smtClean="0"/>
+              <a:t>Services </a:t>
+            </a:r>
+            <a:r>
               <a:rPr lang="en-US" dirty="0"/>
-              <a:t>service là một hệ thống phần mềm được thiết kế để hỗ trợ khả năng tương tác giữa các ứng dụng trên các máy tính khác nhau thông qua mạng Internet, giao diện chung và sự gắn kết của nó được mô tả bằng </a:t>
+              <a:t>là một hệ thống phần mềm được thiết kế để hỗ trợ khả năng tương tác giữa các ứng dụng trên các máy tính khác nhau thông qua mạng Internet, giao diện chung và sự gắn kết của nó được mô tả bằng </a:t>
             </a:r>
             <a:r>
               <a:rPr lang="en-US" dirty="0" smtClean="0"/>
@@ -23392,7 +22854,11 @@
           <a:p>
             <a:r>
               <a:rPr lang="en-US" dirty="0" smtClean="0"/>
-              <a:t>Các thành phần của Web Service</a:t>
+              <a:t>Các thành phần của Web </a:t>
+            </a:r>
+            <a:r>
+              <a:rPr lang="en-US" dirty="0" smtClean="0"/>
+              <a:t>Services</a:t>
             </a:r>
             <a:endParaRPr lang="en-US" dirty="0"/>
           </a:p>
